--- a/Slides/Lesson 8.7 The 8-Queens Problem.pptx
+++ b/Slides/Lesson 8.7 The 8-Queens Problem.pptx
@@ -5,7 +5,7 @@
     <p:sldMasterId id="2147483660" r:id="rId1"/>
   </p:sldMasterIdLst>
   <p:notesMasterIdLst>
-    <p:notesMasterId r:id="rId28"/>
+    <p:notesMasterId r:id="rId29"/>
   </p:notesMasterIdLst>
   <p:sldIdLst>
     <p:sldId id="473" r:id="rId2"/>
@@ -26,19 +26,20 @@
     <p:sldId id="536" r:id="rId17"/>
     <p:sldId id="537" r:id="rId18"/>
     <p:sldId id="538" r:id="rId19"/>
-    <p:sldId id="540" r:id="rId20"/>
-    <p:sldId id="498" r:id="rId21"/>
-    <p:sldId id="499" r:id="rId22"/>
-    <p:sldId id="500" r:id="rId23"/>
-    <p:sldId id="501" r:id="rId24"/>
-    <p:sldId id="502" r:id="rId25"/>
-    <p:sldId id="503" r:id="rId26"/>
-    <p:sldId id="504" r:id="rId27"/>
+    <p:sldId id="541" r:id="rId20"/>
+    <p:sldId id="540" r:id="rId21"/>
+    <p:sldId id="498" r:id="rId22"/>
+    <p:sldId id="499" r:id="rId23"/>
+    <p:sldId id="500" r:id="rId24"/>
+    <p:sldId id="501" r:id="rId25"/>
+    <p:sldId id="502" r:id="rId26"/>
+    <p:sldId id="503" r:id="rId27"/>
+    <p:sldId id="504" r:id="rId28"/>
   </p:sldIdLst>
   <p:sldSz cx="9144000" cy="6858000" type="screen4x3"/>
   <p:notesSz cx="6858000" cy="9144000"/>
   <p:custDataLst>
-    <p:tags r:id="rId29"/>
+    <p:tags r:id="rId30"/>
   </p:custDataLst>
   <p:defaultTextStyle>
     <a:defPPr>
@@ -251,7 +252,7 @@
             <a:fld id="{CF8F25F6-E1EF-4065-8525-42EDEBD9BD22}" type="datetimeFigureOut">
               <a:rPr lang="en-US" smtClean="0"/>
               <a:pPr/>
-              <a:t>10/8/2015</a:t>
+              <a:t>10/16/2015</a:t>
             </a:fld>
             <a:endParaRPr lang="en-US"/>
           </a:p>
@@ -790,7 +791,7 @@
           <a:p>
             <a:fld id="{2F1F79F5-7BEC-496A-AFC7-876E38F64D71}" type="datetime1">
               <a:rPr lang="en-US" smtClean="0"/>
-              <a:t>10/8/2015</a:t>
+              <a:t>10/16/2015</a:t>
             </a:fld>
             <a:endParaRPr lang="en-US"/>
           </a:p>
@@ -892,7 +893,7 @@
           <a:p>
             <a:fld id="{0A05703A-7669-4FEA-9056-25299B4D29D4}" type="datetime1">
               <a:rPr lang="en-US" smtClean="0"/>
-              <a:t>10/8/2015</a:t>
+              <a:t>10/16/2015</a:t>
             </a:fld>
             <a:endParaRPr lang="en-US"/>
           </a:p>
@@ -1169,7 +1170,7 @@
           <a:p>
             <a:fld id="{6E5077B5-BB57-49DB-88CA-226A139E5C01}" type="datetime1">
               <a:rPr lang="en-US" smtClean="0"/>
-              <a:t>10/8/2015</a:t>
+              <a:t>10/16/2015</a:t>
             </a:fld>
             <a:endParaRPr lang="en-US"/>
           </a:p>
@@ -1422,7 +1423,7 @@
           <a:p>
             <a:fld id="{C48D9447-CBD6-49A1-89FD-8512A8CF8999}" type="datetime1">
               <a:rPr lang="en-US" smtClean="0"/>
-              <a:t>10/8/2015</a:t>
+              <a:t>10/16/2015</a:t>
             </a:fld>
             <a:endParaRPr lang="en-US"/>
           </a:p>
@@ -1592,7 +1593,7 @@
           <a:p>
             <a:fld id="{A3639A2A-823D-48B7-9ACE-7FAF42870BA9}" type="datetime1">
               <a:rPr lang="en-US" smtClean="0"/>
-              <a:t>10/8/2015</a:t>
+              <a:t>10/16/2015</a:t>
             </a:fld>
             <a:endParaRPr lang="en-US"/>
           </a:p>
@@ -1772,7 +1773,7 @@
           <a:p>
             <a:fld id="{ED1B6996-82E9-463C-972C-7B56056E426C}" type="datetime1">
               <a:rPr lang="en-US" smtClean="0"/>
-              <a:t>10/8/2015</a:t>
+              <a:t>10/16/2015</a:t>
             </a:fld>
             <a:endParaRPr lang="en-US"/>
           </a:p>
@@ -1948,7 +1949,7 @@
           <a:p>
             <a:fld id="{E22ED4DA-448D-4BB1-B935-CC112220207B}" type="datetime1">
               <a:rPr lang="en-US" smtClean="0"/>
-              <a:t>10/8/2015</a:t>
+              <a:t>10/16/2015</a:t>
             </a:fld>
             <a:endParaRPr lang="en-US"/>
           </a:p>
@@ -2130,7 +2131,7 @@
           <a:p>
             <a:fld id="{E22ED4DA-448D-4BB1-B935-CC112220207B}" type="datetime1">
               <a:rPr lang="en-US" smtClean="0"/>
-              <a:t>10/8/2015</a:t>
+              <a:t>10/16/2015</a:t>
             </a:fld>
             <a:endParaRPr lang="en-US"/>
           </a:p>
@@ -2399,7 +2400,7 @@
           <a:p>
             <a:fld id="{FF5D65A6-AB94-4435-B0B7-3743215FA46C}" type="datetime1">
               <a:rPr lang="en-US" smtClean="0"/>
-              <a:t>10/8/2015</a:t>
+              <a:t>10/16/2015</a:t>
             </a:fld>
             <a:endParaRPr lang="en-US"/>
           </a:p>
@@ -2584,7 +2585,7 @@
           <a:p>
             <a:fld id="{FF5D65A6-AB94-4435-B0B7-3743215FA46C}" type="datetime1">
               <a:rPr lang="en-US" smtClean="0"/>
-              <a:t>10/8/2015</a:t>
+              <a:t>10/16/2015</a:t>
             </a:fld>
             <a:endParaRPr lang="en-US"/>
           </a:p>
@@ -2886,7 +2887,7 @@
           <a:p>
             <a:fld id="{7C193DC4-6EF0-48C9-B29C-616106A645E1}" type="datetime1">
               <a:rPr lang="en-US" smtClean="0"/>
-              <a:t>10/8/2015</a:t>
+              <a:t>10/16/2015</a:t>
             </a:fld>
             <a:endParaRPr lang="en-US"/>
           </a:p>
@@ -3174,7 +3175,7 @@
           <a:p>
             <a:fld id="{5D1846AD-9252-4647-9435-4C2AC365653A}" type="datetime1">
               <a:rPr lang="en-US" smtClean="0"/>
-              <a:t>10/8/2015</a:t>
+              <a:t>10/16/2015</a:t>
             </a:fld>
             <a:endParaRPr lang="en-US"/>
           </a:p>
@@ -3596,7 +3597,7 @@
           <a:p>
             <a:fld id="{CE56DC10-3561-4063-A6AF-C1CC7A41040A}" type="datetime1">
               <a:rPr lang="en-US" smtClean="0"/>
-              <a:t>10/8/2015</a:t>
+              <a:t>10/16/2015</a:t>
             </a:fld>
             <a:endParaRPr lang="en-US"/>
           </a:p>
@@ -3714,7 +3715,7 @@
           <a:p>
             <a:fld id="{2F7B77F5-1464-4F6B-92A8-64FC8A508293}" type="datetime1">
               <a:rPr lang="en-US" smtClean="0"/>
-              <a:t>10/8/2015</a:t>
+              <a:t>10/16/2015</a:t>
             </a:fld>
             <a:endParaRPr lang="en-US"/>
           </a:p>
@@ -3946,7 +3947,7 @@
           <a:p>
             <a:fld id="{02B3F677-983B-48DB-ADFD-63FE6CBC7FB2}" type="datetime1">
               <a:rPr lang="en-US" smtClean="0"/>
-              <a:t>10/8/2015</a:t>
+              <a:t>10/16/2015</a:t>
             </a:fld>
             <a:endParaRPr lang="en-US"/>
           </a:p>
@@ -5047,7 +5048,7 @@
         <p:spPr/>
         <p:txBody>
           <a:bodyPr>
-            <a:normAutofit fontScale="70000" lnSpcReduction="20000"/>
+            <a:normAutofit fontScale="62500" lnSpcReduction="20000"/>
           </a:bodyPr>
           <a:lstStyle/>
           <a:p>
@@ -5155,8 +5156,19 @@
             </a:r>
             <a:r>
               <a:rPr lang="en-US" sz="2900" dirty="0"/>
-              <a:t>added at (k+1,col)</a:t>
-            </a:r>
+              <a:t>added at (k+1,col</a:t>
+            </a:r>
+            <a:r>
+              <a:rPr lang="en-US" sz="2900" dirty="0" smtClean="0"/>
+              <a:t>)</a:t>
+            </a:r>
+          </a:p>
+          <a:p>
+            <a:r>
+              <a:rPr lang="en-US" sz="2900" dirty="0"/>
+              <a:t>;; STRATEGY: cases on whether the configuration is empty.</a:t>
+            </a:r>
+            <a:endParaRPr lang="en-US" sz="2900" dirty="0"/>
           </a:p>
           <a:p>
             <a:r>
@@ -5268,7 +5280,7 @@
         </p:nvSpPr>
         <p:spPr>
           <a:xfrm>
-            <a:off x="5562600" y="3657600"/>
+            <a:off x="4991100" y="5561191"/>
             <a:ext cx="3124200" cy="990600"/>
           </a:xfrm>
           <a:prstGeom prst="rect">
@@ -5311,15 +5323,7 @@
                   <a:schemeClr val="tx1"/>
                 </a:solidFill>
               </a:rPr>
-              <a:t>It turns out to be useful to separate out legal-to-add-queen? </a:t>
-            </a:r>
-            <a:r>
-              <a:rPr lang="en-US" dirty="0" smtClean="0">
-                <a:solidFill>
-                  <a:schemeClr val="tx1"/>
-                </a:solidFill>
-              </a:rPr>
-              <a:t>as a separate function.</a:t>
+              <a:t>It turns out to be useful to separate out legal-to-add-queen? as a separate function.</a:t>
             </a:r>
             <a:endParaRPr lang="en-US" dirty="0">
               <a:solidFill>
@@ -5434,8 +5438,37 @@
           <a:p>
             <a:r>
               <a:rPr lang="en-US" sz="2000" dirty="0"/>
-              <a:t>;; RETURNS: Is the configuration complete for a board of size n?</a:t>
-            </a:r>
+              <a:t>;; RETURNS: Is the configuration complete for a board </a:t>
+            </a:r>
+            <a:r>
+              <a:rPr lang="en-US" sz="2000" dirty="0" smtClean="0"/>
+              <a:t>of</a:t>
+            </a:r>
+          </a:p>
+          <a:p>
+            <a:r>
+              <a:rPr lang="en-US" sz="2000" dirty="0" smtClean="0"/>
+              <a:t>;;  </a:t>
+            </a:r>
+            <a:r>
+              <a:rPr lang="en-US" sz="2000" dirty="0" smtClean="0"/>
+              <a:t> </a:t>
+            </a:r>
+            <a:r>
+              <a:rPr lang="en-US" sz="2000" dirty="0"/>
+              <a:t>size n</a:t>
+            </a:r>
+            <a:r>
+              <a:rPr lang="en-US" sz="2000" dirty="0" smtClean="0"/>
+              <a:t>?</a:t>
+            </a:r>
+          </a:p>
+          <a:p>
+            <a:r>
+              <a:rPr lang="en-US" sz="2000" dirty="0"/>
+              <a:t>;; STRATEGY: combine simpler functions</a:t>
+            </a:r>
+            <a:endParaRPr lang="en-US" sz="2000" dirty="0"/>
           </a:p>
           <a:p>
             <a:r>
@@ -5574,7 +5607,7 @@
         <p:spPr/>
         <p:txBody>
           <a:bodyPr>
-            <a:normAutofit fontScale="70000" lnSpcReduction="20000"/>
+            <a:normAutofit/>
           </a:bodyPr>
           <a:lstStyle/>
           <a:p>
@@ -5633,8 +5666,13 @@
             </a:r>
             <a:r>
               <a:rPr lang="en-US" sz="1800" dirty="0" smtClean="0"/>
-              <a:t>configuration and the size of the boa</a:t>
-            </a:r>
+              <a:t>configuration and the size of the </a:t>
+            </a:r>
+            <a:r>
+              <a:rPr lang="en-US" sz="1800" dirty="0" smtClean="0"/>
+              <a:t>board</a:t>
+            </a:r>
+            <a:endParaRPr lang="en-US" sz="1800" dirty="0" smtClean="0"/>
           </a:p>
           <a:p>
             <a:pPr>
@@ -5688,7 +5726,18 @@
                 <a:spcPts val="600"/>
               </a:spcBef>
             </a:pPr>
-            <a:endParaRPr lang="en-US" sz="1800" dirty="0"/>
+            <a:r>
+              <a:rPr lang="en-US" sz="1800" dirty="0" smtClean="0"/>
+              <a:t>;; </a:t>
+            </a:r>
+            <a:r>
+              <a:rPr lang="en-US" sz="1800" dirty="0"/>
+              <a:t>STRATEGY: Recur on  each legal placement of next queen</a:t>
+            </a:r>
+            <a:r>
+              <a:rPr lang="en-US" sz="1800" dirty="0" smtClean="0"/>
+              <a:t>.</a:t>
+            </a:r>
           </a:p>
           <a:p>
             <a:pPr>
@@ -5698,7 +5747,15 @@
             </a:pPr>
             <a:r>
               <a:rPr lang="en-US" sz="1800" dirty="0"/>
-              <a:t>;; STRATEGY: general recursion.</a:t>
+              <a:t>;; HALTING MEASURE: (- size (length </a:t>
+            </a:r>
+            <a:r>
+              <a:rPr lang="en-US" sz="1800" dirty="0" err="1"/>
+              <a:t>config</a:t>
+            </a:r>
+            <a:r>
+              <a:rPr lang="en-US" sz="1800" dirty="0"/>
+              <a:t>))</a:t>
             </a:r>
           </a:p>
           <a:p>
@@ -5707,261 +5764,7 @@
                 <a:spcPts val="600"/>
               </a:spcBef>
             </a:pPr>
-            <a:r>
-              <a:rPr lang="en-US" sz="1800" dirty="0"/>
-              <a:t>;; Given ((k, </a:t>
-            </a:r>
-            <a:r>
-              <a:rPr lang="en-US" sz="1800" dirty="0" err="1"/>
-              <a:t>c_k</a:t>
-            </a:r>
-            <a:r>
-              <a:rPr lang="en-US" sz="1800" dirty="0"/>
-              <a:t>), (k-1, c_k-1), ... (1, c1)), we </a:t>
-            </a:r>
-            <a:r>
-              <a:rPr lang="en-US" sz="1800" dirty="0" smtClean="0"/>
-              <a:t>generate a list of </a:t>
-            </a:r>
-            <a:r>
-              <a:rPr lang="en-US" sz="1800" dirty="0" err="1" smtClean="0"/>
-              <a:t>subproblems</a:t>
-            </a:r>
-            <a:endParaRPr lang="en-US" sz="1800" dirty="0"/>
-          </a:p>
-          <a:p>
-            <a:pPr>
-              <a:spcBef>
-                <a:spcPts val="600"/>
-              </a:spcBef>
-            </a:pPr>
-            <a:r>
-              <a:rPr lang="en-US" sz="1800" dirty="0"/>
-              <a:t>;; ((k+1, </a:t>
-            </a:r>
-            <a:r>
-              <a:rPr lang="en-US" sz="1800" dirty="0" smtClean="0"/>
-              <a:t>1</a:t>
-            </a:r>
-            <a:r>
-              <a:rPr lang="en-US" sz="1800" dirty="0"/>
-              <a:t>), (k, </a:t>
-            </a:r>
-            <a:r>
-              <a:rPr lang="en-US" sz="1800" dirty="0" err="1"/>
-              <a:t>c_k</a:t>
-            </a:r>
-            <a:r>
-              <a:rPr lang="en-US" sz="1800" dirty="0"/>
-              <a:t>), (k-1, c_k-1), ... (1, c1))</a:t>
-            </a:r>
-          </a:p>
-          <a:p>
-            <a:pPr>
-              <a:spcBef>
-                <a:spcPts val="600"/>
-              </a:spcBef>
-            </a:pPr>
-            <a:r>
-              <a:rPr lang="en-US" sz="1800" dirty="0"/>
-              <a:t>;; ((k+1, 2</a:t>
-            </a:r>
-            <a:r>
-              <a:rPr lang="en-US" sz="1800" dirty="0" smtClean="0"/>
-              <a:t>), </a:t>
-            </a:r>
-            <a:r>
-              <a:rPr lang="en-US" sz="1800" dirty="0"/>
-              <a:t>(k, </a:t>
-            </a:r>
-            <a:r>
-              <a:rPr lang="en-US" sz="1800" dirty="0" err="1"/>
-              <a:t>c_k</a:t>
-            </a:r>
-            <a:r>
-              <a:rPr lang="en-US" sz="1800" dirty="0"/>
-              <a:t>), (k-1, c_k-1), ... (1, c1))</a:t>
-            </a:r>
-          </a:p>
-          <a:p>
-            <a:pPr>
-              <a:spcBef>
-                <a:spcPts val="600"/>
-              </a:spcBef>
-            </a:pPr>
-            <a:r>
-              <a:rPr lang="en-US" sz="1800" dirty="0"/>
-              <a:t>;; ((k+1, 3</a:t>
-            </a:r>
-            <a:r>
-              <a:rPr lang="en-US" sz="1800" dirty="0" smtClean="0"/>
-              <a:t>), </a:t>
-            </a:r>
-            <a:r>
-              <a:rPr lang="en-US" sz="1800" dirty="0"/>
-              <a:t>(k, </a:t>
-            </a:r>
-            <a:r>
-              <a:rPr lang="en-US" sz="1800" dirty="0" err="1"/>
-              <a:t>c_k</a:t>
-            </a:r>
-            <a:r>
-              <a:rPr lang="en-US" sz="1800" dirty="0"/>
-              <a:t>), (k-1, c_k-1), ... (1, c1))</a:t>
-            </a:r>
-          </a:p>
-          <a:p>
-            <a:pPr>
-              <a:spcBef>
-                <a:spcPts val="600"/>
-              </a:spcBef>
-            </a:pPr>
-            <a:r>
-              <a:rPr lang="en-US" sz="1800" dirty="0" smtClean="0"/>
-              <a:t>;; ...</a:t>
-            </a:r>
-          </a:p>
-          <a:p>
-            <a:pPr>
-              <a:spcBef>
-                <a:spcPts val="400"/>
-              </a:spcBef>
-            </a:pPr>
-            <a:r>
-              <a:rPr lang="en-US" sz="1800" dirty="0" smtClean="0"/>
-              <a:t>;; </a:t>
-            </a:r>
-            <a:r>
-              <a:rPr lang="en-US" sz="1800" dirty="0"/>
-              <a:t>((k+1, </a:t>
-            </a:r>
-            <a:r>
-              <a:rPr lang="en-US" sz="1800" dirty="0" smtClean="0"/>
-              <a:t>k+2), </a:t>
-            </a:r>
-            <a:r>
-              <a:rPr lang="en-US" sz="1800" dirty="0"/>
-              <a:t>(k, </a:t>
-            </a:r>
-            <a:r>
-              <a:rPr lang="en-US" sz="1800" dirty="0" err="1"/>
-              <a:t>c_k</a:t>
-            </a:r>
-            <a:r>
-              <a:rPr lang="en-US" sz="1800" dirty="0"/>
-              <a:t>), (k-1, c_k-1), ... (1, c1))</a:t>
-            </a:r>
-          </a:p>
-          <a:p>
-            <a:pPr>
-              <a:spcBef>
-                <a:spcPts val="600"/>
-              </a:spcBef>
-            </a:pPr>
-            <a:r>
-              <a:rPr lang="en-US" sz="1800" dirty="0"/>
-              <a:t>;; ((k+1, </a:t>
-            </a:r>
-            <a:r>
-              <a:rPr lang="en-US" sz="1800" dirty="0" smtClean="0"/>
-              <a:t>k+3), </a:t>
-            </a:r>
-            <a:r>
-              <a:rPr lang="en-US" sz="1800" dirty="0"/>
-              <a:t>(k, </a:t>
-            </a:r>
-            <a:r>
-              <a:rPr lang="en-US" sz="1800" dirty="0" err="1"/>
-              <a:t>c_k</a:t>
-            </a:r>
-            <a:r>
-              <a:rPr lang="en-US" sz="1800" dirty="0"/>
-              <a:t>), (k-1, c_k-1), ... (1, c1))</a:t>
-            </a:r>
-          </a:p>
-          <a:p>
-            <a:pPr>
-              <a:spcBef>
-                <a:spcPts val="600"/>
-              </a:spcBef>
-            </a:pPr>
-            <a:r>
-              <a:rPr lang="en-US" sz="1800" dirty="0" smtClean="0"/>
-              <a:t>;; ... </a:t>
-            </a:r>
-          </a:p>
-          <a:p>
-            <a:pPr>
-              <a:spcBef>
-                <a:spcPts val="600"/>
-              </a:spcBef>
-            </a:pPr>
-            <a:r>
-              <a:rPr lang="en-US" sz="1800" dirty="0" smtClean="0"/>
-              <a:t>;; </a:t>
-            </a:r>
-            <a:r>
-              <a:rPr lang="en-US" sz="1800" dirty="0"/>
-              <a:t>((k+1, </a:t>
-            </a:r>
-            <a:r>
-              <a:rPr lang="en-US" sz="1800" dirty="0" err="1" smtClean="0"/>
-              <a:t>ncols</a:t>
-            </a:r>
-            <a:r>
-              <a:rPr lang="en-US" sz="1800" dirty="0" smtClean="0"/>
-              <a:t>), </a:t>
-            </a:r>
-            <a:r>
-              <a:rPr lang="en-US" sz="1800" dirty="0"/>
-              <a:t>(k, </a:t>
-            </a:r>
-            <a:r>
-              <a:rPr lang="en-US" sz="1800" dirty="0" err="1"/>
-              <a:t>c_k</a:t>
-            </a:r>
-            <a:r>
-              <a:rPr lang="en-US" sz="1800" dirty="0"/>
-              <a:t>), (k-1, c_k-1), ... (1, c1</a:t>
-            </a:r>
-            <a:r>
-              <a:rPr lang="en-US" sz="1800" dirty="0" smtClean="0"/>
-              <a:t>))</a:t>
-            </a:r>
-          </a:p>
-          <a:p>
-            <a:pPr>
-              <a:spcBef>
-                <a:spcPts val="600"/>
-              </a:spcBef>
-            </a:pPr>
-            <a:r>
-              <a:rPr lang="en-US" sz="1800" dirty="0" smtClean="0"/>
-              <a:t>;;</a:t>
-            </a:r>
-          </a:p>
-          <a:p>
-            <a:pPr>
-              <a:spcBef>
-                <a:spcPts val="600"/>
-              </a:spcBef>
-            </a:pPr>
-            <a:r>
-              <a:rPr lang="en-US" sz="1800" dirty="0" smtClean="0"/>
-              <a:t>;; We’ll recur on each of these that are legal until we find one</a:t>
-            </a:r>
-          </a:p>
-          <a:p>
-            <a:pPr>
-              <a:spcBef>
-                <a:spcPts val="600"/>
-              </a:spcBef>
-            </a:pPr>
-            <a:r>
-              <a:rPr lang="en-US" sz="1800" dirty="0" smtClean="0"/>
-              <a:t>;; that can be extended to the required size.</a:t>
-            </a:r>
-            <a:endParaRPr lang="en-US" sz="1800" dirty="0"/>
+            <a:endParaRPr lang="en-US" sz="1800" dirty="0" smtClean="0"/>
           </a:p>
           <a:p>
             <a:pPr>
@@ -6450,27 +6253,12 @@
               </a:spcBef>
             </a:pPr>
             <a:r>
+              <a:rPr lang="en-US" sz="2000" dirty="0" smtClean="0"/>
+              <a:t>(</a:t>
+            </a:r>
+            <a:r>
               <a:rPr lang="en-US" sz="2000" dirty="0"/>
-              <a:t>;; HALTING MEASURE: (- size (length </a:t>
-            </a:r>
-            <a:r>
-              <a:rPr lang="en-US" sz="2000" dirty="0" err="1"/>
-              <a:t>config</a:t>
-            </a:r>
-            <a:r>
-              <a:rPr lang="en-US" sz="2000" dirty="0"/>
-              <a:t>))</a:t>
-            </a:r>
-          </a:p>
-          <a:p>
-            <a:pPr>
-              <a:spcBef>
-                <a:spcPts val="0"/>
-              </a:spcBef>
-            </a:pPr>
-            <a:r>
-              <a:rPr lang="en-US" sz="2000" dirty="0"/>
-              <a:t>(define (complete-configuration </a:t>
+              <a:t>define (complete-configuration </a:t>
             </a:r>
             <a:r>
               <a:rPr lang="en-US" sz="2000" dirty="0" err="1"/>
@@ -6724,7 +6512,7 @@
         <p:spPr/>
         <p:txBody>
           <a:bodyPr>
-            <a:normAutofit/>
+            <a:normAutofit fontScale="92500" lnSpcReduction="10000"/>
           </a:bodyPr>
           <a:lstStyle/>
           <a:p>
@@ -6839,8 +6627,92 @@
             </a:pPr>
             <a:r>
               <a:rPr lang="en-US" sz="2000" dirty="0" smtClean="0"/>
-              <a:t>;; for col in [1,size]</a:t>
-            </a:r>
+              <a:t>;; for col in [1,size</a:t>
+            </a:r>
+            <a:r>
+              <a:rPr lang="en-US" sz="2000" dirty="0" smtClean="0"/>
+              <a:t>]</a:t>
+            </a:r>
+          </a:p>
+          <a:p>
+            <a:pPr>
+              <a:spcBef>
+                <a:spcPts val="0"/>
+              </a:spcBef>
+            </a:pPr>
+            <a:r>
+              <a:rPr lang="en-US" sz="2000" dirty="0"/>
+              <a:t>;; STRATEGY: Use HOF filter on [1,n] to find all places </a:t>
+            </a:r>
+            <a:r>
+              <a:rPr lang="en-US" sz="2000" dirty="0" smtClean="0"/>
+              <a:t>on</a:t>
+            </a:r>
+          </a:p>
+          <a:p>
+            <a:pPr>
+              <a:spcBef>
+                <a:spcPts val="0"/>
+              </a:spcBef>
+            </a:pPr>
+            <a:r>
+              <a:rPr lang="en-US" sz="2000" dirty="0" smtClean="0"/>
+              <a:t>;;  </a:t>
+            </a:r>
+            <a:r>
+              <a:rPr lang="en-US" sz="2000" dirty="0"/>
+              <a:t>which it </a:t>
+            </a:r>
+            <a:r>
+              <a:rPr lang="en-US" sz="2000" dirty="0" smtClean="0"/>
+              <a:t>is </a:t>
+            </a:r>
+            <a:r>
+              <a:rPr lang="en-US" sz="2000" dirty="0"/>
+              <a:t>legal to place next </a:t>
+            </a:r>
+            <a:r>
+              <a:rPr lang="en-US" sz="2000" dirty="0" smtClean="0"/>
+              <a:t>queen, then use </a:t>
+            </a:r>
+            <a:r>
+              <a:rPr lang="en-US" sz="2000" dirty="0"/>
+              <a:t>map </a:t>
+            </a:r>
+            <a:r>
+              <a:rPr lang="en-US" sz="2000" dirty="0" smtClean="0"/>
+              <a:t>on</a:t>
+            </a:r>
+          </a:p>
+          <a:p>
+            <a:pPr>
+              <a:spcBef>
+                <a:spcPts val="0"/>
+              </a:spcBef>
+            </a:pPr>
+            <a:r>
+              <a:rPr lang="en-US" sz="2000" dirty="0" smtClean="0"/>
+              <a:t>;;  </a:t>
+            </a:r>
+            <a:r>
+              <a:rPr lang="en-US" sz="2000" dirty="0"/>
+              <a:t>the result to construct </a:t>
+            </a:r>
+            <a:r>
+              <a:rPr lang="en-US" sz="2000" dirty="0" smtClean="0"/>
+              <a:t>each such </a:t>
+            </a:r>
+            <a:r>
+              <a:rPr lang="en-US" sz="2000" dirty="0"/>
+              <a:t>configuration. </a:t>
+            </a:r>
+          </a:p>
+          <a:p>
+            <a:pPr>
+              <a:spcBef>
+                <a:spcPts val="0"/>
+              </a:spcBef>
+            </a:pPr>
             <a:endParaRPr lang="en-US" sz="2000" dirty="0"/>
           </a:p>
           <a:p>
@@ -7020,7 +6892,11 @@
           <a:p>
             <a:r>
               <a:rPr lang="en-US" dirty="0" smtClean="0"/>
-              <a:t>Help Functions</a:t>
+              <a:t>Help </a:t>
+            </a:r>
+            <a:r>
+              <a:rPr lang="en-US" dirty="0" smtClean="0"/>
+              <a:t>Functions (1)</a:t>
             </a:r>
             <a:endParaRPr lang="en-US" dirty="0"/>
           </a:p>
@@ -7039,7 +6915,7 @@
         <p:spPr/>
         <p:txBody>
           <a:bodyPr>
-            <a:normAutofit fontScale="55000" lnSpcReduction="20000"/>
+            <a:normAutofit fontScale="77500" lnSpcReduction="20000"/>
           </a:bodyPr>
           <a:lstStyle/>
           <a:p>
@@ -7058,19 +6934,7 @@
             </a:pPr>
             <a:r>
               <a:rPr lang="en-US" dirty="0" smtClean="0"/>
-              <a:t>;; integers-from : Integer </a:t>
-            </a:r>
-            <a:r>
-              <a:rPr lang="en-US" dirty="0" err="1" smtClean="0"/>
-              <a:t>Integer</a:t>
-            </a:r>
-            <a:r>
-              <a:rPr lang="en-US" dirty="0" smtClean="0"/>
-              <a:t> -&gt; </a:t>
-            </a:r>
-            <a:r>
-              <a:rPr lang="en-US" dirty="0" err="1" smtClean="0"/>
-              <a:t>ListOfInteger</a:t>
+              <a:t>;; integers-from : </a:t>
             </a:r>
             <a:endParaRPr lang="en-US" dirty="0" smtClean="0"/>
           </a:p>
@@ -7082,8 +6946,25 @@
             </a:pPr>
             <a:r>
               <a:rPr lang="en-US" dirty="0" smtClean="0"/>
-              <a:t>;; GIVEN: n, m</a:t>
-            </a:r>
+              <a:t>;;     </a:t>
+            </a:r>
+            <a:r>
+              <a:rPr lang="en-US" dirty="0" smtClean="0"/>
+              <a:t>Integer </a:t>
+            </a:r>
+            <a:r>
+              <a:rPr lang="en-US" dirty="0" err="1" smtClean="0"/>
+              <a:t>Integer</a:t>
+            </a:r>
+            <a:r>
+              <a:rPr lang="en-US" dirty="0" smtClean="0"/>
+              <a:t> -&gt; </a:t>
+            </a:r>
+            <a:r>
+              <a:rPr lang="en-US" dirty="0" err="1" smtClean="0"/>
+              <a:t>ListOfInteger</a:t>
+            </a:r>
+            <a:endParaRPr lang="en-US" dirty="0" smtClean="0"/>
           </a:p>
           <a:p>
             <a:pPr>
@@ -7093,15 +6974,7 @@
             </a:pPr>
             <a:r>
               <a:rPr lang="en-US" dirty="0" smtClean="0"/>
-              <a:t>;; RETURNS: the list of integers in [</a:t>
-            </a:r>
-            <a:r>
-              <a:rPr lang="en-US" dirty="0" err="1" smtClean="0"/>
-              <a:t>n,m</a:t>
-            </a:r>
-            <a:r>
-              <a:rPr lang="en-US" dirty="0" smtClean="0"/>
-              <a:t>]</a:t>
+              <a:t>;; GIVEN: n, m</a:t>
             </a:r>
           </a:p>
           <a:p>
@@ -7112,11 +6985,15 @@
             </a:pPr>
             <a:r>
               <a:rPr lang="en-US" dirty="0" smtClean="0"/>
-              <a:t>(</a:t>
-            </a:r>
-            <a:r>
-              <a:rPr lang="en-US" dirty="0"/>
-              <a:t>define (integers-from n m)</a:t>
+              <a:t>;; RETURNS: the list of integers in [</a:t>
+            </a:r>
+            <a:r>
+              <a:rPr lang="en-US" dirty="0" err="1" smtClean="0"/>
+              <a:t>n,m</a:t>
+            </a:r>
+            <a:r>
+              <a:rPr lang="en-US" dirty="0" smtClean="0"/>
+              <a:t>]</a:t>
             </a:r>
           </a:p>
           <a:p>
@@ -7127,7 +7004,7 @@
             </a:pPr>
             <a:r>
               <a:rPr lang="en-US" dirty="0"/>
-              <a:t>  (cond</a:t>
+              <a:t>;; STRATEGY: recur on n+1;  halt when n &gt; m.</a:t>
             </a:r>
           </a:p>
           <a:p>
@@ -7138,7 +7015,11 @@
             </a:pPr>
             <a:r>
               <a:rPr lang="en-US" dirty="0"/>
-              <a:t>    [(&gt; n m) empty]</a:t>
+              <a:t>;; HALTING MEASURE: max(0,m-n</a:t>
+            </a:r>
+            <a:r>
+              <a:rPr lang="en-US" dirty="0" smtClean="0"/>
+              <a:t>)</a:t>
             </a:r>
           </a:p>
           <a:p>
@@ -7147,10 +7028,7 @@
                 <a:spcPts val="0"/>
               </a:spcBef>
             </a:pPr>
-            <a:r>
-              <a:rPr lang="en-US" dirty="0"/>
-              <a:t>    [else (cons n (integers-from (+ n 1) m))]))</a:t>
-            </a:r>
+            <a:endParaRPr lang="en-US" dirty="0" smtClean="0"/>
           </a:p>
           <a:p>
             <a:pPr>
@@ -7158,7 +7036,14 @@
                 <a:spcPts val="0"/>
               </a:spcBef>
             </a:pPr>
-            <a:endParaRPr lang="en-US" dirty="0"/>
+            <a:r>
+              <a:rPr lang="en-US" dirty="0" smtClean="0"/>
+              <a:t>(</a:t>
+            </a:r>
+            <a:r>
+              <a:rPr lang="en-US" dirty="0"/>
+              <a:t>define (integers-from n m)</a:t>
+            </a:r>
           </a:p>
           <a:p>
             <a:pPr>
@@ -7168,29 +7053,8 @@
             </a:pPr>
             <a:r>
               <a:rPr lang="en-US" dirty="0"/>
-              <a:t>;; (X -&gt; </a:t>
-            </a:r>
-            <a:r>
-              <a:rPr lang="en-US" dirty="0" err="1"/>
-              <a:t>MaybeY</a:t>
-            </a:r>
-            <a:r>
-              <a:rPr lang="en-US" dirty="0"/>
-              <a:t>) </a:t>
-            </a:r>
-            <a:r>
-              <a:rPr lang="en-US" dirty="0" err="1"/>
-              <a:t>ListOfX</a:t>
-            </a:r>
-            <a:r>
-              <a:rPr lang="en-US" dirty="0"/>
-              <a:t> -&gt; </a:t>
-            </a:r>
-            <a:r>
-              <a:rPr lang="en-US" dirty="0" err="1"/>
-              <a:t>MaybeY</a:t>
-            </a:r>
-            <a:endParaRPr lang="en-US" dirty="0"/>
+              <a:t>  (cond</a:t>
+            </a:r>
           </a:p>
           <a:p>
             <a:pPr>
@@ -7200,39 +7064,7 @@
             </a:pPr>
             <a:r>
               <a:rPr lang="en-US" dirty="0"/>
-              <a:t>;; first </a:t>
-            </a:r>
-            <a:r>
-              <a:rPr lang="en-US" dirty="0" err="1"/>
-              <a:t>elt</a:t>
-            </a:r>
-            <a:r>
-              <a:rPr lang="en-US" dirty="0"/>
-              <a:t> of </a:t>
-            </a:r>
-            <a:r>
-              <a:rPr lang="en-US" dirty="0" err="1"/>
-              <a:t>lst</a:t>
-            </a:r>
-            <a:r>
-              <a:rPr lang="en-US" dirty="0"/>
-              <a:t> </a:t>
-            </a:r>
-            <a:r>
-              <a:rPr lang="en-US" dirty="0" err="1"/>
-              <a:t>s.t.</a:t>
-            </a:r>
-            <a:r>
-              <a:rPr lang="en-US" dirty="0"/>
-              <a:t> (f </a:t>
-            </a:r>
-            <a:r>
-              <a:rPr lang="en-US" dirty="0" err="1"/>
-              <a:t>elt</a:t>
-            </a:r>
-            <a:r>
-              <a:rPr lang="en-US" dirty="0"/>
-              <a:t>) is not false; else false</a:t>
+              <a:t>    [(&gt; n m) empty]</a:t>
             </a:r>
           </a:p>
           <a:p>
@@ -7242,21 +7074,10 @@
               </a:spcBef>
             </a:pPr>
             <a:r>
-              <a:rPr lang="en-US" dirty="0" smtClean="0"/>
-              <a:t>(</a:t>
-            </a:r>
-            <a:r>
               <a:rPr lang="en-US" dirty="0"/>
-              <a:t>define (first-success f </a:t>
-            </a:r>
-            <a:r>
-              <a:rPr lang="en-US" dirty="0" err="1"/>
-              <a:t>lst</a:t>
-            </a:r>
-            <a:r>
-              <a:rPr lang="en-US" dirty="0"/>
-              <a:t>)</a:t>
-            </a:r>
+              <a:t>    [else (cons n </a:t>
+            </a:r>
+            <a:endParaRPr lang="en-US" dirty="0" smtClean="0"/>
           </a:p>
           <a:p>
             <a:pPr>
@@ -7266,7 +7087,19 @@
             </a:pPr>
             <a:r>
               <a:rPr lang="en-US" dirty="0"/>
-              <a:t>  (cond</a:t>
+              <a:t> </a:t>
+            </a:r>
+            <a:r>
+              <a:rPr lang="en-US" dirty="0" smtClean="0"/>
+              <a:t>           </a:t>
+            </a:r>
+            <a:r>
+              <a:rPr lang="en-US" dirty="0" smtClean="0"/>
+              <a:t>(</a:t>
+            </a:r>
+            <a:r>
+              <a:rPr lang="en-US" dirty="0"/>
+              <a:t>integers-from (+ n 1) m))]))</a:t>
             </a:r>
           </a:p>
           <a:p>
@@ -7275,89 +7108,7 @@
                 <a:spcPts val="0"/>
               </a:spcBef>
             </a:pPr>
-            <a:r>
-              <a:rPr lang="en-US" dirty="0"/>
-              <a:t>    [(empty? </a:t>
-            </a:r>
-            <a:r>
-              <a:rPr lang="en-US" dirty="0" err="1"/>
-              <a:t>lst</a:t>
-            </a:r>
-            <a:r>
-              <a:rPr lang="en-US" dirty="0"/>
-              <a:t>) false]</a:t>
-            </a:r>
-          </a:p>
-          <a:p>
-            <a:pPr>
-              <a:spcBef>
-                <a:spcPts val="0"/>
-              </a:spcBef>
-            </a:pPr>
-            <a:r>
-              <a:rPr lang="en-US" dirty="0"/>
-              <a:t>    [else</a:t>
-            </a:r>
-          </a:p>
-          <a:p>
-            <a:pPr>
-              <a:spcBef>
-                <a:spcPts val="0"/>
-              </a:spcBef>
-            </a:pPr>
-            <a:r>
-              <a:rPr lang="en-US" dirty="0"/>
-              <a:t>     (local ((define y (f (first </a:t>
-            </a:r>
-            <a:r>
-              <a:rPr lang="en-US" dirty="0" err="1"/>
-              <a:t>lst</a:t>
-            </a:r>
-            <a:r>
-              <a:rPr lang="en-US" dirty="0"/>
-              <a:t>))))</a:t>
-            </a:r>
-          </a:p>
-          <a:p>
-            <a:pPr>
-              <a:spcBef>
-                <a:spcPts val="0"/>
-              </a:spcBef>
-            </a:pPr>
-            <a:r>
-              <a:rPr lang="en-US" dirty="0"/>
-              <a:t>       (if (not (false? y))</a:t>
-            </a:r>
-          </a:p>
-          <a:p>
-            <a:pPr>
-              <a:spcBef>
-                <a:spcPts val="0"/>
-              </a:spcBef>
-            </a:pPr>
-            <a:r>
-              <a:rPr lang="en-US" dirty="0"/>
-              <a:t>           y</a:t>
-            </a:r>
-          </a:p>
-          <a:p>
-            <a:pPr>
-              <a:spcBef>
-                <a:spcPts val="0"/>
-              </a:spcBef>
-            </a:pPr>
-            <a:r>
-              <a:rPr lang="en-US" dirty="0"/>
-              <a:t>           (first-success f (rest </a:t>
-            </a:r>
-            <a:r>
-              <a:rPr lang="en-US" dirty="0" err="1"/>
-              <a:t>lst</a:t>
-            </a:r>
-            <a:r>
-              <a:rPr lang="en-US" dirty="0"/>
-              <a:t>))))]))</a:t>
-            </a:r>
+            <a:endParaRPr lang="en-US" dirty="0"/>
           </a:p>
         </p:txBody>
       </p:sp>
@@ -7381,132 +7132,6 @@
               <a:t>18</a:t>
             </a:fld>
             <a:endParaRPr lang="en-US"/>
-          </a:p>
-        </p:txBody>
-      </p:sp>
-      <p:sp>
-        <p:nvSpPr>
-          <p:cNvPr id="7" name="Rectangle 6"/>
-          <p:cNvSpPr/>
-          <p:nvPr/>
-        </p:nvSpPr>
-        <p:spPr>
-          <a:xfrm>
-            <a:off x="6172200" y="4343400"/>
-            <a:ext cx="2680398" cy="1676399"/>
-          </a:xfrm>
-          <a:prstGeom prst="rect">
-            <a:avLst/>
-          </a:prstGeom>
-          <a:solidFill>
-            <a:schemeClr val="accent3">
-              <a:lumMod val="40000"/>
-              <a:lumOff val="60000"/>
-            </a:schemeClr>
-          </a:solidFill>
-          <a:ln/>
-        </p:spPr>
-        <p:style>
-          <a:lnRef idx="2">
-            <a:schemeClr val="accent1"/>
-          </a:lnRef>
-          <a:fillRef idx="1">
-            <a:schemeClr val="lt1"/>
-          </a:fillRef>
-          <a:effectRef idx="0">
-            <a:schemeClr val="accent1"/>
-          </a:effectRef>
-          <a:fontRef idx="minor">
-            <a:schemeClr val="dk1"/>
-          </a:fontRef>
-        </p:style>
-        <p:txBody>
-          <a:bodyPr rot="0" spcFirstLastPara="0" vertOverflow="overflow" horzOverflow="overflow" vert="horz" wrap="square" lIns="91440" tIns="45720" rIns="91440" bIns="45720" numCol="1" spcCol="0" rtlCol="0" fromWordArt="0" anchor="ctr" anchorCtr="0" forceAA="0" compatLnSpc="1">
-            <a:prstTxWarp prst="textNoShape">
-              <a:avLst/>
-            </a:prstTxWarp>
-            <a:noAutofit/>
-          </a:bodyPr>
-          <a:lstStyle/>
-          <a:p>
-            <a:pPr>
-              <a:spcBef>
-                <a:spcPts val="0"/>
-              </a:spcBef>
-            </a:pPr>
-            <a:r>
-              <a:rPr lang="en-US" b="1" dirty="0" smtClean="0"/>
-              <a:t>first-success</a:t>
-            </a:r>
-            <a:r>
-              <a:rPr lang="en-US" dirty="0" smtClean="0"/>
-              <a:t> is like </a:t>
-            </a:r>
-            <a:r>
-              <a:rPr lang="en-US" b="1" dirty="0" err="1" smtClean="0"/>
-              <a:t>ormap</a:t>
-            </a:r>
-            <a:r>
-              <a:rPr lang="en-US" dirty="0" smtClean="0"/>
-              <a:t>, but in ISL </a:t>
-            </a:r>
-            <a:r>
-              <a:rPr lang="en-US" b="1" dirty="0" err="1" smtClean="0"/>
-              <a:t>ormap</a:t>
-            </a:r>
-            <a:r>
-              <a:rPr lang="en-US" dirty="0" smtClean="0"/>
-              <a:t> requires </a:t>
-            </a:r>
-            <a:r>
-              <a:rPr lang="en-US" b="1" dirty="0" smtClean="0"/>
-              <a:t>f</a:t>
-            </a:r>
-            <a:r>
-              <a:rPr lang="en-US" dirty="0" smtClean="0"/>
-              <a:t> to be </a:t>
-            </a:r>
-            <a:r>
-              <a:rPr lang="en-US" b="1" dirty="0" smtClean="0"/>
-              <a:t>(X -&gt; Bool), </a:t>
-            </a:r>
-            <a:r>
-              <a:rPr lang="en-US" dirty="0" smtClean="0"/>
-              <a:t>not </a:t>
-            </a:r>
-            <a:r>
-              <a:rPr lang="en-US" b="1" dirty="0" smtClean="0"/>
-              <a:t>(X -&gt; </a:t>
-            </a:r>
-            <a:r>
-              <a:rPr lang="en-US" b="1" dirty="0" err="1" smtClean="0"/>
-              <a:t>MaybeY</a:t>
-            </a:r>
-            <a:r>
-              <a:rPr lang="en-US" b="1" dirty="0" smtClean="0"/>
-              <a:t>)</a:t>
-            </a:r>
-            <a:r>
-              <a:rPr lang="en-US" dirty="0" smtClean="0"/>
-              <a:t>.</a:t>
-            </a:r>
-            <a:r>
-              <a:rPr lang="en-US" b="1" dirty="0" smtClean="0"/>
-              <a:t>  </a:t>
-            </a:r>
-            <a:r>
-              <a:rPr lang="en-US" dirty="0" smtClean="0"/>
-              <a:t>In full Racket, we could just use </a:t>
-            </a:r>
-            <a:r>
-              <a:rPr lang="en-US" b="1" dirty="0" err="1" smtClean="0"/>
-              <a:t>ormap</a:t>
-            </a:r>
-            <a:r>
-              <a:rPr lang="en-US" dirty="0" smtClean="0"/>
-              <a:t>.</a:t>
-            </a:r>
-            <a:endParaRPr lang="en-US" dirty="0"/>
           </a:p>
         </p:txBody>
       </p:sp>
@@ -7564,7 +7189,11 @@
           <a:p>
             <a:r>
               <a:rPr lang="en-US" dirty="0" smtClean="0"/>
-              <a:t>Output</a:t>
+              <a:t>Help </a:t>
+            </a:r>
+            <a:r>
+              <a:rPr lang="en-US" dirty="0" smtClean="0"/>
+              <a:t>Functions (2)</a:t>
             </a:r>
             <a:endParaRPr lang="en-US" dirty="0"/>
           </a:p>
@@ -7572,457 +7201,289 @@
       </p:sp>
       <p:sp>
         <p:nvSpPr>
-          <p:cNvPr id="5" name="Content Placeholder 4"/>
-          <p:cNvSpPr>
-            <a:spLocks noGrp="1"/>
-          </p:cNvSpPr>
-          <p:nvPr>
-            <p:ph sz="half" idx="1"/>
-          </p:nvPr>
-        </p:nvSpPr>
-        <p:spPr>
-          <a:xfrm>
-            <a:off x="457200" y="1476235"/>
-            <a:ext cx="1955800" cy="5257800"/>
-          </a:xfrm>
-        </p:spPr>
+          <p:cNvPr id="3" name="Content Placeholder 2"/>
+          <p:cNvSpPr>
+            <a:spLocks noGrp="1"/>
+          </p:cNvSpPr>
+          <p:nvPr>
+            <p:ph idx="1"/>
+          </p:nvPr>
+        </p:nvSpPr>
+        <p:spPr/>
         <p:txBody>
           <a:bodyPr>
-            <a:noAutofit/>
+            <a:normAutofit fontScale="77500" lnSpcReduction="20000"/>
           </a:bodyPr>
           <a:lstStyle/>
           <a:p>
-            <a:pPr marL="0" indent="0">
-              <a:buNone/>
-            </a:pPr>
-            <a:r>
-              <a:rPr lang="en-US" sz="1100" b="1" dirty="0">
-                <a:latin typeface="Consolas" panose="020B0609020204030204" pitchFamily="49" charset="0"/>
-                <a:cs typeface="Consolas" panose="020B0609020204030204" pitchFamily="49" charset="0"/>
-              </a:rPr>
-              <a:t>&gt; (</a:t>
-            </a:r>
-            <a:r>
-              <a:rPr lang="en-US" sz="1100" b="1" dirty="0" err="1">
-                <a:latin typeface="Consolas" panose="020B0609020204030204" pitchFamily="49" charset="0"/>
-                <a:cs typeface="Consolas" panose="020B0609020204030204" pitchFamily="49" charset="0"/>
-              </a:rPr>
-              <a:t>nqueens</a:t>
-            </a:r>
-            <a:r>
-              <a:rPr lang="en-US" sz="1100" b="1" dirty="0">
-                <a:latin typeface="Consolas" panose="020B0609020204030204" pitchFamily="49" charset="0"/>
-                <a:cs typeface="Consolas" panose="020B0609020204030204" pitchFamily="49" charset="0"/>
-              </a:rPr>
-              <a:t> 1)</a:t>
-            </a:r>
-          </a:p>
-          <a:p>
-            <a:pPr marL="0" indent="0">
-              <a:buNone/>
-            </a:pPr>
-            <a:r>
-              <a:rPr lang="en-US" sz="1100" b="1" dirty="0">
-                <a:latin typeface="Consolas" panose="020B0609020204030204" pitchFamily="49" charset="0"/>
-                <a:cs typeface="Consolas" panose="020B0609020204030204" pitchFamily="49" charset="0"/>
-              </a:rPr>
-              <a:t>(list (make-queen 1 1))</a:t>
-            </a:r>
-          </a:p>
-          <a:p>
-            <a:pPr marL="0" indent="0">
-              <a:buNone/>
-            </a:pPr>
-            <a:r>
-              <a:rPr lang="en-US" sz="1100" b="1" dirty="0">
-                <a:latin typeface="Consolas" panose="020B0609020204030204" pitchFamily="49" charset="0"/>
-                <a:cs typeface="Consolas" panose="020B0609020204030204" pitchFamily="49" charset="0"/>
-              </a:rPr>
-              <a:t>&gt; (</a:t>
-            </a:r>
-            <a:r>
-              <a:rPr lang="en-US" sz="1100" b="1" dirty="0" err="1">
-                <a:latin typeface="Consolas" panose="020B0609020204030204" pitchFamily="49" charset="0"/>
-                <a:cs typeface="Consolas" panose="020B0609020204030204" pitchFamily="49" charset="0"/>
-              </a:rPr>
-              <a:t>nqueens</a:t>
-            </a:r>
-            <a:r>
-              <a:rPr lang="en-US" sz="1100" b="1" dirty="0">
-                <a:latin typeface="Consolas" panose="020B0609020204030204" pitchFamily="49" charset="0"/>
-                <a:cs typeface="Consolas" panose="020B0609020204030204" pitchFamily="49" charset="0"/>
-              </a:rPr>
-              <a:t> 2)</a:t>
-            </a:r>
-          </a:p>
-          <a:p>
-            <a:pPr marL="0" indent="0">
-              <a:buNone/>
-            </a:pPr>
-            <a:r>
-              <a:rPr lang="en-US" sz="1100" b="1" dirty="0">
-                <a:latin typeface="Consolas" panose="020B0609020204030204" pitchFamily="49" charset="0"/>
-                <a:cs typeface="Consolas" panose="020B0609020204030204" pitchFamily="49" charset="0"/>
-              </a:rPr>
-              <a:t>#false</a:t>
-            </a:r>
-          </a:p>
-          <a:p>
-            <a:pPr marL="0" indent="0">
-              <a:buNone/>
-            </a:pPr>
-            <a:r>
-              <a:rPr lang="en-US" sz="1100" b="1" dirty="0">
-                <a:latin typeface="Consolas" panose="020B0609020204030204" pitchFamily="49" charset="0"/>
-                <a:cs typeface="Consolas" panose="020B0609020204030204" pitchFamily="49" charset="0"/>
-              </a:rPr>
-              <a:t>&gt; (</a:t>
-            </a:r>
-            <a:r>
-              <a:rPr lang="en-US" sz="1100" b="1" dirty="0" err="1">
-                <a:latin typeface="Consolas" panose="020B0609020204030204" pitchFamily="49" charset="0"/>
-                <a:cs typeface="Consolas" panose="020B0609020204030204" pitchFamily="49" charset="0"/>
-              </a:rPr>
-              <a:t>nqueens</a:t>
-            </a:r>
-            <a:r>
-              <a:rPr lang="en-US" sz="1100" b="1" dirty="0">
-                <a:latin typeface="Consolas" panose="020B0609020204030204" pitchFamily="49" charset="0"/>
-                <a:cs typeface="Consolas" panose="020B0609020204030204" pitchFamily="49" charset="0"/>
-              </a:rPr>
-              <a:t> 3)</a:t>
-            </a:r>
-          </a:p>
-          <a:p>
-            <a:pPr marL="0" indent="0">
-              <a:buNone/>
-            </a:pPr>
-            <a:r>
-              <a:rPr lang="en-US" sz="1100" b="1" dirty="0">
-                <a:latin typeface="Consolas" panose="020B0609020204030204" pitchFamily="49" charset="0"/>
-                <a:cs typeface="Consolas" panose="020B0609020204030204" pitchFamily="49" charset="0"/>
-              </a:rPr>
-              <a:t>#false</a:t>
-            </a:r>
-          </a:p>
-          <a:p>
-            <a:pPr marL="0" indent="0">
-              <a:buNone/>
-            </a:pPr>
-            <a:r>
-              <a:rPr lang="en-US" sz="1100" b="1" dirty="0">
-                <a:latin typeface="Consolas" panose="020B0609020204030204" pitchFamily="49" charset="0"/>
-                <a:cs typeface="Consolas" panose="020B0609020204030204" pitchFamily="49" charset="0"/>
-              </a:rPr>
-              <a:t>&gt; (</a:t>
-            </a:r>
-            <a:r>
-              <a:rPr lang="en-US" sz="1100" b="1" dirty="0" err="1">
-                <a:latin typeface="Consolas" panose="020B0609020204030204" pitchFamily="49" charset="0"/>
-                <a:cs typeface="Consolas" panose="020B0609020204030204" pitchFamily="49" charset="0"/>
-              </a:rPr>
-              <a:t>nqueens</a:t>
-            </a:r>
-            <a:r>
-              <a:rPr lang="en-US" sz="1100" b="1" dirty="0">
-                <a:latin typeface="Consolas" panose="020B0609020204030204" pitchFamily="49" charset="0"/>
-                <a:cs typeface="Consolas" panose="020B0609020204030204" pitchFamily="49" charset="0"/>
-              </a:rPr>
-              <a:t> 4)</a:t>
-            </a:r>
-          </a:p>
-          <a:p>
-            <a:pPr marL="0" indent="0">
-              <a:buNone/>
-            </a:pPr>
-            <a:r>
-              <a:rPr lang="en-US" sz="1100" b="1" dirty="0">
-                <a:latin typeface="Consolas" panose="020B0609020204030204" pitchFamily="49" charset="0"/>
-                <a:cs typeface="Consolas" panose="020B0609020204030204" pitchFamily="49" charset="0"/>
-              </a:rPr>
-              <a:t>#false</a:t>
-            </a:r>
-          </a:p>
-          <a:p>
-            <a:pPr marL="0" indent="0">
-              <a:buNone/>
-            </a:pPr>
-            <a:r>
-              <a:rPr lang="en-US" sz="1100" b="1" dirty="0" smtClean="0">
-                <a:latin typeface="Consolas" panose="020B0609020204030204" pitchFamily="49" charset="0"/>
-                <a:cs typeface="Consolas" panose="020B0609020204030204" pitchFamily="49" charset="0"/>
-              </a:rPr>
-              <a:t>&gt; </a:t>
-            </a:r>
-            <a:r>
-              <a:rPr lang="en-US" sz="1100" b="1" dirty="0">
-                <a:latin typeface="Consolas" panose="020B0609020204030204" pitchFamily="49" charset="0"/>
-                <a:cs typeface="Consolas" panose="020B0609020204030204" pitchFamily="49" charset="0"/>
-              </a:rPr>
+            <a:pPr>
+              <a:spcBef>
+                <a:spcPts val="0"/>
+              </a:spcBef>
+            </a:pPr>
+            <a:endParaRPr lang="en-US" dirty="0" smtClean="0"/>
+          </a:p>
+          <a:p>
+            <a:pPr>
+              <a:spcBef>
+                <a:spcPts val="0"/>
+              </a:spcBef>
+            </a:pPr>
+            <a:r>
+              <a:rPr lang="en-US" dirty="0" smtClean="0"/>
+              <a:t>;; </a:t>
+            </a:r>
+            <a:r>
+              <a:rPr lang="en-US" dirty="0"/>
+              <a:t>(X -&gt; </a:t>
+            </a:r>
+            <a:r>
+              <a:rPr lang="en-US" dirty="0" err="1"/>
+              <a:t>MaybeY</a:t>
+            </a:r>
+            <a:r>
+              <a:rPr lang="en-US" dirty="0"/>
+              <a:t>) </a:t>
+            </a:r>
+            <a:r>
+              <a:rPr lang="en-US" dirty="0" err="1"/>
+              <a:t>ListOfX</a:t>
+            </a:r>
+            <a:r>
+              <a:rPr lang="en-US" dirty="0"/>
+              <a:t> -&gt; </a:t>
+            </a:r>
+            <a:r>
+              <a:rPr lang="en-US" dirty="0" err="1"/>
+              <a:t>MaybeY</a:t>
+            </a:r>
+            <a:endParaRPr lang="en-US" dirty="0"/>
+          </a:p>
+          <a:p>
+            <a:pPr>
+              <a:spcBef>
+                <a:spcPts val="0"/>
+              </a:spcBef>
+            </a:pPr>
+            <a:r>
+              <a:rPr lang="en-US" dirty="0"/>
+              <a:t>;; </a:t>
+            </a:r>
+            <a:r>
+              <a:rPr lang="en-US" dirty="0" smtClean="0"/>
+              <a:t>RETURNS: first </a:t>
+            </a:r>
+            <a:r>
+              <a:rPr lang="en-US" dirty="0" err="1"/>
+              <a:t>elt</a:t>
+            </a:r>
+            <a:r>
+              <a:rPr lang="en-US" dirty="0"/>
+              <a:t> of </a:t>
+            </a:r>
+            <a:r>
+              <a:rPr lang="en-US" dirty="0" err="1"/>
+              <a:t>lst</a:t>
+            </a:r>
+            <a:r>
+              <a:rPr lang="en-US" dirty="0"/>
+              <a:t> </a:t>
+            </a:r>
+            <a:r>
+              <a:rPr lang="en-US" dirty="0" smtClean="0"/>
+              <a:t>such that </a:t>
+            </a:r>
+            <a:r>
+              <a:rPr lang="en-US" dirty="0"/>
+              <a:t>(f </a:t>
+            </a:r>
+            <a:r>
+              <a:rPr lang="en-US" dirty="0" err="1"/>
+              <a:t>elt</a:t>
+            </a:r>
+            <a:r>
+              <a:rPr lang="en-US" dirty="0" smtClean="0"/>
+              <a:t>)</a:t>
+            </a:r>
+          </a:p>
+          <a:p>
+            <a:pPr>
+              <a:spcBef>
+                <a:spcPts val="0"/>
+              </a:spcBef>
+            </a:pPr>
+            <a:r>
+              <a:rPr lang="en-US" dirty="0" smtClean="0"/>
+              <a:t>;;  </a:t>
+            </a:r>
+            <a:r>
+              <a:rPr lang="en-US" dirty="0" smtClean="0"/>
+              <a:t> </a:t>
+            </a:r>
+            <a:r>
+              <a:rPr lang="en-US" dirty="0"/>
+              <a:t>is </a:t>
+            </a:r>
+            <a:r>
+              <a:rPr lang="en-US" dirty="0" smtClean="0"/>
+              <a:t>not, or false if none.</a:t>
+            </a:r>
+          </a:p>
+          <a:p>
+            <a:pPr>
+              <a:spcBef>
+                <a:spcPts val="0"/>
+              </a:spcBef>
+            </a:pPr>
+            <a:r>
+              <a:rPr lang="en-US" dirty="0"/>
+              <a:t>;; STRATEGY: Use template for </a:t>
+            </a:r>
+            <a:r>
+              <a:rPr lang="en-US" dirty="0" err="1"/>
+              <a:t>ListOfX</a:t>
+            </a:r>
+            <a:r>
+              <a:rPr lang="en-US" dirty="0"/>
+              <a:t> on </a:t>
+            </a:r>
+            <a:r>
+              <a:rPr lang="en-US" dirty="0" err="1" smtClean="0"/>
+              <a:t>lst</a:t>
+            </a:r>
+            <a:endParaRPr lang="en-US" dirty="0" smtClean="0"/>
+          </a:p>
+          <a:p>
+            <a:pPr>
+              <a:spcBef>
+                <a:spcPts val="0"/>
+              </a:spcBef>
+            </a:pPr>
+            <a:endParaRPr lang="en-US" dirty="0"/>
+          </a:p>
+          <a:p>
+            <a:pPr>
+              <a:spcBef>
+                <a:spcPts val="0"/>
+              </a:spcBef>
+            </a:pPr>
+            <a:r>
+              <a:rPr lang="en-US" dirty="0" smtClean="0"/>
               <a:t>(</a:t>
             </a:r>
             <a:r>
-              <a:rPr lang="en-US" sz="1100" b="1" dirty="0" err="1">
-                <a:latin typeface="Consolas" panose="020B0609020204030204" pitchFamily="49" charset="0"/>
-                <a:cs typeface="Consolas" panose="020B0609020204030204" pitchFamily="49" charset="0"/>
-              </a:rPr>
-              <a:t>nqueens</a:t>
-            </a:r>
-            <a:r>
-              <a:rPr lang="en-US" sz="1100" b="1" dirty="0">
-                <a:latin typeface="Consolas" panose="020B0609020204030204" pitchFamily="49" charset="0"/>
-                <a:cs typeface="Consolas" panose="020B0609020204030204" pitchFamily="49" charset="0"/>
-              </a:rPr>
-              <a:t> 5)</a:t>
-            </a:r>
-          </a:p>
-          <a:p>
-            <a:pPr marL="0" indent="0">
-              <a:buNone/>
-            </a:pPr>
-            <a:r>
-              <a:rPr lang="en-US" sz="1100" b="1" dirty="0">
-                <a:latin typeface="Consolas" panose="020B0609020204030204" pitchFamily="49" charset="0"/>
-                <a:cs typeface="Consolas" panose="020B0609020204030204" pitchFamily="49" charset="0"/>
-              </a:rPr>
-              <a:t>(list</a:t>
-            </a:r>
-          </a:p>
-          <a:p>
-            <a:pPr marL="0" indent="0">
-              <a:buNone/>
-            </a:pPr>
-            <a:r>
-              <a:rPr lang="en-US" sz="1100" b="1" dirty="0">
-                <a:latin typeface="Consolas" panose="020B0609020204030204" pitchFamily="49" charset="0"/>
-                <a:cs typeface="Consolas" panose="020B0609020204030204" pitchFamily="49" charset="0"/>
-              </a:rPr>
-              <a:t> (make-queen 5 4)</a:t>
-            </a:r>
-          </a:p>
-          <a:p>
-            <a:pPr marL="0" indent="0">
-              <a:buNone/>
-            </a:pPr>
-            <a:r>
-              <a:rPr lang="en-US" sz="1100" b="1" dirty="0">
-                <a:latin typeface="Consolas" panose="020B0609020204030204" pitchFamily="49" charset="0"/>
-                <a:cs typeface="Consolas" panose="020B0609020204030204" pitchFamily="49" charset="0"/>
-              </a:rPr>
-              <a:t> (make-queen 4 2)</a:t>
-            </a:r>
-          </a:p>
-          <a:p>
-            <a:pPr marL="0" indent="0">
-              <a:buNone/>
-            </a:pPr>
-            <a:r>
-              <a:rPr lang="en-US" sz="1100" b="1" dirty="0">
-                <a:latin typeface="Consolas" panose="020B0609020204030204" pitchFamily="49" charset="0"/>
-                <a:cs typeface="Consolas" panose="020B0609020204030204" pitchFamily="49" charset="0"/>
-              </a:rPr>
-              <a:t> (make-queen 3 5)</a:t>
-            </a:r>
-          </a:p>
-          <a:p>
-            <a:pPr marL="0" indent="0">
-              <a:buNone/>
-            </a:pPr>
-            <a:r>
-              <a:rPr lang="en-US" sz="1100" b="1" dirty="0">
-                <a:latin typeface="Consolas" panose="020B0609020204030204" pitchFamily="49" charset="0"/>
-                <a:cs typeface="Consolas" panose="020B0609020204030204" pitchFamily="49" charset="0"/>
-              </a:rPr>
-              <a:t> (make-queen 2 3)</a:t>
-            </a:r>
-          </a:p>
-          <a:p>
-            <a:pPr marL="0" indent="0">
-              <a:buNone/>
-            </a:pPr>
-            <a:r>
-              <a:rPr lang="en-US" sz="1100" b="1" dirty="0">
-                <a:latin typeface="Consolas" panose="020B0609020204030204" pitchFamily="49" charset="0"/>
-                <a:cs typeface="Consolas" panose="020B0609020204030204" pitchFamily="49" charset="0"/>
-              </a:rPr>
-              <a:t> (make-queen 1 1))</a:t>
-            </a:r>
-          </a:p>
-          <a:p>
-            <a:pPr marL="0" indent="0">
-              <a:buNone/>
-            </a:pPr>
-            <a:r>
-              <a:rPr lang="en-US" sz="1100" b="1" dirty="0">
-                <a:latin typeface="Consolas" panose="020B0609020204030204" pitchFamily="49" charset="0"/>
-                <a:cs typeface="Consolas" panose="020B0609020204030204" pitchFamily="49" charset="0"/>
-              </a:rPr>
-              <a:t>&gt; (</a:t>
-            </a:r>
-            <a:r>
-              <a:rPr lang="en-US" sz="1100" b="1" dirty="0" err="1">
-                <a:latin typeface="Consolas" panose="020B0609020204030204" pitchFamily="49" charset="0"/>
-                <a:cs typeface="Consolas" panose="020B0609020204030204" pitchFamily="49" charset="0"/>
-              </a:rPr>
-              <a:t>nqueens</a:t>
-            </a:r>
-            <a:r>
-              <a:rPr lang="en-US" sz="1100" b="1" dirty="0">
-                <a:latin typeface="Consolas" panose="020B0609020204030204" pitchFamily="49" charset="0"/>
-                <a:cs typeface="Consolas" panose="020B0609020204030204" pitchFamily="49" charset="0"/>
-              </a:rPr>
-              <a:t> 6)</a:t>
-            </a:r>
-          </a:p>
-          <a:p>
-            <a:pPr marL="0" indent="0">
-              <a:buNone/>
-            </a:pPr>
-            <a:r>
-              <a:rPr lang="en-US" sz="1100" b="1" dirty="0">
-                <a:latin typeface="Consolas" panose="020B0609020204030204" pitchFamily="49" charset="0"/>
-                <a:cs typeface="Consolas" panose="020B0609020204030204" pitchFamily="49" charset="0"/>
-              </a:rPr>
-              <a:t>#false</a:t>
-            </a:r>
-          </a:p>
-          <a:p>
-            <a:pPr marL="0" indent="0">
-              <a:buNone/>
-            </a:pPr>
-            <a:r>
-              <a:rPr lang="en-US" sz="1100" b="1" dirty="0">
-                <a:latin typeface="Consolas" panose="020B0609020204030204" pitchFamily="49" charset="0"/>
-                <a:cs typeface="Consolas" panose="020B0609020204030204" pitchFamily="49" charset="0"/>
-              </a:rPr>
-              <a:t>&gt; (</a:t>
-            </a:r>
-            <a:r>
-              <a:rPr lang="en-US" sz="1100" b="1" dirty="0" err="1">
-                <a:latin typeface="Consolas" panose="020B0609020204030204" pitchFamily="49" charset="0"/>
-                <a:cs typeface="Consolas" panose="020B0609020204030204" pitchFamily="49" charset="0"/>
-              </a:rPr>
-              <a:t>nqueens</a:t>
-            </a:r>
-            <a:r>
-              <a:rPr lang="en-US" sz="1100" b="1" dirty="0">
-                <a:latin typeface="Consolas" panose="020B0609020204030204" pitchFamily="49" charset="0"/>
-                <a:cs typeface="Consolas" panose="020B0609020204030204" pitchFamily="49" charset="0"/>
-              </a:rPr>
-              <a:t> 7)</a:t>
-            </a:r>
-          </a:p>
-          <a:p>
-            <a:pPr marL="0" indent="0">
-              <a:buNone/>
-            </a:pPr>
-            <a:r>
-              <a:rPr lang="en-US" sz="1100" b="1" dirty="0">
-                <a:latin typeface="Consolas" panose="020B0609020204030204" pitchFamily="49" charset="0"/>
-                <a:cs typeface="Consolas" panose="020B0609020204030204" pitchFamily="49" charset="0"/>
-              </a:rPr>
-              <a:t>(list</a:t>
-            </a:r>
-          </a:p>
-          <a:p>
-            <a:pPr marL="0" indent="0">
-              <a:buNone/>
-            </a:pPr>
-            <a:r>
-              <a:rPr lang="en-US" sz="1100" b="1" dirty="0">
-                <a:latin typeface="Consolas" panose="020B0609020204030204" pitchFamily="49" charset="0"/>
-                <a:cs typeface="Consolas" panose="020B0609020204030204" pitchFamily="49" charset="0"/>
-              </a:rPr>
-              <a:t> (make-queen 7 6)</a:t>
-            </a:r>
-          </a:p>
-          <a:p>
-            <a:pPr marL="0" indent="0">
-              <a:buNone/>
-            </a:pPr>
-            <a:r>
-              <a:rPr lang="en-US" sz="1100" b="1" dirty="0">
-                <a:latin typeface="Consolas" panose="020B0609020204030204" pitchFamily="49" charset="0"/>
-                <a:cs typeface="Consolas" panose="020B0609020204030204" pitchFamily="49" charset="0"/>
-              </a:rPr>
-              <a:t> (make-queen 6 4)</a:t>
-            </a:r>
-          </a:p>
-          <a:p>
-            <a:pPr marL="0" indent="0">
-              <a:buNone/>
-            </a:pPr>
-            <a:r>
-              <a:rPr lang="en-US" sz="1100" b="1" dirty="0">
-                <a:latin typeface="Consolas" panose="020B0609020204030204" pitchFamily="49" charset="0"/>
-                <a:cs typeface="Consolas" panose="020B0609020204030204" pitchFamily="49" charset="0"/>
-              </a:rPr>
-              <a:t> (make-queen 5 2)</a:t>
-            </a:r>
-          </a:p>
-          <a:p>
-            <a:pPr marL="0" indent="0">
-              <a:buNone/>
-            </a:pPr>
-            <a:r>
-              <a:rPr lang="en-US" sz="1100" b="1" dirty="0">
-                <a:latin typeface="Consolas" panose="020B0609020204030204" pitchFamily="49" charset="0"/>
-                <a:cs typeface="Consolas" panose="020B0609020204030204" pitchFamily="49" charset="0"/>
-              </a:rPr>
-              <a:t> (make-queen 4 7)</a:t>
-            </a:r>
-          </a:p>
-          <a:p>
-            <a:pPr marL="0" indent="0">
-              <a:buNone/>
-            </a:pPr>
-            <a:r>
-              <a:rPr lang="en-US" sz="1100" b="1" dirty="0">
-                <a:latin typeface="Consolas" panose="020B0609020204030204" pitchFamily="49" charset="0"/>
-                <a:cs typeface="Consolas" panose="020B0609020204030204" pitchFamily="49" charset="0"/>
-              </a:rPr>
-              <a:t> (make-queen 3 5)</a:t>
-            </a:r>
-          </a:p>
-          <a:p>
-            <a:pPr marL="0" indent="0">
-              <a:buNone/>
-            </a:pPr>
-            <a:r>
-              <a:rPr lang="en-US" sz="1100" b="1" dirty="0">
-                <a:latin typeface="Consolas" panose="020B0609020204030204" pitchFamily="49" charset="0"/>
-                <a:cs typeface="Consolas" panose="020B0609020204030204" pitchFamily="49" charset="0"/>
-              </a:rPr>
-              <a:t> (make-queen 2 3)</a:t>
-            </a:r>
-          </a:p>
-          <a:p>
-            <a:pPr marL="0" indent="0">
-              <a:buNone/>
-            </a:pPr>
-            <a:r>
-              <a:rPr lang="en-US" sz="1100" b="1" dirty="0">
-                <a:latin typeface="Consolas" panose="020B0609020204030204" pitchFamily="49" charset="0"/>
-                <a:cs typeface="Consolas" panose="020B0609020204030204" pitchFamily="49" charset="0"/>
-              </a:rPr>
-              <a:t> (make-queen 1 1))</a:t>
-            </a:r>
-          </a:p>
-          <a:p>
-            <a:pPr marL="0" indent="0">
-              <a:buNone/>
-            </a:pPr>
-            <a:r>
-              <a:rPr lang="en-US" sz="1100" b="1" dirty="0" smtClean="0">
-                <a:latin typeface="Consolas" panose="020B0609020204030204" pitchFamily="49" charset="0"/>
-                <a:cs typeface="Consolas" panose="020B0609020204030204" pitchFamily="49" charset="0"/>
-              </a:rPr>
-              <a:t>&gt;</a:t>
-            </a:r>
-            <a:endParaRPr lang="en-US" sz="1100" b="1" dirty="0">
-              <a:latin typeface="Consolas" panose="020B0609020204030204" pitchFamily="49" charset="0"/>
-              <a:cs typeface="Consolas" panose="020B0609020204030204" pitchFamily="49" charset="0"/>
-            </a:endParaRPr>
+              <a:rPr lang="en-US" dirty="0"/>
+              <a:t>define (first-success f </a:t>
+            </a:r>
+            <a:r>
+              <a:rPr lang="en-US" dirty="0" err="1"/>
+              <a:t>lst</a:t>
+            </a:r>
+            <a:r>
+              <a:rPr lang="en-US" dirty="0"/>
+              <a:t>)</a:t>
+            </a:r>
+          </a:p>
+          <a:p>
+            <a:pPr>
+              <a:spcBef>
+                <a:spcPts val="0"/>
+              </a:spcBef>
+            </a:pPr>
+            <a:r>
+              <a:rPr lang="en-US" dirty="0"/>
+              <a:t>  (cond</a:t>
+            </a:r>
+          </a:p>
+          <a:p>
+            <a:pPr>
+              <a:spcBef>
+                <a:spcPts val="0"/>
+              </a:spcBef>
+            </a:pPr>
+            <a:r>
+              <a:rPr lang="en-US" dirty="0"/>
+              <a:t>    [(empty? </a:t>
+            </a:r>
+            <a:r>
+              <a:rPr lang="en-US" dirty="0" err="1"/>
+              <a:t>lst</a:t>
+            </a:r>
+            <a:r>
+              <a:rPr lang="en-US" dirty="0"/>
+              <a:t>) false]</a:t>
+            </a:r>
+          </a:p>
+          <a:p>
+            <a:pPr>
+              <a:spcBef>
+                <a:spcPts val="0"/>
+              </a:spcBef>
+            </a:pPr>
+            <a:r>
+              <a:rPr lang="en-US" dirty="0"/>
+              <a:t>    [else</a:t>
+            </a:r>
+          </a:p>
+          <a:p>
+            <a:pPr>
+              <a:spcBef>
+                <a:spcPts val="0"/>
+              </a:spcBef>
+            </a:pPr>
+            <a:r>
+              <a:rPr lang="en-US" dirty="0"/>
+              <a:t>     (local ((define y (f (first </a:t>
+            </a:r>
+            <a:r>
+              <a:rPr lang="en-US" dirty="0" err="1"/>
+              <a:t>lst</a:t>
+            </a:r>
+            <a:r>
+              <a:rPr lang="en-US" dirty="0"/>
+              <a:t>))))</a:t>
+            </a:r>
+          </a:p>
+          <a:p>
+            <a:pPr>
+              <a:spcBef>
+                <a:spcPts val="0"/>
+              </a:spcBef>
+            </a:pPr>
+            <a:r>
+              <a:rPr lang="en-US" dirty="0"/>
+              <a:t>       (if (not (false? y))</a:t>
+            </a:r>
+          </a:p>
+          <a:p>
+            <a:pPr>
+              <a:spcBef>
+                <a:spcPts val="0"/>
+              </a:spcBef>
+            </a:pPr>
+            <a:r>
+              <a:rPr lang="en-US" dirty="0"/>
+              <a:t>           y</a:t>
+            </a:r>
+          </a:p>
+          <a:p>
+            <a:pPr>
+              <a:spcBef>
+                <a:spcPts val="0"/>
+              </a:spcBef>
+            </a:pPr>
+            <a:r>
+              <a:rPr lang="en-US" dirty="0"/>
+              <a:t>           (first-success f (rest </a:t>
+            </a:r>
+            <a:r>
+              <a:rPr lang="en-US" dirty="0" err="1"/>
+              <a:t>lst</a:t>
+            </a:r>
+            <a:r>
+              <a:rPr lang="en-US" dirty="0"/>
+              <a:t>))))]))</a:t>
+            </a:r>
           </a:p>
         </p:txBody>
       </p:sp>
@@ -8051,912 +7512,14 @@
       </p:sp>
       <p:sp>
         <p:nvSpPr>
-          <p:cNvPr id="7" name="Content Placeholder 4"/>
-          <p:cNvSpPr>
-            <a:spLocks noGrp="1"/>
-          </p:cNvSpPr>
-          <p:nvPr>
-            <p:ph sz="half" idx="1"/>
-          </p:nvPr>
+          <p:cNvPr id="7" name="Rectangle 6"/>
+          <p:cNvSpPr/>
+          <p:nvPr/>
         </p:nvSpPr>
         <p:spPr>
           <a:xfrm>
-            <a:off x="2616200" y="1476235"/>
-            <a:ext cx="1930400" cy="4525963"/>
-          </a:xfrm>
-        </p:spPr>
-        <p:txBody>
-          <a:bodyPr>
-            <a:noAutofit/>
-          </a:bodyPr>
-          <a:lstStyle/>
-          <a:p>
-            <a:pPr marL="0" indent="0">
-              <a:buNone/>
-            </a:pPr>
-            <a:r>
-              <a:rPr lang="en-US" sz="1100" b="1" dirty="0" smtClean="0">
-                <a:latin typeface="Consolas" panose="020B0609020204030204" pitchFamily="49" charset="0"/>
-                <a:cs typeface="Consolas" panose="020B0609020204030204" pitchFamily="49" charset="0"/>
-              </a:rPr>
-              <a:t>&gt; </a:t>
-            </a:r>
-            <a:r>
-              <a:rPr lang="en-US" sz="1100" b="1" dirty="0">
-                <a:latin typeface="Consolas" panose="020B0609020204030204" pitchFamily="49" charset="0"/>
-                <a:cs typeface="Consolas" panose="020B0609020204030204" pitchFamily="49" charset="0"/>
-              </a:rPr>
-              <a:t>(</a:t>
-            </a:r>
-            <a:r>
-              <a:rPr lang="en-US" sz="1100" b="1" dirty="0" err="1">
-                <a:latin typeface="Consolas" panose="020B0609020204030204" pitchFamily="49" charset="0"/>
-                <a:cs typeface="Consolas" panose="020B0609020204030204" pitchFamily="49" charset="0"/>
-              </a:rPr>
-              <a:t>nqueens</a:t>
-            </a:r>
-            <a:r>
-              <a:rPr lang="en-US" sz="1100" b="1" dirty="0">
-                <a:latin typeface="Consolas" panose="020B0609020204030204" pitchFamily="49" charset="0"/>
-                <a:cs typeface="Consolas" panose="020B0609020204030204" pitchFamily="49" charset="0"/>
-              </a:rPr>
-              <a:t> 8)</a:t>
-            </a:r>
-          </a:p>
-          <a:p>
-            <a:pPr marL="0" indent="0">
-              <a:buNone/>
-            </a:pPr>
-            <a:r>
-              <a:rPr lang="en-US" sz="1100" b="1" dirty="0">
-                <a:latin typeface="Consolas" panose="020B0609020204030204" pitchFamily="49" charset="0"/>
-                <a:cs typeface="Consolas" panose="020B0609020204030204" pitchFamily="49" charset="0"/>
-              </a:rPr>
-              <a:t>(list</a:t>
-            </a:r>
-          </a:p>
-          <a:p>
-            <a:pPr marL="0" indent="0">
-              <a:buNone/>
-            </a:pPr>
-            <a:r>
-              <a:rPr lang="en-US" sz="1100" b="1" dirty="0">
-                <a:latin typeface="Consolas" panose="020B0609020204030204" pitchFamily="49" charset="0"/>
-                <a:cs typeface="Consolas" panose="020B0609020204030204" pitchFamily="49" charset="0"/>
-              </a:rPr>
-              <a:t> (make-queen 8 4)</a:t>
-            </a:r>
-          </a:p>
-          <a:p>
-            <a:pPr marL="0" indent="0">
-              <a:buNone/>
-            </a:pPr>
-            <a:r>
-              <a:rPr lang="en-US" sz="1100" b="1" dirty="0">
-                <a:latin typeface="Consolas" panose="020B0609020204030204" pitchFamily="49" charset="0"/>
-                <a:cs typeface="Consolas" panose="020B0609020204030204" pitchFamily="49" charset="0"/>
-              </a:rPr>
-              <a:t> (make-queen 7 2)</a:t>
-            </a:r>
-          </a:p>
-          <a:p>
-            <a:pPr marL="0" indent="0">
-              <a:buNone/>
-            </a:pPr>
-            <a:r>
-              <a:rPr lang="en-US" sz="1100" b="1" dirty="0">
-                <a:latin typeface="Consolas" panose="020B0609020204030204" pitchFamily="49" charset="0"/>
-                <a:cs typeface="Consolas" panose="020B0609020204030204" pitchFamily="49" charset="0"/>
-              </a:rPr>
-              <a:t> (make-queen 6 7)</a:t>
-            </a:r>
-          </a:p>
-          <a:p>
-            <a:pPr marL="0" indent="0">
-              <a:buNone/>
-            </a:pPr>
-            <a:r>
-              <a:rPr lang="en-US" sz="1100" b="1" dirty="0">
-                <a:latin typeface="Consolas" panose="020B0609020204030204" pitchFamily="49" charset="0"/>
-                <a:cs typeface="Consolas" panose="020B0609020204030204" pitchFamily="49" charset="0"/>
-              </a:rPr>
-              <a:t> (make-queen 5 3)</a:t>
-            </a:r>
-          </a:p>
-          <a:p>
-            <a:pPr marL="0" indent="0">
-              <a:buNone/>
-            </a:pPr>
-            <a:r>
-              <a:rPr lang="en-US" sz="1100" b="1" dirty="0">
-                <a:latin typeface="Consolas" panose="020B0609020204030204" pitchFamily="49" charset="0"/>
-                <a:cs typeface="Consolas" panose="020B0609020204030204" pitchFamily="49" charset="0"/>
-              </a:rPr>
-              <a:t> (make-queen 4 6)</a:t>
-            </a:r>
-          </a:p>
-          <a:p>
-            <a:pPr marL="0" indent="0">
-              <a:buNone/>
-            </a:pPr>
-            <a:r>
-              <a:rPr lang="en-US" sz="1100" b="1" dirty="0">
-                <a:latin typeface="Consolas" panose="020B0609020204030204" pitchFamily="49" charset="0"/>
-                <a:cs typeface="Consolas" panose="020B0609020204030204" pitchFamily="49" charset="0"/>
-              </a:rPr>
-              <a:t> (make-queen 3 8)</a:t>
-            </a:r>
-          </a:p>
-          <a:p>
-            <a:pPr marL="0" indent="0">
-              <a:buNone/>
-            </a:pPr>
-            <a:r>
-              <a:rPr lang="en-US" sz="1100" b="1" dirty="0">
-                <a:latin typeface="Consolas" panose="020B0609020204030204" pitchFamily="49" charset="0"/>
-                <a:cs typeface="Consolas" panose="020B0609020204030204" pitchFamily="49" charset="0"/>
-              </a:rPr>
-              <a:t> (make-queen 2 5)</a:t>
-            </a:r>
-          </a:p>
-          <a:p>
-            <a:pPr marL="0" indent="0">
-              <a:buNone/>
-            </a:pPr>
-            <a:r>
-              <a:rPr lang="en-US" sz="1100" b="1" dirty="0">
-                <a:latin typeface="Consolas" panose="020B0609020204030204" pitchFamily="49" charset="0"/>
-                <a:cs typeface="Consolas" panose="020B0609020204030204" pitchFamily="49" charset="0"/>
-              </a:rPr>
-              <a:t> (make-queen 1 1))</a:t>
-            </a:r>
-          </a:p>
-          <a:p>
-            <a:pPr marL="0" indent="0">
-              <a:buNone/>
-            </a:pPr>
-            <a:r>
-              <a:rPr lang="en-US" sz="1100" b="1" dirty="0">
-                <a:latin typeface="Consolas" panose="020B0609020204030204" pitchFamily="49" charset="0"/>
-                <a:cs typeface="Consolas" panose="020B0609020204030204" pitchFamily="49" charset="0"/>
-              </a:rPr>
-              <a:t>&gt; (</a:t>
-            </a:r>
-            <a:r>
-              <a:rPr lang="en-US" sz="1100" b="1" dirty="0" err="1">
-                <a:latin typeface="Consolas" panose="020B0609020204030204" pitchFamily="49" charset="0"/>
-                <a:cs typeface="Consolas" panose="020B0609020204030204" pitchFamily="49" charset="0"/>
-              </a:rPr>
-              <a:t>nqueens</a:t>
-            </a:r>
-            <a:r>
-              <a:rPr lang="en-US" sz="1100" b="1" dirty="0">
-                <a:latin typeface="Consolas" panose="020B0609020204030204" pitchFamily="49" charset="0"/>
-                <a:cs typeface="Consolas" panose="020B0609020204030204" pitchFamily="49" charset="0"/>
-              </a:rPr>
-              <a:t> 9)</a:t>
-            </a:r>
-          </a:p>
-          <a:p>
-            <a:pPr marL="0" indent="0">
-              <a:buNone/>
-            </a:pPr>
-            <a:r>
-              <a:rPr lang="en-US" sz="1100" b="1" dirty="0">
-                <a:latin typeface="Consolas" panose="020B0609020204030204" pitchFamily="49" charset="0"/>
-                <a:cs typeface="Consolas" panose="020B0609020204030204" pitchFamily="49" charset="0"/>
-              </a:rPr>
-              <a:t>(list</a:t>
-            </a:r>
-          </a:p>
-          <a:p>
-            <a:pPr marL="0" indent="0">
-              <a:buNone/>
-            </a:pPr>
-            <a:r>
-              <a:rPr lang="en-US" sz="1100" b="1" dirty="0">
-                <a:latin typeface="Consolas" panose="020B0609020204030204" pitchFamily="49" charset="0"/>
-                <a:cs typeface="Consolas" panose="020B0609020204030204" pitchFamily="49" charset="0"/>
-              </a:rPr>
-              <a:t> (make-queen 9 5)</a:t>
-            </a:r>
-          </a:p>
-          <a:p>
-            <a:pPr marL="0" indent="0">
-              <a:buNone/>
-            </a:pPr>
-            <a:r>
-              <a:rPr lang="en-US" sz="1100" b="1" dirty="0">
-                <a:latin typeface="Consolas" panose="020B0609020204030204" pitchFamily="49" charset="0"/>
-                <a:cs typeface="Consolas" panose="020B0609020204030204" pitchFamily="49" charset="0"/>
-              </a:rPr>
-              <a:t> (make-queen 8 7)</a:t>
-            </a:r>
-          </a:p>
-          <a:p>
-            <a:pPr marL="0" indent="0">
-              <a:buNone/>
-            </a:pPr>
-            <a:r>
-              <a:rPr lang="en-US" sz="1100" b="1" dirty="0">
-                <a:latin typeface="Consolas" panose="020B0609020204030204" pitchFamily="49" charset="0"/>
-                <a:cs typeface="Consolas" panose="020B0609020204030204" pitchFamily="49" charset="0"/>
-              </a:rPr>
-              <a:t> (make-queen 7 9)</a:t>
-            </a:r>
-          </a:p>
-          <a:p>
-            <a:pPr marL="0" indent="0">
-              <a:buNone/>
-            </a:pPr>
-            <a:r>
-              <a:rPr lang="en-US" sz="1100" b="1" dirty="0">
-                <a:latin typeface="Consolas" panose="020B0609020204030204" pitchFamily="49" charset="0"/>
-                <a:cs typeface="Consolas" panose="020B0609020204030204" pitchFamily="49" charset="0"/>
-              </a:rPr>
-              <a:t> (make-queen 6 4)</a:t>
-            </a:r>
-          </a:p>
-          <a:p>
-            <a:pPr marL="0" indent="0">
-              <a:buNone/>
-            </a:pPr>
-            <a:r>
-              <a:rPr lang="en-US" sz="1100" b="1" dirty="0">
-                <a:latin typeface="Consolas" panose="020B0609020204030204" pitchFamily="49" charset="0"/>
-                <a:cs typeface="Consolas" panose="020B0609020204030204" pitchFamily="49" charset="0"/>
-              </a:rPr>
-              <a:t> (make-queen 5 2)</a:t>
-            </a:r>
-          </a:p>
-          <a:p>
-            <a:pPr marL="0" indent="0">
-              <a:buNone/>
-            </a:pPr>
-            <a:r>
-              <a:rPr lang="en-US" sz="1100" b="1" dirty="0">
-                <a:latin typeface="Consolas" panose="020B0609020204030204" pitchFamily="49" charset="0"/>
-                <a:cs typeface="Consolas" panose="020B0609020204030204" pitchFamily="49" charset="0"/>
-              </a:rPr>
-              <a:t> (make-queen 4 8)</a:t>
-            </a:r>
-          </a:p>
-          <a:p>
-            <a:pPr marL="0" indent="0">
-              <a:buNone/>
-            </a:pPr>
-            <a:r>
-              <a:rPr lang="en-US" sz="1100" b="1" dirty="0">
-                <a:latin typeface="Consolas" panose="020B0609020204030204" pitchFamily="49" charset="0"/>
-                <a:cs typeface="Consolas" panose="020B0609020204030204" pitchFamily="49" charset="0"/>
-              </a:rPr>
-              <a:t> (make-queen 3 6)</a:t>
-            </a:r>
-          </a:p>
-          <a:p>
-            <a:pPr marL="0" indent="0">
-              <a:buNone/>
-            </a:pPr>
-            <a:r>
-              <a:rPr lang="en-US" sz="1100" b="1" dirty="0">
-                <a:latin typeface="Consolas" panose="020B0609020204030204" pitchFamily="49" charset="0"/>
-                <a:cs typeface="Consolas" panose="020B0609020204030204" pitchFamily="49" charset="0"/>
-              </a:rPr>
-              <a:t> (make-queen 2 3)</a:t>
-            </a:r>
-          </a:p>
-          <a:p>
-            <a:pPr marL="0" indent="0">
-              <a:buNone/>
-            </a:pPr>
-            <a:r>
-              <a:rPr lang="en-US" sz="1100" b="1" dirty="0">
-                <a:latin typeface="Consolas" panose="020B0609020204030204" pitchFamily="49" charset="0"/>
-                <a:cs typeface="Consolas" panose="020B0609020204030204" pitchFamily="49" charset="0"/>
-              </a:rPr>
-              <a:t> (make-queen 1 1))</a:t>
-            </a:r>
-          </a:p>
-          <a:p>
-            <a:pPr marL="0" indent="0">
-              <a:buNone/>
-            </a:pPr>
-            <a:r>
-              <a:rPr lang="en-US" sz="1100" b="1" dirty="0" smtClean="0">
-                <a:latin typeface="Consolas" panose="020B0609020204030204" pitchFamily="49" charset="0"/>
-                <a:cs typeface="Consolas" panose="020B0609020204030204" pitchFamily="49" charset="0"/>
-              </a:rPr>
-              <a:t> </a:t>
-            </a:r>
-            <a:endParaRPr lang="en-US" sz="1100" b="1" dirty="0">
-              <a:latin typeface="Consolas" panose="020B0609020204030204" pitchFamily="49" charset="0"/>
-              <a:cs typeface="Consolas" panose="020B0609020204030204" pitchFamily="49" charset="0"/>
-            </a:endParaRPr>
-          </a:p>
-        </p:txBody>
-      </p:sp>
-      <p:sp>
-        <p:nvSpPr>
-          <p:cNvPr id="8" name="Content Placeholder 4"/>
-          <p:cNvSpPr>
-            <a:spLocks noGrp="1"/>
-          </p:cNvSpPr>
-          <p:nvPr>
-            <p:ph sz="half" idx="1"/>
-          </p:nvPr>
-        </p:nvSpPr>
-        <p:spPr>
-          <a:xfrm>
-            <a:off x="4749800" y="1476235"/>
-            <a:ext cx="1752600" cy="5094568"/>
-          </a:xfrm>
-        </p:spPr>
-        <p:txBody>
-          <a:bodyPr>
-            <a:noAutofit/>
-          </a:bodyPr>
-          <a:lstStyle/>
-          <a:p>
-            <a:pPr marL="0" indent="0">
-              <a:buNone/>
-            </a:pPr>
-            <a:r>
-              <a:rPr lang="en-US" sz="1100" b="1" dirty="0" smtClean="0">
-                <a:latin typeface="Consolas" panose="020B0609020204030204" pitchFamily="49" charset="0"/>
-                <a:cs typeface="Consolas" panose="020B0609020204030204" pitchFamily="49" charset="0"/>
-              </a:rPr>
-              <a:t>&gt; (</a:t>
-            </a:r>
-            <a:r>
-              <a:rPr lang="en-US" sz="1100" b="1" dirty="0" err="1" smtClean="0">
-                <a:latin typeface="Consolas" panose="020B0609020204030204" pitchFamily="49" charset="0"/>
-                <a:cs typeface="Consolas" panose="020B0609020204030204" pitchFamily="49" charset="0"/>
-              </a:rPr>
-              <a:t>nqueens</a:t>
-            </a:r>
-            <a:r>
-              <a:rPr lang="en-US" sz="1100" b="1" dirty="0" smtClean="0">
-                <a:latin typeface="Consolas" panose="020B0609020204030204" pitchFamily="49" charset="0"/>
-                <a:cs typeface="Consolas" panose="020B0609020204030204" pitchFamily="49" charset="0"/>
-              </a:rPr>
-              <a:t> 10)</a:t>
-            </a:r>
-          </a:p>
-          <a:p>
-            <a:pPr marL="0" indent="0">
-              <a:buNone/>
-            </a:pPr>
-            <a:r>
-              <a:rPr lang="en-US" sz="1100" b="1" dirty="0" smtClean="0">
-                <a:latin typeface="Consolas" panose="020B0609020204030204" pitchFamily="49" charset="0"/>
-                <a:cs typeface="Consolas" panose="020B0609020204030204" pitchFamily="49" charset="0"/>
-              </a:rPr>
-              <a:t>(list</a:t>
-            </a:r>
-          </a:p>
-          <a:p>
-            <a:pPr marL="0" indent="0">
-              <a:buNone/>
-            </a:pPr>
-            <a:r>
-              <a:rPr lang="en-US" sz="1100" b="1" dirty="0" smtClean="0">
-                <a:latin typeface="Consolas" panose="020B0609020204030204" pitchFamily="49" charset="0"/>
-                <a:cs typeface="Consolas" panose="020B0609020204030204" pitchFamily="49" charset="0"/>
-              </a:rPr>
-              <a:t> (make-queen 10 7)</a:t>
-            </a:r>
-          </a:p>
-          <a:p>
-            <a:pPr marL="0" indent="0">
-              <a:buNone/>
-            </a:pPr>
-            <a:r>
-              <a:rPr lang="en-US" sz="1100" b="1" dirty="0" smtClean="0">
-                <a:latin typeface="Consolas" panose="020B0609020204030204" pitchFamily="49" charset="0"/>
-                <a:cs typeface="Consolas" panose="020B0609020204030204" pitchFamily="49" charset="0"/>
-              </a:rPr>
-              <a:t> (make-queen 9 4)</a:t>
-            </a:r>
-          </a:p>
-          <a:p>
-            <a:pPr marL="0" indent="0">
-              <a:buNone/>
-            </a:pPr>
-            <a:r>
-              <a:rPr lang="en-US" sz="1100" b="1" dirty="0" smtClean="0">
-                <a:latin typeface="Consolas" panose="020B0609020204030204" pitchFamily="49" charset="0"/>
-                <a:cs typeface="Consolas" panose="020B0609020204030204" pitchFamily="49" charset="0"/>
-              </a:rPr>
-              <a:t> (make-queen 8 2)</a:t>
-            </a:r>
-          </a:p>
-          <a:p>
-            <a:pPr marL="0" indent="0">
-              <a:buNone/>
-            </a:pPr>
-            <a:r>
-              <a:rPr lang="en-US" sz="1100" b="1" dirty="0" smtClean="0">
-                <a:latin typeface="Consolas" panose="020B0609020204030204" pitchFamily="49" charset="0"/>
-                <a:cs typeface="Consolas" panose="020B0609020204030204" pitchFamily="49" charset="0"/>
-              </a:rPr>
-              <a:t> (make-queen 7 9)</a:t>
-            </a:r>
-          </a:p>
-          <a:p>
-            <a:pPr marL="0" indent="0">
-              <a:buNone/>
-            </a:pPr>
-            <a:r>
-              <a:rPr lang="en-US" sz="1100" b="1" dirty="0" smtClean="0">
-                <a:latin typeface="Consolas" panose="020B0609020204030204" pitchFamily="49" charset="0"/>
-                <a:cs typeface="Consolas" panose="020B0609020204030204" pitchFamily="49" charset="0"/>
-              </a:rPr>
-              <a:t> (make-queen 6 5)</a:t>
-            </a:r>
-          </a:p>
-          <a:p>
-            <a:pPr marL="0" indent="0">
-              <a:buNone/>
-            </a:pPr>
-            <a:r>
-              <a:rPr lang="en-US" sz="1100" b="1" dirty="0" smtClean="0">
-                <a:latin typeface="Consolas" panose="020B0609020204030204" pitchFamily="49" charset="0"/>
-                <a:cs typeface="Consolas" panose="020B0609020204030204" pitchFamily="49" charset="0"/>
-              </a:rPr>
-              <a:t> (make-queen 5 10)</a:t>
-            </a:r>
-          </a:p>
-          <a:p>
-            <a:pPr marL="0" indent="0">
-              <a:buNone/>
-            </a:pPr>
-            <a:r>
-              <a:rPr lang="en-US" sz="1100" b="1" dirty="0" smtClean="0">
-                <a:latin typeface="Consolas" panose="020B0609020204030204" pitchFamily="49" charset="0"/>
-                <a:cs typeface="Consolas" panose="020B0609020204030204" pitchFamily="49" charset="0"/>
-              </a:rPr>
-              <a:t> (make-queen 4 8)</a:t>
-            </a:r>
-          </a:p>
-          <a:p>
-            <a:pPr marL="0" indent="0">
-              <a:buNone/>
-            </a:pPr>
-            <a:r>
-              <a:rPr lang="en-US" sz="1100" b="1" dirty="0" smtClean="0">
-                <a:latin typeface="Consolas" panose="020B0609020204030204" pitchFamily="49" charset="0"/>
-                <a:cs typeface="Consolas" panose="020B0609020204030204" pitchFamily="49" charset="0"/>
-              </a:rPr>
-              <a:t> (make-queen 3 6)</a:t>
-            </a:r>
-          </a:p>
-          <a:p>
-            <a:pPr marL="0" indent="0">
-              <a:buNone/>
-            </a:pPr>
-            <a:r>
-              <a:rPr lang="en-US" sz="1100" b="1" dirty="0" smtClean="0">
-                <a:latin typeface="Consolas" panose="020B0609020204030204" pitchFamily="49" charset="0"/>
-                <a:cs typeface="Consolas" panose="020B0609020204030204" pitchFamily="49" charset="0"/>
-              </a:rPr>
-              <a:t> (make-queen 2 3)</a:t>
-            </a:r>
-          </a:p>
-          <a:p>
-            <a:pPr marL="0" indent="0">
-              <a:buNone/>
-            </a:pPr>
-            <a:r>
-              <a:rPr lang="en-US" sz="1100" b="1" dirty="0" smtClean="0">
-                <a:latin typeface="Consolas" panose="020B0609020204030204" pitchFamily="49" charset="0"/>
-                <a:cs typeface="Consolas" panose="020B0609020204030204" pitchFamily="49" charset="0"/>
-              </a:rPr>
-              <a:t> (make-queen 1 1))</a:t>
-            </a:r>
-          </a:p>
-          <a:p>
-            <a:pPr marL="0" indent="0">
-              <a:buNone/>
-            </a:pPr>
-            <a:r>
-              <a:rPr lang="en-US" sz="1100" b="1" dirty="0" smtClean="0">
-                <a:latin typeface="Consolas" panose="020B0609020204030204" pitchFamily="49" charset="0"/>
-                <a:cs typeface="Consolas" panose="020B0609020204030204" pitchFamily="49" charset="0"/>
-              </a:rPr>
-              <a:t>&gt; (</a:t>
-            </a:r>
-            <a:r>
-              <a:rPr lang="en-US" sz="1100" b="1" dirty="0" err="1" smtClean="0">
-                <a:latin typeface="Consolas" panose="020B0609020204030204" pitchFamily="49" charset="0"/>
-                <a:cs typeface="Consolas" panose="020B0609020204030204" pitchFamily="49" charset="0"/>
-              </a:rPr>
-              <a:t>nqueens</a:t>
-            </a:r>
-            <a:r>
-              <a:rPr lang="en-US" sz="1100" b="1" dirty="0" smtClean="0">
-                <a:latin typeface="Consolas" panose="020B0609020204030204" pitchFamily="49" charset="0"/>
-                <a:cs typeface="Consolas" panose="020B0609020204030204" pitchFamily="49" charset="0"/>
-              </a:rPr>
-              <a:t> 11)</a:t>
-            </a:r>
-          </a:p>
-          <a:p>
-            <a:pPr marL="0" indent="0">
-              <a:buNone/>
-            </a:pPr>
-            <a:r>
-              <a:rPr lang="en-US" sz="1100" b="1" dirty="0" smtClean="0">
-                <a:latin typeface="Consolas" panose="020B0609020204030204" pitchFamily="49" charset="0"/>
-                <a:cs typeface="Consolas" panose="020B0609020204030204" pitchFamily="49" charset="0"/>
-              </a:rPr>
-              <a:t>(list</a:t>
-            </a:r>
-          </a:p>
-          <a:p>
-            <a:pPr marL="0" indent="0">
-              <a:buNone/>
-            </a:pPr>
-            <a:r>
-              <a:rPr lang="en-US" sz="1100" b="1" dirty="0" smtClean="0">
-                <a:latin typeface="Consolas" panose="020B0609020204030204" pitchFamily="49" charset="0"/>
-                <a:cs typeface="Consolas" panose="020B0609020204030204" pitchFamily="49" charset="0"/>
-              </a:rPr>
-              <a:t> (make-queen 11 10)</a:t>
-            </a:r>
-          </a:p>
-          <a:p>
-            <a:pPr marL="0" indent="0">
-              <a:buNone/>
-            </a:pPr>
-            <a:r>
-              <a:rPr lang="en-US" sz="1100" b="1" dirty="0" smtClean="0">
-                <a:latin typeface="Consolas" panose="020B0609020204030204" pitchFamily="49" charset="0"/>
-                <a:cs typeface="Consolas" panose="020B0609020204030204" pitchFamily="49" charset="0"/>
-              </a:rPr>
-              <a:t> (make-queen 10 8)</a:t>
-            </a:r>
-          </a:p>
-          <a:p>
-            <a:pPr marL="0" indent="0">
-              <a:buNone/>
-            </a:pPr>
-            <a:r>
-              <a:rPr lang="en-US" sz="1100" b="1" dirty="0" smtClean="0">
-                <a:latin typeface="Consolas" panose="020B0609020204030204" pitchFamily="49" charset="0"/>
-                <a:cs typeface="Consolas" panose="020B0609020204030204" pitchFamily="49" charset="0"/>
-              </a:rPr>
-              <a:t> (make-queen 9 6)</a:t>
-            </a:r>
-          </a:p>
-          <a:p>
-            <a:pPr marL="0" indent="0">
-              <a:buNone/>
-            </a:pPr>
-            <a:r>
-              <a:rPr lang="en-US" sz="1100" b="1" dirty="0" smtClean="0">
-                <a:latin typeface="Consolas" panose="020B0609020204030204" pitchFamily="49" charset="0"/>
-                <a:cs typeface="Consolas" panose="020B0609020204030204" pitchFamily="49" charset="0"/>
-              </a:rPr>
-              <a:t> (make-queen 8 4)</a:t>
-            </a:r>
-          </a:p>
-          <a:p>
-            <a:pPr marL="0" indent="0">
-              <a:buNone/>
-            </a:pPr>
-            <a:r>
-              <a:rPr lang="en-US" sz="1100" b="1" dirty="0" smtClean="0">
-                <a:latin typeface="Consolas" panose="020B0609020204030204" pitchFamily="49" charset="0"/>
-                <a:cs typeface="Consolas" panose="020B0609020204030204" pitchFamily="49" charset="0"/>
-              </a:rPr>
-              <a:t> (make-queen 7 2)</a:t>
-            </a:r>
-          </a:p>
-          <a:p>
-            <a:pPr marL="0" indent="0">
-              <a:buNone/>
-            </a:pPr>
-            <a:r>
-              <a:rPr lang="en-US" sz="1100" b="1" dirty="0" smtClean="0">
-                <a:latin typeface="Consolas" panose="020B0609020204030204" pitchFamily="49" charset="0"/>
-                <a:cs typeface="Consolas" panose="020B0609020204030204" pitchFamily="49" charset="0"/>
-              </a:rPr>
-              <a:t> (make-queen 6 11)</a:t>
-            </a:r>
-          </a:p>
-          <a:p>
-            <a:pPr marL="0" indent="0">
-              <a:buNone/>
-            </a:pPr>
-            <a:r>
-              <a:rPr lang="en-US" sz="1100" b="1" dirty="0" smtClean="0">
-                <a:latin typeface="Consolas" panose="020B0609020204030204" pitchFamily="49" charset="0"/>
-                <a:cs typeface="Consolas" panose="020B0609020204030204" pitchFamily="49" charset="0"/>
-              </a:rPr>
-              <a:t> (make-queen 5 9)</a:t>
-            </a:r>
-          </a:p>
-          <a:p>
-            <a:pPr marL="0" indent="0">
-              <a:buNone/>
-            </a:pPr>
-            <a:r>
-              <a:rPr lang="en-US" sz="1100" b="1" dirty="0" smtClean="0">
-                <a:latin typeface="Consolas" panose="020B0609020204030204" pitchFamily="49" charset="0"/>
-                <a:cs typeface="Consolas" panose="020B0609020204030204" pitchFamily="49" charset="0"/>
-              </a:rPr>
-              <a:t> (make-queen 4 7)</a:t>
-            </a:r>
-          </a:p>
-          <a:p>
-            <a:pPr marL="0" indent="0">
-              <a:buNone/>
-            </a:pPr>
-            <a:r>
-              <a:rPr lang="en-US" sz="1100" b="1" dirty="0" smtClean="0">
-                <a:latin typeface="Consolas" panose="020B0609020204030204" pitchFamily="49" charset="0"/>
-                <a:cs typeface="Consolas" panose="020B0609020204030204" pitchFamily="49" charset="0"/>
-              </a:rPr>
-              <a:t> (make-queen 3 5)</a:t>
-            </a:r>
-          </a:p>
-          <a:p>
-            <a:pPr marL="0" indent="0">
-              <a:buNone/>
-            </a:pPr>
-            <a:r>
-              <a:rPr lang="en-US" sz="1100" b="1" dirty="0" smtClean="0">
-                <a:latin typeface="Consolas" panose="020B0609020204030204" pitchFamily="49" charset="0"/>
-                <a:cs typeface="Consolas" panose="020B0609020204030204" pitchFamily="49" charset="0"/>
-              </a:rPr>
-              <a:t> (make-queen 2 3)</a:t>
-            </a:r>
-          </a:p>
-          <a:p>
-            <a:pPr marL="0" indent="0">
-              <a:buNone/>
-            </a:pPr>
-            <a:r>
-              <a:rPr lang="en-US" sz="1100" b="1" dirty="0" smtClean="0">
-                <a:latin typeface="Consolas" panose="020B0609020204030204" pitchFamily="49" charset="0"/>
-                <a:cs typeface="Consolas" panose="020B0609020204030204" pitchFamily="49" charset="0"/>
-              </a:rPr>
-              <a:t> (make-queen 1 1))</a:t>
-            </a:r>
-          </a:p>
-        </p:txBody>
-      </p:sp>
-      <p:sp>
-        <p:nvSpPr>
-          <p:cNvPr id="9" name="Content Placeholder 4"/>
-          <p:cNvSpPr>
-            <a:spLocks noGrp="1"/>
-          </p:cNvSpPr>
-          <p:nvPr>
-            <p:ph sz="half" idx="1"/>
-          </p:nvPr>
-        </p:nvSpPr>
-        <p:spPr>
-          <a:xfrm>
-            <a:off x="6705600" y="1476235"/>
-            <a:ext cx="2286000" cy="5094568"/>
-          </a:xfrm>
-        </p:spPr>
-        <p:txBody>
-          <a:bodyPr>
-            <a:noAutofit/>
-          </a:bodyPr>
-          <a:lstStyle/>
-          <a:p>
-            <a:pPr marL="0" indent="0">
-              <a:buNone/>
-            </a:pPr>
-            <a:r>
-              <a:rPr lang="en-US" sz="1100" b="1" dirty="0" smtClean="0">
-                <a:latin typeface="Consolas" panose="020B0609020204030204" pitchFamily="49" charset="0"/>
-                <a:cs typeface="Consolas" panose="020B0609020204030204" pitchFamily="49" charset="0"/>
-              </a:rPr>
-              <a:t>&gt; </a:t>
-            </a:r>
-            <a:r>
-              <a:rPr lang="en-US" sz="1100" b="1" dirty="0">
-                <a:latin typeface="Consolas" panose="020B0609020204030204" pitchFamily="49" charset="0"/>
-                <a:cs typeface="Consolas" panose="020B0609020204030204" pitchFamily="49" charset="0"/>
-              </a:rPr>
-              <a:t>(</a:t>
-            </a:r>
-            <a:r>
-              <a:rPr lang="en-US" sz="1100" b="1" dirty="0" err="1">
-                <a:latin typeface="Consolas" panose="020B0609020204030204" pitchFamily="49" charset="0"/>
-                <a:cs typeface="Consolas" panose="020B0609020204030204" pitchFamily="49" charset="0"/>
-              </a:rPr>
-              <a:t>nqueens</a:t>
-            </a:r>
-            <a:r>
-              <a:rPr lang="en-US" sz="1100" b="1" dirty="0">
-                <a:latin typeface="Consolas" panose="020B0609020204030204" pitchFamily="49" charset="0"/>
-                <a:cs typeface="Consolas" panose="020B0609020204030204" pitchFamily="49" charset="0"/>
-              </a:rPr>
-              <a:t> 12)</a:t>
-            </a:r>
-          </a:p>
-          <a:p>
-            <a:pPr marL="0" indent="0">
-              <a:buNone/>
-            </a:pPr>
-            <a:r>
-              <a:rPr lang="en-US" sz="1100" b="1" dirty="0">
-                <a:latin typeface="Consolas" panose="020B0609020204030204" pitchFamily="49" charset="0"/>
-                <a:cs typeface="Consolas" panose="020B0609020204030204" pitchFamily="49" charset="0"/>
-              </a:rPr>
-              <a:t>(list</a:t>
-            </a:r>
-          </a:p>
-          <a:p>
-            <a:pPr marL="0" indent="0">
-              <a:buNone/>
-            </a:pPr>
-            <a:r>
-              <a:rPr lang="en-US" sz="1100" b="1" dirty="0">
-                <a:latin typeface="Consolas" panose="020B0609020204030204" pitchFamily="49" charset="0"/>
-                <a:cs typeface="Consolas" panose="020B0609020204030204" pitchFamily="49" charset="0"/>
-              </a:rPr>
-              <a:t> (make-queen 12 4)</a:t>
-            </a:r>
-          </a:p>
-          <a:p>
-            <a:pPr marL="0" indent="0">
-              <a:buNone/>
-            </a:pPr>
-            <a:r>
-              <a:rPr lang="en-US" sz="1100" b="1" dirty="0">
-                <a:latin typeface="Consolas" panose="020B0609020204030204" pitchFamily="49" charset="0"/>
-                <a:cs typeface="Consolas" panose="020B0609020204030204" pitchFamily="49" charset="0"/>
-              </a:rPr>
-              <a:t> (make-queen 11 9)</a:t>
-            </a:r>
-          </a:p>
-          <a:p>
-            <a:pPr marL="0" indent="0">
-              <a:buNone/>
-            </a:pPr>
-            <a:r>
-              <a:rPr lang="en-US" sz="1100" b="1" dirty="0">
-                <a:latin typeface="Consolas" panose="020B0609020204030204" pitchFamily="49" charset="0"/>
-                <a:cs typeface="Consolas" panose="020B0609020204030204" pitchFamily="49" charset="0"/>
-              </a:rPr>
-              <a:t> (make-queen 10 7)</a:t>
-            </a:r>
-          </a:p>
-          <a:p>
-            <a:pPr marL="0" indent="0">
-              <a:buNone/>
-            </a:pPr>
-            <a:r>
-              <a:rPr lang="en-US" sz="1100" b="1" dirty="0">
-                <a:latin typeface="Consolas" panose="020B0609020204030204" pitchFamily="49" charset="0"/>
-                <a:cs typeface="Consolas" panose="020B0609020204030204" pitchFamily="49" charset="0"/>
-              </a:rPr>
-              <a:t> (make-queen 9 2)</a:t>
-            </a:r>
-          </a:p>
-          <a:p>
-            <a:pPr marL="0" indent="0">
-              <a:buNone/>
-            </a:pPr>
-            <a:r>
-              <a:rPr lang="en-US" sz="1100" b="1" dirty="0">
-                <a:latin typeface="Consolas" panose="020B0609020204030204" pitchFamily="49" charset="0"/>
-                <a:cs typeface="Consolas" panose="020B0609020204030204" pitchFamily="49" charset="0"/>
-              </a:rPr>
-              <a:t> (make-queen 8 11)</a:t>
-            </a:r>
-          </a:p>
-          <a:p>
-            <a:pPr marL="0" indent="0">
-              <a:buNone/>
-            </a:pPr>
-            <a:r>
-              <a:rPr lang="en-US" sz="1100" b="1" dirty="0">
-                <a:latin typeface="Consolas" panose="020B0609020204030204" pitchFamily="49" charset="0"/>
-                <a:cs typeface="Consolas" panose="020B0609020204030204" pitchFamily="49" charset="0"/>
-              </a:rPr>
-              <a:t> (make-queen 7 6)</a:t>
-            </a:r>
-          </a:p>
-          <a:p>
-            <a:pPr marL="0" indent="0">
-              <a:buNone/>
-            </a:pPr>
-            <a:r>
-              <a:rPr lang="en-US" sz="1100" b="1" dirty="0">
-                <a:latin typeface="Consolas" panose="020B0609020204030204" pitchFamily="49" charset="0"/>
-                <a:cs typeface="Consolas" panose="020B0609020204030204" pitchFamily="49" charset="0"/>
-              </a:rPr>
-              <a:t> (make-queen 6 12)</a:t>
-            </a:r>
-          </a:p>
-          <a:p>
-            <a:pPr marL="0" indent="0">
-              <a:buNone/>
-            </a:pPr>
-            <a:r>
-              <a:rPr lang="en-US" sz="1100" b="1" dirty="0">
-                <a:latin typeface="Consolas" panose="020B0609020204030204" pitchFamily="49" charset="0"/>
-                <a:cs typeface="Consolas" panose="020B0609020204030204" pitchFamily="49" charset="0"/>
-              </a:rPr>
-              <a:t> (make-queen 5 10)</a:t>
-            </a:r>
-          </a:p>
-          <a:p>
-            <a:pPr marL="0" indent="0">
-              <a:buNone/>
-            </a:pPr>
-            <a:r>
-              <a:rPr lang="en-US" sz="1100" b="1" dirty="0">
-                <a:latin typeface="Consolas" panose="020B0609020204030204" pitchFamily="49" charset="0"/>
-                <a:cs typeface="Consolas" panose="020B0609020204030204" pitchFamily="49" charset="0"/>
-              </a:rPr>
-              <a:t> (make-queen 4 8)</a:t>
-            </a:r>
-          </a:p>
-          <a:p>
-            <a:pPr marL="0" indent="0">
-              <a:buNone/>
-            </a:pPr>
-            <a:r>
-              <a:rPr lang="en-US" sz="1100" b="1" dirty="0">
-                <a:latin typeface="Consolas" panose="020B0609020204030204" pitchFamily="49" charset="0"/>
-                <a:cs typeface="Consolas" panose="020B0609020204030204" pitchFamily="49" charset="0"/>
-              </a:rPr>
-              <a:t> (make-queen 3 5)</a:t>
-            </a:r>
-          </a:p>
-          <a:p>
-            <a:pPr marL="0" indent="0">
-              <a:buNone/>
-            </a:pPr>
-            <a:r>
-              <a:rPr lang="en-US" sz="1100" b="1" dirty="0">
-                <a:latin typeface="Consolas" panose="020B0609020204030204" pitchFamily="49" charset="0"/>
-                <a:cs typeface="Consolas" panose="020B0609020204030204" pitchFamily="49" charset="0"/>
-              </a:rPr>
-              <a:t> (make-queen 2 3)</a:t>
-            </a:r>
-          </a:p>
-          <a:p>
-            <a:pPr marL="0" indent="0">
-              <a:buNone/>
-            </a:pPr>
-            <a:r>
-              <a:rPr lang="en-US" sz="1100" b="1" dirty="0">
-                <a:latin typeface="Consolas" panose="020B0609020204030204" pitchFamily="49" charset="0"/>
-                <a:cs typeface="Consolas" panose="020B0609020204030204" pitchFamily="49" charset="0"/>
-              </a:rPr>
-              <a:t> (make-queen 1 1))</a:t>
-            </a:r>
-          </a:p>
-          <a:p>
-            <a:pPr marL="0" indent="0">
-              <a:buNone/>
-            </a:pPr>
-            <a:endParaRPr lang="en-US" sz="1100" b="1" dirty="0">
-              <a:latin typeface="Consolas" panose="020B0609020204030204" pitchFamily="49" charset="0"/>
-              <a:cs typeface="Consolas" panose="020B0609020204030204" pitchFamily="49" charset="0"/>
-            </a:endParaRPr>
-          </a:p>
-        </p:txBody>
-      </p:sp>
-      <p:sp>
-        <p:nvSpPr>
-          <p:cNvPr id="10" name="Rectangle 9"/>
-          <p:cNvSpPr/>
-          <p:nvPr/>
-        </p:nvSpPr>
-        <p:spPr>
-          <a:xfrm>
-            <a:off x="6858000" y="4648200"/>
-            <a:ext cx="1828800" cy="1066800"/>
+            <a:off x="5791200" y="3291681"/>
+            <a:ext cx="3200400" cy="1142999"/>
           </a:xfrm>
           <a:prstGeom prst="rect">
             <a:avLst/>
@@ -8992,27 +7555,91 @@
           </a:bodyPr>
           <a:lstStyle/>
           <a:p>
-            <a:pPr algn="ctr"/>
-            <a:r>
-              <a:rPr lang="en-US" sz="1200" dirty="0" smtClean="0">
-                <a:solidFill>
-                  <a:schemeClr val="tx1"/>
-                </a:solidFill>
-              </a:rPr>
-              <a:t>You should check by hand to see that there are no solutions for n = 2,3,4, and 6.</a:t>
-            </a:r>
-            <a:endParaRPr lang="en-US" sz="1200" dirty="0">
-              <a:solidFill>
-                <a:schemeClr val="tx1"/>
-              </a:solidFill>
-            </a:endParaRPr>
+            <a:pPr>
+              <a:spcBef>
+                <a:spcPts val="0"/>
+              </a:spcBef>
+            </a:pPr>
+            <a:r>
+              <a:rPr lang="en-US" sz="1600" b="1" dirty="0" smtClean="0"/>
+              <a:t>first-success</a:t>
+            </a:r>
+            <a:r>
+              <a:rPr lang="en-US" sz="1600" dirty="0" smtClean="0"/>
+              <a:t> is like </a:t>
+            </a:r>
+            <a:r>
+              <a:rPr lang="en-US" sz="1600" b="1" dirty="0" err="1" smtClean="0"/>
+              <a:t>ormap</a:t>
+            </a:r>
+            <a:r>
+              <a:rPr lang="en-US" sz="1600" dirty="0" smtClean="0"/>
+              <a:t>, but in ISL </a:t>
+            </a:r>
+            <a:r>
+              <a:rPr lang="en-US" sz="1600" b="1" dirty="0" err="1" smtClean="0"/>
+              <a:t>ormap</a:t>
+            </a:r>
+            <a:r>
+              <a:rPr lang="en-US" sz="1600" dirty="0" smtClean="0"/>
+              <a:t> requires </a:t>
+            </a:r>
+            <a:r>
+              <a:rPr lang="en-US" sz="1600" b="1" dirty="0" smtClean="0"/>
+              <a:t>f</a:t>
+            </a:r>
+            <a:r>
+              <a:rPr lang="en-US" sz="1600" dirty="0" smtClean="0"/>
+              <a:t> to be </a:t>
+            </a:r>
+            <a:r>
+              <a:rPr lang="en-US" sz="1600" b="1" dirty="0" smtClean="0"/>
+              <a:t>(X -&gt; Bool), </a:t>
+            </a:r>
+            <a:r>
+              <a:rPr lang="en-US" sz="1600" dirty="0" smtClean="0"/>
+              <a:t>not </a:t>
+            </a:r>
+            <a:r>
+              <a:rPr lang="en-US" sz="1600" b="1" dirty="0" smtClean="0"/>
+              <a:t>(X -&gt; </a:t>
+            </a:r>
+            <a:r>
+              <a:rPr lang="en-US" sz="1600" b="1" dirty="0" err="1" smtClean="0"/>
+              <a:t>MaybeY</a:t>
+            </a:r>
+            <a:r>
+              <a:rPr lang="en-US" sz="1600" b="1" dirty="0" smtClean="0"/>
+              <a:t>)</a:t>
+            </a:r>
+            <a:r>
+              <a:rPr lang="en-US" sz="1600" dirty="0" smtClean="0"/>
+              <a:t>.</a:t>
+            </a:r>
+            <a:r>
+              <a:rPr lang="en-US" sz="1600" b="1" dirty="0" smtClean="0"/>
+              <a:t>  </a:t>
+            </a:r>
+            <a:r>
+              <a:rPr lang="en-US" sz="1600" dirty="0" smtClean="0"/>
+              <a:t>In full Racket, we could just use </a:t>
+            </a:r>
+            <a:r>
+              <a:rPr lang="en-US" sz="1600" b="1" dirty="0" err="1" smtClean="0"/>
+              <a:t>ormap</a:t>
+            </a:r>
+            <a:r>
+              <a:rPr lang="en-US" sz="1600" dirty="0" smtClean="0"/>
+              <a:t>.</a:t>
+            </a:r>
+            <a:endParaRPr lang="en-US" sz="1600" dirty="0"/>
           </a:p>
         </p:txBody>
       </p:sp>
     </p:spTree>
     <p:extLst>
       <p:ext uri="{BB962C8B-B14F-4D97-AF65-F5344CB8AC3E}">
-        <p14:creationId xmlns:p14="http://schemas.microsoft.com/office/powerpoint/2010/main" val="1608312464"/>
+        <p14:creationId xmlns:p14="http://schemas.microsoft.com/office/powerpoint/2010/main" val="3540206006"/>
       </p:ext>
     </p:extLst>
   </p:cSld>
@@ -9195,6 +7822,1505 @@
           <a:p>
             <a:r>
               <a:rPr lang="en-US" dirty="0" smtClean="0"/>
+              <a:t>Output</a:t>
+            </a:r>
+            <a:endParaRPr lang="en-US" dirty="0"/>
+          </a:p>
+        </p:txBody>
+      </p:sp>
+      <p:sp>
+        <p:nvSpPr>
+          <p:cNvPr id="5" name="Content Placeholder 4"/>
+          <p:cNvSpPr>
+            <a:spLocks noGrp="1"/>
+          </p:cNvSpPr>
+          <p:nvPr>
+            <p:ph sz="half" idx="1"/>
+          </p:nvPr>
+        </p:nvSpPr>
+        <p:spPr>
+          <a:xfrm>
+            <a:off x="457200" y="1476235"/>
+            <a:ext cx="1955800" cy="5257800"/>
+          </a:xfrm>
+        </p:spPr>
+        <p:txBody>
+          <a:bodyPr>
+            <a:noAutofit/>
+          </a:bodyPr>
+          <a:lstStyle/>
+          <a:p>
+            <a:pPr marL="0" indent="0">
+              <a:buNone/>
+            </a:pPr>
+            <a:r>
+              <a:rPr lang="en-US" sz="1100" b="1" dirty="0">
+                <a:latin typeface="Consolas" panose="020B0609020204030204" pitchFamily="49" charset="0"/>
+                <a:cs typeface="Consolas" panose="020B0609020204030204" pitchFamily="49" charset="0"/>
+              </a:rPr>
+              <a:t>&gt; (</a:t>
+            </a:r>
+            <a:r>
+              <a:rPr lang="en-US" sz="1100" b="1" dirty="0" err="1">
+                <a:latin typeface="Consolas" panose="020B0609020204030204" pitchFamily="49" charset="0"/>
+                <a:cs typeface="Consolas" panose="020B0609020204030204" pitchFamily="49" charset="0"/>
+              </a:rPr>
+              <a:t>nqueens</a:t>
+            </a:r>
+            <a:r>
+              <a:rPr lang="en-US" sz="1100" b="1" dirty="0">
+                <a:latin typeface="Consolas" panose="020B0609020204030204" pitchFamily="49" charset="0"/>
+                <a:cs typeface="Consolas" panose="020B0609020204030204" pitchFamily="49" charset="0"/>
+              </a:rPr>
+              <a:t> 1)</a:t>
+            </a:r>
+          </a:p>
+          <a:p>
+            <a:pPr marL="0" indent="0">
+              <a:buNone/>
+            </a:pPr>
+            <a:r>
+              <a:rPr lang="en-US" sz="1100" b="1" dirty="0">
+                <a:latin typeface="Consolas" panose="020B0609020204030204" pitchFamily="49" charset="0"/>
+                <a:cs typeface="Consolas" panose="020B0609020204030204" pitchFamily="49" charset="0"/>
+              </a:rPr>
+              <a:t>(list (make-queen 1 1))</a:t>
+            </a:r>
+          </a:p>
+          <a:p>
+            <a:pPr marL="0" indent="0">
+              <a:buNone/>
+            </a:pPr>
+            <a:r>
+              <a:rPr lang="en-US" sz="1100" b="1" dirty="0">
+                <a:latin typeface="Consolas" panose="020B0609020204030204" pitchFamily="49" charset="0"/>
+                <a:cs typeface="Consolas" panose="020B0609020204030204" pitchFamily="49" charset="0"/>
+              </a:rPr>
+              <a:t>&gt; (</a:t>
+            </a:r>
+            <a:r>
+              <a:rPr lang="en-US" sz="1100" b="1" dirty="0" err="1">
+                <a:latin typeface="Consolas" panose="020B0609020204030204" pitchFamily="49" charset="0"/>
+                <a:cs typeface="Consolas" panose="020B0609020204030204" pitchFamily="49" charset="0"/>
+              </a:rPr>
+              <a:t>nqueens</a:t>
+            </a:r>
+            <a:r>
+              <a:rPr lang="en-US" sz="1100" b="1" dirty="0">
+                <a:latin typeface="Consolas" panose="020B0609020204030204" pitchFamily="49" charset="0"/>
+                <a:cs typeface="Consolas" panose="020B0609020204030204" pitchFamily="49" charset="0"/>
+              </a:rPr>
+              <a:t> 2)</a:t>
+            </a:r>
+          </a:p>
+          <a:p>
+            <a:pPr marL="0" indent="0">
+              <a:buNone/>
+            </a:pPr>
+            <a:r>
+              <a:rPr lang="en-US" sz="1100" b="1" dirty="0">
+                <a:latin typeface="Consolas" panose="020B0609020204030204" pitchFamily="49" charset="0"/>
+                <a:cs typeface="Consolas" panose="020B0609020204030204" pitchFamily="49" charset="0"/>
+              </a:rPr>
+              <a:t>#false</a:t>
+            </a:r>
+          </a:p>
+          <a:p>
+            <a:pPr marL="0" indent="0">
+              <a:buNone/>
+            </a:pPr>
+            <a:r>
+              <a:rPr lang="en-US" sz="1100" b="1" dirty="0">
+                <a:latin typeface="Consolas" panose="020B0609020204030204" pitchFamily="49" charset="0"/>
+                <a:cs typeface="Consolas" panose="020B0609020204030204" pitchFamily="49" charset="0"/>
+              </a:rPr>
+              <a:t>&gt; (</a:t>
+            </a:r>
+            <a:r>
+              <a:rPr lang="en-US" sz="1100" b="1" dirty="0" err="1">
+                <a:latin typeface="Consolas" panose="020B0609020204030204" pitchFamily="49" charset="0"/>
+                <a:cs typeface="Consolas" panose="020B0609020204030204" pitchFamily="49" charset="0"/>
+              </a:rPr>
+              <a:t>nqueens</a:t>
+            </a:r>
+            <a:r>
+              <a:rPr lang="en-US" sz="1100" b="1" dirty="0">
+                <a:latin typeface="Consolas" panose="020B0609020204030204" pitchFamily="49" charset="0"/>
+                <a:cs typeface="Consolas" panose="020B0609020204030204" pitchFamily="49" charset="0"/>
+              </a:rPr>
+              <a:t> 3)</a:t>
+            </a:r>
+          </a:p>
+          <a:p>
+            <a:pPr marL="0" indent="0">
+              <a:buNone/>
+            </a:pPr>
+            <a:r>
+              <a:rPr lang="en-US" sz="1100" b="1" dirty="0">
+                <a:latin typeface="Consolas" panose="020B0609020204030204" pitchFamily="49" charset="0"/>
+                <a:cs typeface="Consolas" panose="020B0609020204030204" pitchFamily="49" charset="0"/>
+              </a:rPr>
+              <a:t>#false</a:t>
+            </a:r>
+          </a:p>
+          <a:p>
+            <a:pPr marL="0" indent="0">
+              <a:buNone/>
+            </a:pPr>
+            <a:r>
+              <a:rPr lang="en-US" sz="1100" b="1" dirty="0">
+                <a:latin typeface="Consolas" panose="020B0609020204030204" pitchFamily="49" charset="0"/>
+                <a:cs typeface="Consolas" panose="020B0609020204030204" pitchFamily="49" charset="0"/>
+              </a:rPr>
+              <a:t>&gt; (</a:t>
+            </a:r>
+            <a:r>
+              <a:rPr lang="en-US" sz="1100" b="1" dirty="0" err="1">
+                <a:latin typeface="Consolas" panose="020B0609020204030204" pitchFamily="49" charset="0"/>
+                <a:cs typeface="Consolas" panose="020B0609020204030204" pitchFamily="49" charset="0"/>
+              </a:rPr>
+              <a:t>nqueens</a:t>
+            </a:r>
+            <a:r>
+              <a:rPr lang="en-US" sz="1100" b="1" dirty="0">
+                <a:latin typeface="Consolas" panose="020B0609020204030204" pitchFamily="49" charset="0"/>
+                <a:cs typeface="Consolas" panose="020B0609020204030204" pitchFamily="49" charset="0"/>
+              </a:rPr>
+              <a:t> 4)</a:t>
+            </a:r>
+          </a:p>
+          <a:p>
+            <a:pPr marL="0" indent="0">
+              <a:buNone/>
+            </a:pPr>
+            <a:r>
+              <a:rPr lang="en-US" sz="1100" b="1" dirty="0">
+                <a:latin typeface="Consolas" panose="020B0609020204030204" pitchFamily="49" charset="0"/>
+                <a:cs typeface="Consolas" panose="020B0609020204030204" pitchFamily="49" charset="0"/>
+              </a:rPr>
+              <a:t>#false</a:t>
+            </a:r>
+          </a:p>
+          <a:p>
+            <a:pPr marL="0" indent="0">
+              <a:buNone/>
+            </a:pPr>
+            <a:r>
+              <a:rPr lang="en-US" sz="1100" b="1" dirty="0" smtClean="0">
+                <a:latin typeface="Consolas" panose="020B0609020204030204" pitchFamily="49" charset="0"/>
+                <a:cs typeface="Consolas" panose="020B0609020204030204" pitchFamily="49" charset="0"/>
+              </a:rPr>
+              <a:t>&gt; </a:t>
+            </a:r>
+            <a:r>
+              <a:rPr lang="en-US" sz="1100" b="1" dirty="0">
+                <a:latin typeface="Consolas" panose="020B0609020204030204" pitchFamily="49" charset="0"/>
+                <a:cs typeface="Consolas" panose="020B0609020204030204" pitchFamily="49" charset="0"/>
+              </a:rPr>
+              <a:t>(</a:t>
+            </a:r>
+            <a:r>
+              <a:rPr lang="en-US" sz="1100" b="1" dirty="0" err="1">
+                <a:latin typeface="Consolas" panose="020B0609020204030204" pitchFamily="49" charset="0"/>
+                <a:cs typeface="Consolas" panose="020B0609020204030204" pitchFamily="49" charset="0"/>
+              </a:rPr>
+              <a:t>nqueens</a:t>
+            </a:r>
+            <a:r>
+              <a:rPr lang="en-US" sz="1100" b="1" dirty="0">
+                <a:latin typeface="Consolas" panose="020B0609020204030204" pitchFamily="49" charset="0"/>
+                <a:cs typeface="Consolas" panose="020B0609020204030204" pitchFamily="49" charset="0"/>
+              </a:rPr>
+              <a:t> 5)</a:t>
+            </a:r>
+          </a:p>
+          <a:p>
+            <a:pPr marL="0" indent="0">
+              <a:buNone/>
+            </a:pPr>
+            <a:r>
+              <a:rPr lang="en-US" sz="1100" b="1" dirty="0">
+                <a:latin typeface="Consolas" panose="020B0609020204030204" pitchFamily="49" charset="0"/>
+                <a:cs typeface="Consolas" panose="020B0609020204030204" pitchFamily="49" charset="0"/>
+              </a:rPr>
+              <a:t>(list</a:t>
+            </a:r>
+          </a:p>
+          <a:p>
+            <a:pPr marL="0" indent="0">
+              <a:buNone/>
+            </a:pPr>
+            <a:r>
+              <a:rPr lang="en-US" sz="1100" b="1" dirty="0">
+                <a:latin typeface="Consolas" panose="020B0609020204030204" pitchFamily="49" charset="0"/>
+                <a:cs typeface="Consolas" panose="020B0609020204030204" pitchFamily="49" charset="0"/>
+              </a:rPr>
+              <a:t> (make-queen 5 4)</a:t>
+            </a:r>
+          </a:p>
+          <a:p>
+            <a:pPr marL="0" indent="0">
+              <a:buNone/>
+            </a:pPr>
+            <a:r>
+              <a:rPr lang="en-US" sz="1100" b="1" dirty="0">
+                <a:latin typeface="Consolas" panose="020B0609020204030204" pitchFamily="49" charset="0"/>
+                <a:cs typeface="Consolas" panose="020B0609020204030204" pitchFamily="49" charset="0"/>
+              </a:rPr>
+              <a:t> (make-queen 4 2)</a:t>
+            </a:r>
+          </a:p>
+          <a:p>
+            <a:pPr marL="0" indent="0">
+              <a:buNone/>
+            </a:pPr>
+            <a:r>
+              <a:rPr lang="en-US" sz="1100" b="1" dirty="0">
+                <a:latin typeface="Consolas" panose="020B0609020204030204" pitchFamily="49" charset="0"/>
+                <a:cs typeface="Consolas" panose="020B0609020204030204" pitchFamily="49" charset="0"/>
+              </a:rPr>
+              <a:t> (make-queen 3 5)</a:t>
+            </a:r>
+          </a:p>
+          <a:p>
+            <a:pPr marL="0" indent="0">
+              <a:buNone/>
+            </a:pPr>
+            <a:r>
+              <a:rPr lang="en-US" sz="1100" b="1" dirty="0">
+                <a:latin typeface="Consolas" panose="020B0609020204030204" pitchFamily="49" charset="0"/>
+                <a:cs typeface="Consolas" panose="020B0609020204030204" pitchFamily="49" charset="0"/>
+              </a:rPr>
+              <a:t> (make-queen 2 3)</a:t>
+            </a:r>
+          </a:p>
+          <a:p>
+            <a:pPr marL="0" indent="0">
+              <a:buNone/>
+            </a:pPr>
+            <a:r>
+              <a:rPr lang="en-US" sz="1100" b="1" dirty="0">
+                <a:latin typeface="Consolas" panose="020B0609020204030204" pitchFamily="49" charset="0"/>
+                <a:cs typeface="Consolas" panose="020B0609020204030204" pitchFamily="49" charset="0"/>
+              </a:rPr>
+              <a:t> (make-queen 1 1))</a:t>
+            </a:r>
+          </a:p>
+          <a:p>
+            <a:pPr marL="0" indent="0">
+              <a:buNone/>
+            </a:pPr>
+            <a:r>
+              <a:rPr lang="en-US" sz="1100" b="1" dirty="0">
+                <a:latin typeface="Consolas" panose="020B0609020204030204" pitchFamily="49" charset="0"/>
+                <a:cs typeface="Consolas" panose="020B0609020204030204" pitchFamily="49" charset="0"/>
+              </a:rPr>
+              <a:t>&gt; (</a:t>
+            </a:r>
+            <a:r>
+              <a:rPr lang="en-US" sz="1100" b="1" dirty="0" err="1">
+                <a:latin typeface="Consolas" panose="020B0609020204030204" pitchFamily="49" charset="0"/>
+                <a:cs typeface="Consolas" panose="020B0609020204030204" pitchFamily="49" charset="0"/>
+              </a:rPr>
+              <a:t>nqueens</a:t>
+            </a:r>
+            <a:r>
+              <a:rPr lang="en-US" sz="1100" b="1" dirty="0">
+                <a:latin typeface="Consolas" panose="020B0609020204030204" pitchFamily="49" charset="0"/>
+                <a:cs typeface="Consolas" panose="020B0609020204030204" pitchFamily="49" charset="0"/>
+              </a:rPr>
+              <a:t> 6)</a:t>
+            </a:r>
+          </a:p>
+          <a:p>
+            <a:pPr marL="0" indent="0">
+              <a:buNone/>
+            </a:pPr>
+            <a:r>
+              <a:rPr lang="en-US" sz="1100" b="1" dirty="0">
+                <a:latin typeface="Consolas" panose="020B0609020204030204" pitchFamily="49" charset="0"/>
+                <a:cs typeface="Consolas" panose="020B0609020204030204" pitchFamily="49" charset="0"/>
+              </a:rPr>
+              <a:t>#false</a:t>
+            </a:r>
+          </a:p>
+          <a:p>
+            <a:pPr marL="0" indent="0">
+              <a:buNone/>
+            </a:pPr>
+            <a:r>
+              <a:rPr lang="en-US" sz="1100" b="1" dirty="0">
+                <a:latin typeface="Consolas" panose="020B0609020204030204" pitchFamily="49" charset="0"/>
+                <a:cs typeface="Consolas" panose="020B0609020204030204" pitchFamily="49" charset="0"/>
+              </a:rPr>
+              <a:t>&gt; (</a:t>
+            </a:r>
+            <a:r>
+              <a:rPr lang="en-US" sz="1100" b="1" dirty="0" err="1">
+                <a:latin typeface="Consolas" panose="020B0609020204030204" pitchFamily="49" charset="0"/>
+                <a:cs typeface="Consolas" panose="020B0609020204030204" pitchFamily="49" charset="0"/>
+              </a:rPr>
+              <a:t>nqueens</a:t>
+            </a:r>
+            <a:r>
+              <a:rPr lang="en-US" sz="1100" b="1" dirty="0">
+                <a:latin typeface="Consolas" panose="020B0609020204030204" pitchFamily="49" charset="0"/>
+                <a:cs typeface="Consolas" panose="020B0609020204030204" pitchFamily="49" charset="0"/>
+              </a:rPr>
+              <a:t> 7)</a:t>
+            </a:r>
+          </a:p>
+          <a:p>
+            <a:pPr marL="0" indent="0">
+              <a:buNone/>
+            </a:pPr>
+            <a:r>
+              <a:rPr lang="en-US" sz="1100" b="1" dirty="0">
+                <a:latin typeface="Consolas" panose="020B0609020204030204" pitchFamily="49" charset="0"/>
+                <a:cs typeface="Consolas" panose="020B0609020204030204" pitchFamily="49" charset="0"/>
+              </a:rPr>
+              <a:t>(list</a:t>
+            </a:r>
+          </a:p>
+          <a:p>
+            <a:pPr marL="0" indent="0">
+              <a:buNone/>
+            </a:pPr>
+            <a:r>
+              <a:rPr lang="en-US" sz="1100" b="1" dirty="0">
+                <a:latin typeface="Consolas" panose="020B0609020204030204" pitchFamily="49" charset="0"/>
+                <a:cs typeface="Consolas" panose="020B0609020204030204" pitchFamily="49" charset="0"/>
+              </a:rPr>
+              <a:t> (make-queen 7 6)</a:t>
+            </a:r>
+          </a:p>
+          <a:p>
+            <a:pPr marL="0" indent="0">
+              <a:buNone/>
+            </a:pPr>
+            <a:r>
+              <a:rPr lang="en-US" sz="1100" b="1" dirty="0">
+                <a:latin typeface="Consolas" panose="020B0609020204030204" pitchFamily="49" charset="0"/>
+                <a:cs typeface="Consolas" panose="020B0609020204030204" pitchFamily="49" charset="0"/>
+              </a:rPr>
+              <a:t> (make-queen 6 4)</a:t>
+            </a:r>
+          </a:p>
+          <a:p>
+            <a:pPr marL="0" indent="0">
+              <a:buNone/>
+            </a:pPr>
+            <a:r>
+              <a:rPr lang="en-US" sz="1100" b="1" dirty="0">
+                <a:latin typeface="Consolas" panose="020B0609020204030204" pitchFamily="49" charset="0"/>
+                <a:cs typeface="Consolas" panose="020B0609020204030204" pitchFamily="49" charset="0"/>
+              </a:rPr>
+              <a:t> (make-queen 5 2)</a:t>
+            </a:r>
+          </a:p>
+          <a:p>
+            <a:pPr marL="0" indent="0">
+              <a:buNone/>
+            </a:pPr>
+            <a:r>
+              <a:rPr lang="en-US" sz="1100" b="1" dirty="0">
+                <a:latin typeface="Consolas" panose="020B0609020204030204" pitchFamily="49" charset="0"/>
+                <a:cs typeface="Consolas" panose="020B0609020204030204" pitchFamily="49" charset="0"/>
+              </a:rPr>
+              <a:t> (make-queen 4 7)</a:t>
+            </a:r>
+          </a:p>
+          <a:p>
+            <a:pPr marL="0" indent="0">
+              <a:buNone/>
+            </a:pPr>
+            <a:r>
+              <a:rPr lang="en-US" sz="1100" b="1" dirty="0">
+                <a:latin typeface="Consolas" panose="020B0609020204030204" pitchFamily="49" charset="0"/>
+                <a:cs typeface="Consolas" panose="020B0609020204030204" pitchFamily="49" charset="0"/>
+              </a:rPr>
+              <a:t> (make-queen 3 5)</a:t>
+            </a:r>
+          </a:p>
+          <a:p>
+            <a:pPr marL="0" indent="0">
+              <a:buNone/>
+            </a:pPr>
+            <a:r>
+              <a:rPr lang="en-US" sz="1100" b="1" dirty="0">
+                <a:latin typeface="Consolas" panose="020B0609020204030204" pitchFamily="49" charset="0"/>
+                <a:cs typeface="Consolas" panose="020B0609020204030204" pitchFamily="49" charset="0"/>
+              </a:rPr>
+              <a:t> (make-queen 2 3)</a:t>
+            </a:r>
+          </a:p>
+          <a:p>
+            <a:pPr marL="0" indent="0">
+              <a:buNone/>
+            </a:pPr>
+            <a:r>
+              <a:rPr lang="en-US" sz="1100" b="1" dirty="0">
+                <a:latin typeface="Consolas" panose="020B0609020204030204" pitchFamily="49" charset="0"/>
+                <a:cs typeface="Consolas" panose="020B0609020204030204" pitchFamily="49" charset="0"/>
+              </a:rPr>
+              <a:t> (make-queen 1 1))</a:t>
+            </a:r>
+          </a:p>
+          <a:p>
+            <a:pPr marL="0" indent="0">
+              <a:buNone/>
+            </a:pPr>
+            <a:r>
+              <a:rPr lang="en-US" sz="1100" b="1" dirty="0" smtClean="0">
+                <a:latin typeface="Consolas" panose="020B0609020204030204" pitchFamily="49" charset="0"/>
+                <a:cs typeface="Consolas" panose="020B0609020204030204" pitchFamily="49" charset="0"/>
+              </a:rPr>
+              <a:t>&gt;</a:t>
+            </a:r>
+            <a:endParaRPr lang="en-US" sz="1100" b="1" dirty="0">
+              <a:latin typeface="Consolas" panose="020B0609020204030204" pitchFamily="49" charset="0"/>
+              <a:cs typeface="Consolas" panose="020B0609020204030204" pitchFamily="49" charset="0"/>
+            </a:endParaRPr>
+          </a:p>
+        </p:txBody>
+      </p:sp>
+      <p:sp>
+        <p:nvSpPr>
+          <p:cNvPr id="4" name="Slide Number Placeholder 3"/>
+          <p:cNvSpPr>
+            <a:spLocks noGrp="1"/>
+          </p:cNvSpPr>
+          <p:nvPr>
+            <p:ph type="sldNum" sz="quarter" idx="12"/>
+          </p:nvPr>
+        </p:nvSpPr>
+        <p:spPr/>
+        <p:txBody>
+          <a:bodyPr/>
+          <a:lstStyle/>
+          <a:p>
+            <a:fld id="{2AF3B5EA-18B6-4040-9F78-6052AF49C681}" type="slidenum">
+              <a:rPr lang="en-US" smtClean="0"/>
+              <a:t>20</a:t>
+            </a:fld>
+            <a:endParaRPr lang="en-US"/>
+          </a:p>
+        </p:txBody>
+      </p:sp>
+      <p:sp>
+        <p:nvSpPr>
+          <p:cNvPr id="7" name="Content Placeholder 4"/>
+          <p:cNvSpPr>
+            <a:spLocks noGrp="1"/>
+          </p:cNvSpPr>
+          <p:nvPr>
+            <p:ph sz="half" idx="1"/>
+          </p:nvPr>
+        </p:nvSpPr>
+        <p:spPr>
+          <a:xfrm>
+            <a:off x="2616200" y="1476235"/>
+            <a:ext cx="1930400" cy="4525963"/>
+          </a:xfrm>
+        </p:spPr>
+        <p:txBody>
+          <a:bodyPr>
+            <a:noAutofit/>
+          </a:bodyPr>
+          <a:lstStyle/>
+          <a:p>
+            <a:pPr marL="0" indent="0">
+              <a:buNone/>
+            </a:pPr>
+            <a:r>
+              <a:rPr lang="en-US" sz="1100" b="1" dirty="0" smtClean="0">
+                <a:latin typeface="Consolas" panose="020B0609020204030204" pitchFamily="49" charset="0"/>
+                <a:cs typeface="Consolas" panose="020B0609020204030204" pitchFamily="49" charset="0"/>
+              </a:rPr>
+              <a:t>&gt; </a:t>
+            </a:r>
+            <a:r>
+              <a:rPr lang="en-US" sz="1100" b="1" dirty="0">
+                <a:latin typeface="Consolas" panose="020B0609020204030204" pitchFamily="49" charset="0"/>
+                <a:cs typeface="Consolas" panose="020B0609020204030204" pitchFamily="49" charset="0"/>
+              </a:rPr>
+              <a:t>(</a:t>
+            </a:r>
+            <a:r>
+              <a:rPr lang="en-US" sz="1100" b="1" dirty="0" err="1">
+                <a:latin typeface="Consolas" panose="020B0609020204030204" pitchFamily="49" charset="0"/>
+                <a:cs typeface="Consolas" panose="020B0609020204030204" pitchFamily="49" charset="0"/>
+              </a:rPr>
+              <a:t>nqueens</a:t>
+            </a:r>
+            <a:r>
+              <a:rPr lang="en-US" sz="1100" b="1" dirty="0">
+                <a:latin typeface="Consolas" panose="020B0609020204030204" pitchFamily="49" charset="0"/>
+                <a:cs typeface="Consolas" panose="020B0609020204030204" pitchFamily="49" charset="0"/>
+              </a:rPr>
+              <a:t> 8)</a:t>
+            </a:r>
+          </a:p>
+          <a:p>
+            <a:pPr marL="0" indent="0">
+              <a:buNone/>
+            </a:pPr>
+            <a:r>
+              <a:rPr lang="en-US" sz="1100" b="1" dirty="0">
+                <a:latin typeface="Consolas" panose="020B0609020204030204" pitchFamily="49" charset="0"/>
+                <a:cs typeface="Consolas" panose="020B0609020204030204" pitchFamily="49" charset="0"/>
+              </a:rPr>
+              <a:t>(list</a:t>
+            </a:r>
+          </a:p>
+          <a:p>
+            <a:pPr marL="0" indent="0">
+              <a:buNone/>
+            </a:pPr>
+            <a:r>
+              <a:rPr lang="en-US" sz="1100" b="1" dirty="0">
+                <a:latin typeface="Consolas" panose="020B0609020204030204" pitchFamily="49" charset="0"/>
+                <a:cs typeface="Consolas" panose="020B0609020204030204" pitchFamily="49" charset="0"/>
+              </a:rPr>
+              <a:t> (make-queen 8 4)</a:t>
+            </a:r>
+          </a:p>
+          <a:p>
+            <a:pPr marL="0" indent="0">
+              <a:buNone/>
+            </a:pPr>
+            <a:r>
+              <a:rPr lang="en-US" sz="1100" b="1" dirty="0">
+                <a:latin typeface="Consolas" panose="020B0609020204030204" pitchFamily="49" charset="0"/>
+                <a:cs typeface="Consolas" panose="020B0609020204030204" pitchFamily="49" charset="0"/>
+              </a:rPr>
+              <a:t> (make-queen 7 2)</a:t>
+            </a:r>
+          </a:p>
+          <a:p>
+            <a:pPr marL="0" indent="0">
+              <a:buNone/>
+            </a:pPr>
+            <a:r>
+              <a:rPr lang="en-US" sz="1100" b="1" dirty="0">
+                <a:latin typeface="Consolas" panose="020B0609020204030204" pitchFamily="49" charset="0"/>
+                <a:cs typeface="Consolas" panose="020B0609020204030204" pitchFamily="49" charset="0"/>
+              </a:rPr>
+              <a:t> (make-queen 6 7)</a:t>
+            </a:r>
+          </a:p>
+          <a:p>
+            <a:pPr marL="0" indent="0">
+              <a:buNone/>
+            </a:pPr>
+            <a:r>
+              <a:rPr lang="en-US" sz="1100" b="1" dirty="0">
+                <a:latin typeface="Consolas" panose="020B0609020204030204" pitchFamily="49" charset="0"/>
+                <a:cs typeface="Consolas" panose="020B0609020204030204" pitchFamily="49" charset="0"/>
+              </a:rPr>
+              <a:t> (make-queen 5 3)</a:t>
+            </a:r>
+          </a:p>
+          <a:p>
+            <a:pPr marL="0" indent="0">
+              <a:buNone/>
+            </a:pPr>
+            <a:r>
+              <a:rPr lang="en-US" sz="1100" b="1" dirty="0">
+                <a:latin typeface="Consolas" panose="020B0609020204030204" pitchFamily="49" charset="0"/>
+                <a:cs typeface="Consolas" panose="020B0609020204030204" pitchFamily="49" charset="0"/>
+              </a:rPr>
+              <a:t> (make-queen 4 6)</a:t>
+            </a:r>
+          </a:p>
+          <a:p>
+            <a:pPr marL="0" indent="0">
+              <a:buNone/>
+            </a:pPr>
+            <a:r>
+              <a:rPr lang="en-US" sz="1100" b="1" dirty="0">
+                <a:latin typeface="Consolas" panose="020B0609020204030204" pitchFamily="49" charset="0"/>
+                <a:cs typeface="Consolas" panose="020B0609020204030204" pitchFamily="49" charset="0"/>
+              </a:rPr>
+              <a:t> (make-queen 3 8)</a:t>
+            </a:r>
+          </a:p>
+          <a:p>
+            <a:pPr marL="0" indent="0">
+              <a:buNone/>
+            </a:pPr>
+            <a:r>
+              <a:rPr lang="en-US" sz="1100" b="1" dirty="0">
+                <a:latin typeface="Consolas" panose="020B0609020204030204" pitchFamily="49" charset="0"/>
+                <a:cs typeface="Consolas" panose="020B0609020204030204" pitchFamily="49" charset="0"/>
+              </a:rPr>
+              <a:t> (make-queen 2 5)</a:t>
+            </a:r>
+          </a:p>
+          <a:p>
+            <a:pPr marL="0" indent="0">
+              <a:buNone/>
+            </a:pPr>
+            <a:r>
+              <a:rPr lang="en-US" sz="1100" b="1" dirty="0">
+                <a:latin typeface="Consolas" panose="020B0609020204030204" pitchFamily="49" charset="0"/>
+                <a:cs typeface="Consolas" panose="020B0609020204030204" pitchFamily="49" charset="0"/>
+              </a:rPr>
+              <a:t> (make-queen 1 1))</a:t>
+            </a:r>
+          </a:p>
+          <a:p>
+            <a:pPr marL="0" indent="0">
+              <a:buNone/>
+            </a:pPr>
+            <a:r>
+              <a:rPr lang="en-US" sz="1100" b="1" dirty="0">
+                <a:latin typeface="Consolas" panose="020B0609020204030204" pitchFamily="49" charset="0"/>
+                <a:cs typeface="Consolas" panose="020B0609020204030204" pitchFamily="49" charset="0"/>
+              </a:rPr>
+              <a:t>&gt; (</a:t>
+            </a:r>
+            <a:r>
+              <a:rPr lang="en-US" sz="1100" b="1" dirty="0" err="1">
+                <a:latin typeface="Consolas" panose="020B0609020204030204" pitchFamily="49" charset="0"/>
+                <a:cs typeface="Consolas" panose="020B0609020204030204" pitchFamily="49" charset="0"/>
+              </a:rPr>
+              <a:t>nqueens</a:t>
+            </a:r>
+            <a:r>
+              <a:rPr lang="en-US" sz="1100" b="1" dirty="0">
+                <a:latin typeface="Consolas" panose="020B0609020204030204" pitchFamily="49" charset="0"/>
+                <a:cs typeface="Consolas" panose="020B0609020204030204" pitchFamily="49" charset="0"/>
+              </a:rPr>
+              <a:t> 9)</a:t>
+            </a:r>
+          </a:p>
+          <a:p>
+            <a:pPr marL="0" indent="0">
+              <a:buNone/>
+            </a:pPr>
+            <a:r>
+              <a:rPr lang="en-US" sz="1100" b="1" dirty="0">
+                <a:latin typeface="Consolas" panose="020B0609020204030204" pitchFamily="49" charset="0"/>
+                <a:cs typeface="Consolas" panose="020B0609020204030204" pitchFamily="49" charset="0"/>
+              </a:rPr>
+              <a:t>(list</a:t>
+            </a:r>
+          </a:p>
+          <a:p>
+            <a:pPr marL="0" indent="0">
+              <a:buNone/>
+            </a:pPr>
+            <a:r>
+              <a:rPr lang="en-US" sz="1100" b="1" dirty="0">
+                <a:latin typeface="Consolas" panose="020B0609020204030204" pitchFamily="49" charset="0"/>
+                <a:cs typeface="Consolas" panose="020B0609020204030204" pitchFamily="49" charset="0"/>
+              </a:rPr>
+              <a:t> (make-queen 9 5)</a:t>
+            </a:r>
+          </a:p>
+          <a:p>
+            <a:pPr marL="0" indent="0">
+              <a:buNone/>
+            </a:pPr>
+            <a:r>
+              <a:rPr lang="en-US" sz="1100" b="1" dirty="0">
+                <a:latin typeface="Consolas" panose="020B0609020204030204" pitchFamily="49" charset="0"/>
+                <a:cs typeface="Consolas" panose="020B0609020204030204" pitchFamily="49" charset="0"/>
+              </a:rPr>
+              <a:t> (make-queen 8 7)</a:t>
+            </a:r>
+          </a:p>
+          <a:p>
+            <a:pPr marL="0" indent="0">
+              <a:buNone/>
+            </a:pPr>
+            <a:r>
+              <a:rPr lang="en-US" sz="1100" b="1" dirty="0">
+                <a:latin typeface="Consolas" panose="020B0609020204030204" pitchFamily="49" charset="0"/>
+                <a:cs typeface="Consolas" panose="020B0609020204030204" pitchFamily="49" charset="0"/>
+              </a:rPr>
+              <a:t> (make-queen 7 9)</a:t>
+            </a:r>
+          </a:p>
+          <a:p>
+            <a:pPr marL="0" indent="0">
+              <a:buNone/>
+            </a:pPr>
+            <a:r>
+              <a:rPr lang="en-US" sz="1100" b="1" dirty="0">
+                <a:latin typeface="Consolas" panose="020B0609020204030204" pitchFamily="49" charset="0"/>
+                <a:cs typeface="Consolas" panose="020B0609020204030204" pitchFamily="49" charset="0"/>
+              </a:rPr>
+              <a:t> (make-queen 6 4)</a:t>
+            </a:r>
+          </a:p>
+          <a:p>
+            <a:pPr marL="0" indent="0">
+              <a:buNone/>
+            </a:pPr>
+            <a:r>
+              <a:rPr lang="en-US" sz="1100" b="1" dirty="0">
+                <a:latin typeface="Consolas" panose="020B0609020204030204" pitchFamily="49" charset="0"/>
+                <a:cs typeface="Consolas" panose="020B0609020204030204" pitchFamily="49" charset="0"/>
+              </a:rPr>
+              <a:t> (make-queen 5 2)</a:t>
+            </a:r>
+          </a:p>
+          <a:p>
+            <a:pPr marL="0" indent="0">
+              <a:buNone/>
+            </a:pPr>
+            <a:r>
+              <a:rPr lang="en-US" sz="1100" b="1" dirty="0">
+                <a:latin typeface="Consolas" panose="020B0609020204030204" pitchFamily="49" charset="0"/>
+                <a:cs typeface="Consolas" panose="020B0609020204030204" pitchFamily="49" charset="0"/>
+              </a:rPr>
+              <a:t> (make-queen 4 8)</a:t>
+            </a:r>
+          </a:p>
+          <a:p>
+            <a:pPr marL="0" indent="0">
+              <a:buNone/>
+            </a:pPr>
+            <a:r>
+              <a:rPr lang="en-US" sz="1100" b="1" dirty="0">
+                <a:latin typeface="Consolas" panose="020B0609020204030204" pitchFamily="49" charset="0"/>
+                <a:cs typeface="Consolas" panose="020B0609020204030204" pitchFamily="49" charset="0"/>
+              </a:rPr>
+              <a:t> (make-queen 3 6)</a:t>
+            </a:r>
+          </a:p>
+          <a:p>
+            <a:pPr marL="0" indent="0">
+              <a:buNone/>
+            </a:pPr>
+            <a:r>
+              <a:rPr lang="en-US" sz="1100" b="1" dirty="0">
+                <a:latin typeface="Consolas" panose="020B0609020204030204" pitchFamily="49" charset="0"/>
+                <a:cs typeface="Consolas" panose="020B0609020204030204" pitchFamily="49" charset="0"/>
+              </a:rPr>
+              <a:t> (make-queen 2 3)</a:t>
+            </a:r>
+          </a:p>
+          <a:p>
+            <a:pPr marL="0" indent="0">
+              <a:buNone/>
+            </a:pPr>
+            <a:r>
+              <a:rPr lang="en-US" sz="1100" b="1" dirty="0">
+                <a:latin typeface="Consolas" panose="020B0609020204030204" pitchFamily="49" charset="0"/>
+                <a:cs typeface="Consolas" panose="020B0609020204030204" pitchFamily="49" charset="0"/>
+              </a:rPr>
+              <a:t> (make-queen 1 1))</a:t>
+            </a:r>
+          </a:p>
+          <a:p>
+            <a:pPr marL="0" indent="0">
+              <a:buNone/>
+            </a:pPr>
+            <a:r>
+              <a:rPr lang="en-US" sz="1100" b="1" dirty="0" smtClean="0">
+                <a:latin typeface="Consolas" panose="020B0609020204030204" pitchFamily="49" charset="0"/>
+                <a:cs typeface="Consolas" panose="020B0609020204030204" pitchFamily="49" charset="0"/>
+              </a:rPr>
+              <a:t> </a:t>
+            </a:r>
+            <a:endParaRPr lang="en-US" sz="1100" b="1" dirty="0">
+              <a:latin typeface="Consolas" panose="020B0609020204030204" pitchFamily="49" charset="0"/>
+              <a:cs typeface="Consolas" panose="020B0609020204030204" pitchFamily="49" charset="0"/>
+            </a:endParaRPr>
+          </a:p>
+        </p:txBody>
+      </p:sp>
+      <p:sp>
+        <p:nvSpPr>
+          <p:cNvPr id="8" name="Content Placeholder 4"/>
+          <p:cNvSpPr>
+            <a:spLocks noGrp="1"/>
+          </p:cNvSpPr>
+          <p:nvPr>
+            <p:ph sz="half" idx="1"/>
+          </p:nvPr>
+        </p:nvSpPr>
+        <p:spPr>
+          <a:xfrm>
+            <a:off x="4749800" y="1476235"/>
+            <a:ext cx="1752600" cy="5094568"/>
+          </a:xfrm>
+        </p:spPr>
+        <p:txBody>
+          <a:bodyPr>
+            <a:noAutofit/>
+          </a:bodyPr>
+          <a:lstStyle/>
+          <a:p>
+            <a:pPr marL="0" indent="0">
+              <a:buNone/>
+            </a:pPr>
+            <a:r>
+              <a:rPr lang="en-US" sz="1100" b="1" dirty="0" smtClean="0">
+                <a:latin typeface="Consolas" panose="020B0609020204030204" pitchFamily="49" charset="0"/>
+                <a:cs typeface="Consolas" panose="020B0609020204030204" pitchFamily="49" charset="0"/>
+              </a:rPr>
+              <a:t>&gt; (</a:t>
+            </a:r>
+            <a:r>
+              <a:rPr lang="en-US" sz="1100" b="1" dirty="0" err="1" smtClean="0">
+                <a:latin typeface="Consolas" panose="020B0609020204030204" pitchFamily="49" charset="0"/>
+                <a:cs typeface="Consolas" panose="020B0609020204030204" pitchFamily="49" charset="0"/>
+              </a:rPr>
+              <a:t>nqueens</a:t>
+            </a:r>
+            <a:r>
+              <a:rPr lang="en-US" sz="1100" b="1" dirty="0" smtClean="0">
+                <a:latin typeface="Consolas" panose="020B0609020204030204" pitchFamily="49" charset="0"/>
+                <a:cs typeface="Consolas" panose="020B0609020204030204" pitchFamily="49" charset="0"/>
+              </a:rPr>
+              <a:t> 10)</a:t>
+            </a:r>
+          </a:p>
+          <a:p>
+            <a:pPr marL="0" indent="0">
+              <a:buNone/>
+            </a:pPr>
+            <a:r>
+              <a:rPr lang="en-US" sz="1100" b="1" dirty="0" smtClean="0">
+                <a:latin typeface="Consolas" panose="020B0609020204030204" pitchFamily="49" charset="0"/>
+                <a:cs typeface="Consolas" panose="020B0609020204030204" pitchFamily="49" charset="0"/>
+              </a:rPr>
+              <a:t>(list</a:t>
+            </a:r>
+          </a:p>
+          <a:p>
+            <a:pPr marL="0" indent="0">
+              <a:buNone/>
+            </a:pPr>
+            <a:r>
+              <a:rPr lang="en-US" sz="1100" b="1" dirty="0" smtClean="0">
+                <a:latin typeface="Consolas" panose="020B0609020204030204" pitchFamily="49" charset="0"/>
+                <a:cs typeface="Consolas" panose="020B0609020204030204" pitchFamily="49" charset="0"/>
+              </a:rPr>
+              <a:t> (make-queen 10 7)</a:t>
+            </a:r>
+          </a:p>
+          <a:p>
+            <a:pPr marL="0" indent="0">
+              <a:buNone/>
+            </a:pPr>
+            <a:r>
+              <a:rPr lang="en-US" sz="1100" b="1" dirty="0" smtClean="0">
+                <a:latin typeface="Consolas" panose="020B0609020204030204" pitchFamily="49" charset="0"/>
+                <a:cs typeface="Consolas" panose="020B0609020204030204" pitchFamily="49" charset="0"/>
+              </a:rPr>
+              <a:t> (make-queen 9 4)</a:t>
+            </a:r>
+          </a:p>
+          <a:p>
+            <a:pPr marL="0" indent="0">
+              <a:buNone/>
+            </a:pPr>
+            <a:r>
+              <a:rPr lang="en-US" sz="1100" b="1" dirty="0" smtClean="0">
+                <a:latin typeface="Consolas" panose="020B0609020204030204" pitchFamily="49" charset="0"/>
+                <a:cs typeface="Consolas" panose="020B0609020204030204" pitchFamily="49" charset="0"/>
+              </a:rPr>
+              <a:t> (make-queen 8 2)</a:t>
+            </a:r>
+          </a:p>
+          <a:p>
+            <a:pPr marL="0" indent="0">
+              <a:buNone/>
+            </a:pPr>
+            <a:r>
+              <a:rPr lang="en-US" sz="1100" b="1" dirty="0" smtClean="0">
+                <a:latin typeface="Consolas" panose="020B0609020204030204" pitchFamily="49" charset="0"/>
+                <a:cs typeface="Consolas" panose="020B0609020204030204" pitchFamily="49" charset="0"/>
+              </a:rPr>
+              <a:t> (make-queen 7 9)</a:t>
+            </a:r>
+          </a:p>
+          <a:p>
+            <a:pPr marL="0" indent="0">
+              <a:buNone/>
+            </a:pPr>
+            <a:r>
+              <a:rPr lang="en-US" sz="1100" b="1" dirty="0" smtClean="0">
+                <a:latin typeface="Consolas" panose="020B0609020204030204" pitchFamily="49" charset="0"/>
+                <a:cs typeface="Consolas" panose="020B0609020204030204" pitchFamily="49" charset="0"/>
+              </a:rPr>
+              <a:t> (make-queen 6 5)</a:t>
+            </a:r>
+          </a:p>
+          <a:p>
+            <a:pPr marL="0" indent="0">
+              <a:buNone/>
+            </a:pPr>
+            <a:r>
+              <a:rPr lang="en-US" sz="1100" b="1" dirty="0" smtClean="0">
+                <a:latin typeface="Consolas" panose="020B0609020204030204" pitchFamily="49" charset="0"/>
+                <a:cs typeface="Consolas" panose="020B0609020204030204" pitchFamily="49" charset="0"/>
+              </a:rPr>
+              <a:t> (make-queen 5 10)</a:t>
+            </a:r>
+          </a:p>
+          <a:p>
+            <a:pPr marL="0" indent="0">
+              <a:buNone/>
+            </a:pPr>
+            <a:r>
+              <a:rPr lang="en-US" sz="1100" b="1" dirty="0" smtClean="0">
+                <a:latin typeface="Consolas" panose="020B0609020204030204" pitchFamily="49" charset="0"/>
+                <a:cs typeface="Consolas" panose="020B0609020204030204" pitchFamily="49" charset="0"/>
+              </a:rPr>
+              <a:t> (make-queen 4 8)</a:t>
+            </a:r>
+          </a:p>
+          <a:p>
+            <a:pPr marL="0" indent="0">
+              <a:buNone/>
+            </a:pPr>
+            <a:r>
+              <a:rPr lang="en-US" sz="1100" b="1" dirty="0" smtClean="0">
+                <a:latin typeface="Consolas" panose="020B0609020204030204" pitchFamily="49" charset="0"/>
+                <a:cs typeface="Consolas" panose="020B0609020204030204" pitchFamily="49" charset="0"/>
+              </a:rPr>
+              <a:t> (make-queen 3 6)</a:t>
+            </a:r>
+          </a:p>
+          <a:p>
+            <a:pPr marL="0" indent="0">
+              <a:buNone/>
+            </a:pPr>
+            <a:r>
+              <a:rPr lang="en-US" sz="1100" b="1" dirty="0" smtClean="0">
+                <a:latin typeface="Consolas" panose="020B0609020204030204" pitchFamily="49" charset="0"/>
+                <a:cs typeface="Consolas" panose="020B0609020204030204" pitchFamily="49" charset="0"/>
+              </a:rPr>
+              <a:t> (make-queen 2 3)</a:t>
+            </a:r>
+          </a:p>
+          <a:p>
+            <a:pPr marL="0" indent="0">
+              <a:buNone/>
+            </a:pPr>
+            <a:r>
+              <a:rPr lang="en-US" sz="1100" b="1" dirty="0" smtClean="0">
+                <a:latin typeface="Consolas" panose="020B0609020204030204" pitchFamily="49" charset="0"/>
+                <a:cs typeface="Consolas" panose="020B0609020204030204" pitchFamily="49" charset="0"/>
+              </a:rPr>
+              <a:t> (make-queen 1 1))</a:t>
+            </a:r>
+          </a:p>
+          <a:p>
+            <a:pPr marL="0" indent="0">
+              <a:buNone/>
+            </a:pPr>
+            <a:r>
+              <a:rPr lang="en-US" sz="1100" b="1" dirty="0" smtClean="0">
+                <a:latin typeface="Consolas" panose="020B0609020204030204" pitchFamily="49" charset="0"/>
+                <a:cs typeface="Consolas" panose="020B0609020204030204" pitchFamily="49" charset="0"/>
+              </a:rPr>
+              <a:t>&gt; (</a:t>
+            </a:r>
+            <a:r>
+              <a:rPr lang="en-US" sz="1100" b="1" dirty="0" err="1" smtClean="0">
+                <a:latin typeface="Consolas" panose="020B0609020204030204" pitchFamily="49" charset="0"/>
+                <a:cs typeface="Consolas" panose="020B0609020204030204" pitchFamily="49" charset="0"/>
+              </a:rPr>
+              <a:t>nqueens</a:t>
+            </a:r>
+            <a:r>
+              <a:rPr lang="en-US" sz="1100" b="1" dirty="0" smtClean="0">
+                <a:latin typeface="Consolas" panose="020B0609020204030204" pitchFamily="49" charset="0"/>
+                <a:cs typeface="Consolas" panose="020B0609020204030204" pitchFamily="49" charset="0"/>
+              </a:rPr>
+              <a:t> 11)</a:t>
+            </a:r>
+          </a:p>
+          <a:p>
+            <a:pPr marL="0" indent="0">
+              <a:buNone/>
+            </a:pPr>
+            <a:r>
+              <a:rPr lang="en-US" sz="1100" b="1" dirty="0" smtClean="0">
+                <a:latin typeface="Consolas" panose="020B0609020204030204" pitchFamily="49" charset="0"/>
+                <a:cs typeface="Consolas" panose="020B0609020204030204" pitchFamily="49" charset="0"/>
+              </a:rPr>
+              <a:t>(list</a:t>
+            </a:r>
+          </a:p>
+          <a:p>
+            <a:pPr marL="0" indent="0">
+              <a:buNone/>
+            </a:pPr>
+            <a:r>
+              <a:rPr lang="en-US" sz="1100" b="1" dirty="0" smtClean="0">
+                <a:latin typeface="Consolas" panose="020B0609020204030204" pitchFamily="49" charset="0"/>
+                <a:cs typeface="Consolas" panose="020B0609020204030204" pitchFamily="49" charset="0"/>
+              </a:rPr>
+              <a:t> (make-queen 11 10)</a:t>
+            </a:r>
+          </a:p>
+          <a:p>
+            <a:pPr marL="0" indent="0">
+              <a:buNone/>
+            </a:pPr>
+            <a:r>
+              <a:rPr lang="en-US" sz="1100" b="1" dirty="0" smtClean="0">
+                <a:latin typeface="Consolas" panose="020B0609020204030204" pitchFamily="49" charset="0"/>
+                <a:cs typeface="Consolas" panose="020B0609020204030204" pitchFamily="49" charset="0"/>
+              </a:rPr>
+              <a:t> (make-queen 10 8)</a:t>
+            </a:r>
+          </a:p>
+          <a:p>
+            <a:pPr marL="0" indent="0">
+              <a:buNone/>
+            </a:pPr>
+            <a:r>
+              <a:rPr lang="en-US" sz="1100" b="1" dirty="0" smtClean="0">
+                <a:latin typeface="Consolas" panose="020B0609020204030204" pitchFamily="49" charset="0"/>
+                <a:cs typeface="Consolas" panose="020B0609020204030204" pitchFamily="49" charset="0"/>
+              </a:rPr>
+              <a:t> (make-queen 9 6)</a:t>
+            </a:r>
+          </a:p>
+          <a:p>
+            <a:pPr marL="0" indent="0">
+              <a:buNone/>
+            </a:pPr>
+            <a:r>
+              <a:rPr lang="en-US" sz="1100" b="1" dirty="0" smtClean="0">
+                <a:latin typeface="Consolas" panose="020B0609020204030204" pitchFamily="49" charset="0"/>
+                <a:cs typeface="Consolas" panose="020B0609020204030204" pitchFamily="49" charset="0"/>
+              </a:rPr>
+              <a:t> (make-queen 8 4)</a:t>
+            </a:r>
+          </a:p>
+          <a:p>
+            <a:pPr marL="0" indent="0">
+              <a:buNone/>
+            </a:pPr>
+            <a:r>
+              <a:rPr lang="en-US" sz="1100" b="1" dirty="0" smtClean="0">
+                <a:latin typeface="Consolas" panose="020B0609020204030204" pitchFamily="49" charset="0"/>
+                <a:cs typeface="Consolas" panose="020B0609020204030204" pitchFamily="49" charset="0"/>
+              </a:rPr>
+              <a:t> (make-queen 7 2)</a:t>
+            </a:r>
+          </a:p>
+          <a:p>
+            <a:pPr marL="0" indent="0">
+              <a:buNone/>
+            </a:pPr>
+            <a:r>
+              <a:rPr lang="en-US" sz="1100" b="1" dirty="0" smtClean="0">
+                <a:latin typeface="Consolas" panose="020B0609020204030204" pitchFamily="49" charset="0"/>
+                <a:cs typeface="Consolas" panose="020B0609020204030204" pitchFamily="49" charset="0"/>
+              </a:rPr>
+              <a:t> (make-queen 6 11)</a:t>
+            </a:r>
+          </a:p>
+          <a:p>
+            <a:pPr marL="0" indent="0">
+              <a:buNone/>
+            </a:pPr>
+            <a:r>
+              <a:rPr lang="en-US" sz="1100" b="1" dirty="0" smtClean="0">
+                <a:latin typeface="Consolas" panose="020B0609020204030204" pitchFamily="49" charset="0"/>
+                <a:cs typeface="Consolas" panose="020B0609020204030204" pitchFamily="49" charset="0"/>
+              </a:rPr>
+              <a:t> (make-queen 5 9)</a:t>
+            </a:r>
+          </a:p>
+          <a:p>
+            <a:pPr marL="0" indent="0">
+              <a:buNone/>
+            </a:pPr>
+            <a:r>
+              <a:rPr lang="en-US" sz="1100" b="1" dirty="0" smtClean="0">
+                <a:latin typeface="Consolas" panose="020B0609020204030204" pitchFamily="49" charset="0"/>
+                <a:cs typeface="Consolas" panose="020B0609020204030204" pitchFamily="49" charset="0"/>
+              </a:rPr>
+              <a:t> (make-queen 4 7)</a:t>
+            </a:r>
+          </a:p>
+          <a:p>
+            <a:pPr marL="0" indent="0">
+              <a:buNone/>
+            </a:pPr>
+            <a:r>
+              <a:rPr lang="en-US" sz="1100" b="1" dirty="0" smtClean="0">
+                <a:latin typeface="Consolas" panose="020B0609020204030204" pitchFamily="49" charset="0"/>
+                <a:cs typeface="Consolas" panose="020B0609020204030204" pitchFamily="49" charset="0"/>
+              </a:rPr>
+              <a:t> (make-queen 3 5)</a:t>
+            </a:r>
+          </a:p>
+          <a:p>
+            <a:pPr marL="0" indent="0">
+              <a:buNone/>
+            </a:pPr>
+            <a:r>
+              <a:rPr lang="en-US" sz="1100" b="1" dirty="0" smtClean="0">
+                <a:latin typeface="Consolas" panose="020B0609020204030204" pitchFamily="49" charset="0"/>
+                <a:cs typeface="Consolas" panose="020B0609020204030204" pitchFamily="49" charset="0"/>
+              </a:rPr>
+              <a:t> (make-queen 2 3)</a:t>
+            </a:r>
+          </a:p>
+          <a:p>
+            <a:pPr marL="0" indent="0">
+              <a:buNone/>
+            </a:pPr>
+            <a:r>
+              <a:rPr lang="en-US" sz="1100" b="1" dirty="0" smtClean="0">
+                <a:latin typeface="Consolas" panose="020B0609020204030204" pitchFamily="49" charset="0"/>
+                <a:cs typeface="Consolas" panose="020B0609020204030204" pitchFamily="49" charset="0"/>
+              </a:rPr>
+              <a:t> (make-queen 1 1))</a:t>
+            </a:r>
+          </a:p>
+        </p:txBody>
+      </p:sp>
+      <p:sp>
+        <p:nvSpPr>
+          <p:cNvPr id="9" name="Content Placeholder 4"/>
+          <p:cNvSpPr>
+            <a:spLocks noGrp="1"/>
+          </p:cNvSpPr>
+          <p:nvPr>
+            <p:ph sz="half" idx="1"/>
+          </p:nvPr>
+        </p:nvSpPr>
+        <p:spPr>
+          <a:xfrm>
+            <a:off x="6705600" y="1476235"/>
+            <a:ext cx="2286000" cy="5094568"/>
+          </a:xfrm>
+        </p:spPr>
+        <p:txBody>
+          <a:bodyPr>
+            <a:noAutofit/>
+          </a:bodyPr>
+          <a:lstStyle/>
+          <a:p>
+            <a:pPr marL="0" indent="0">
+              <a:buNone/>
+            </a:pPr>
+            <a:r>
+              <a:rPr lang="en-US" sz="1100" b="1" dirty="0" smtClean="0">
+                <a:latin typeface="Consolas" panose="020B0609020204030204" pitchFamily="49" charset="0"/>
+                <a:cs typeface="Consolas" panose="020B0609020204030204" pitchFamily="49" charset="0"/>
+              </a:rPr>
+              <a:t>&gt; </a:t>
+            </a:r>
+            <a:r>
+              <a:rPr lang="en-US" sz="1100" b="1" dirty="0">
+                <a:latin typeface="Consolas" panose="020B0609020204030204" pitchFamily="49" charset="0"/>
+                <a:cs typeface="Consolas" panose="020B0609020204030204" pitchFamily="49" charset="0"/>
+              </a:rPr>
+              <a:t>(</a:t>
+            </a:r>
+            <a:r>
+              <a:rPr lang="en-US" sz="1100" b="1" dirty="0" err="1">
+                <a:latin typeface="Consolas" panose="020B0609020204030204" pitchFamily="49" charset="0"/>
+                <a:cs typeface="Consolas" panose="020B0609020204030204" pitchFamily="49" charset="0"/>
+              </a:rPr>
+              <a:t>nqueens</a:t>
+            </a:r>
+            <a:r>
+              <a:rPr lang="en-US" sz="1100" b="1" dirty="0">
+                <a:latin typeface="Consolas" panose="020B0609020204030204" pitchFamily="49" charset="0"/>
+                <a:cs typeface="Consolas" panose="020B0609020204030204" pitchFamily="49" charset="0"/>
+              </a:rPr>
+              <a:t> 12)</a:t>
+            </a:r>
+          </a:p>
+          <a:p>
+            <a:pPr marL="0" indent="0">
+              <a:buNone/>
+            </a:pPr>
+            <a:r>
+              <a:rPr lang="en-US" sz="1100" b="1" dirty="0">
+                <a:latin typeface="Consolas" panose="020B0609020204030204" pitchFamily="49" charset="0"/>
+                <a:cs typeface="Consolas" panose="020B0609020204030204" pitchFamily="49" charset="0"/>
+              </a:rPr>
+              <a:t>(list</a:t>
+            </a:r>
+          </a:p>
+          <a:p>
+            <a:pPr marL="0" indent="0">
+              <a:buNone/>
+            </a:pPr>
+            <a:r>
+              <a:rPr lang="en-US" sz="1100" b="1" dirty="0">
+                <a:latin typeface="Consolas" panose="020B0609020204030204" pitchFamily="49" charset="0"/>
+                <a:cs typeface="Consolas" panose="020B0609020204030204" pitchFamily="49" charset="0"/>
+              </a:rPr>
+              <a:t> (make-queen 12 4)</a:t>
+            </a:r>
+          </a:p>
+          <a:p>
+            <a:pPr marL="0" indent="0">
+              <a:buNone/>
+            </a:pPr>
+            <a:r>
+              <a:rPr lang="en-US" sz="1100" b="1" dirty="0">
+                <a:latin typeface="Consolas" panose="020B0609020204030204" pitchFamily="49" charset="0"/>
+                <a:cs typeface="Consolas" panose="020B0609020204030204" pitchFamily="49" charset="0"/>
+              </a:rPr>
+              <a:t> (make-queen 11 9)</a:t>
+            </a:r>
+          </a:p>
+          <a:p>
+            <a:pPr marL="0" indent="0">
+              <a:buNone/>
+            </a:pPr>
+            <a:r>
+              <a:rPr lang="en-US" sz="1100" b="1" dirty="0">
+                <a:latin typeface="Consolas" panose="020B0609020204030204" pitchFamily="49" charset="0"/>
+                <a:cs typeface="Consolas" panose="020B0609020204030204" pitchFamily="49" charset="0"/>
+              </a:rPr>
+              <a:t> (make-queen 10 7)</a:t>
+            </a:r>
+          </a:p>
+          <a:p>
+            <a:pPr marL="0" indent="0">
+              <a:buNone/>
+            </a:pPr>
+            <a:r>
+              <a:rPr lang="en-US" sz="1100" b="1" dirty="0">
+                <a:latin typeface="Consolas" panose="020B0609020204030204" pitchFamily="49" charset="0"/>
+                <a:cs typeface="Consolas" panose="020B0609020204030204" pitchFamily="49" charset="0"/>
+              </a:rPr>
+              <a:t> (make-queen 9 2)</a:t>
+            </a:r>
+          </a:p>
+          <a:p>
+            <a:pPr marL="0" indent="0">
+              <a:buNone/>
+            </a:pPr>
+            <a:r>
+              <a:rPr lang="en-US" sz="1100" b="1" dirty="0">
+                <a:latin typeface="Consolas" panose="020B0609020204030204" pitchFamily="49" charset="0"/>
+                <a:cs typeface="Consolas" panose="020B0609020204030204" pitchFamily="49" charset="0"/>
+              </a:rPr>
+              <a:t> (make-queen 8 11)</a:t>
+            </a:r>
+          </a:p>
+          <a:p>
+            <a:pPr marL="0" indent="0">
+              <a:buNone/>
+            </a:pPr>
+            <a:r>
+              <a:rPr lang="en-US" sz="1100" b="1" dirty="0">
+                <a:latin typeface="Consolas" panose="020B0609020204030204" pitchFamily="49" charset="0"/>
+                <a:cs typeface="Consolas" panose="020B0609020204030204" pitchFamily="49" charset="0"/>
+              </a:rPr>
+              <a:t> (make-queen 7 6)</a:t>
+            </a:r>
+          </a:p>
+          <a:p>
+            <a:pPr marL="0" indent="0">
+              <a:buNone/>
+            </a:pPr>
+            <a:r>
+              <a:rPr lang="en-US" sz="1100" b="1" dirty="0">
+                <a:latin typeface="Consolas" panose="020B0609020204030204" pitchFamily="49" charset="0"/>
+                <a:cs typeface="Consolas" panose="020B0609020204030204" pitchFamily="49" charset="0"/>
+              </a:rPr>
+              <a:t> (make-queen 6 12)</a:t>
+            </a:r>
+          </a:p>
+          <a:p>
+            <a:pPr marL="0" indent="0">
+              <a:buNone/>
+            </a:pPr>
+            <a:r>
+              <a:rPr lang="en-US" sz="1100" b="1" dirty="0">
+                <a:latin typeface="Consolas" panose="020B0609020204030204" pitchFamily="49" charset="0"/>
+                <a:cs typeface="Consolas" panose="020B0609020204030204" pitchFamily="49" charset="0"/>
+              </a:rPr>
+              <a:t> (make-queen 5 10)</a:t>
+            </a:r>
+          </a:p>
+          <a:p>
+            <a:pPr marL="0" indent="0">
+              <a:buNone/>
+            </a:pPr>
+            <a:r>
+              <a:rPr lang="en-US" sz="1100" b="1" dirty="0">
+                <a:latin typeface="Consolas" panose="020B0609020204030204" pitchFamily="49" charset="0"/>
+                <a:cs typeface="Consolas" panose="020B0609020204030204" pitchFamily="49" charset="0"/>
+              </a:rPr>
+              <a:t> (make-queen 4 8)</a:t>
+            </a:r>
+          </a:p>
+          <a:p>
+            <a:pPr marL="0" indent="0">
+              <a:buNone/>
+            </a:pPr>
+            <a:r>
+              <a:rPr lang="en-US" sz="1100" b="1" dirty="0">
+                <a:latin typeface="Consolas" panose="020B0609020204030204" pitchFamily="49" charset="0"/>
+                <a:cs typeface="Consolas" panose="020B0609020204030204" pitchFamily="49" charset="0"/>
+              </a:rPr>
+              <a:t> (make-queen 3 5)</a:t>
+            </a:r>
+          </a:p>
+          <a:p>
+            <a:pPr marL="0" indent="0">
+              <a:buNone/>
+            </a:pPr>
+            <a:r>
+              <a:rPr lang="en-US" sz="1100" b="1" dirty="0">
+                <a:latin typeface="Consolas" panose="020B0609020204030204" pitchFamily="49" charset="0"/>
+                <a:cs typeface="Consolas" panose="020B0609020204030204" pitchFamily="49" charset="0"/>
+              </a:rPr>
+              <a:t> (make-queen 2 3)</a:t>
+            </a:r>
+          </a:p>
+          <a:p>
+            <a:pPr marL="0" indent="0">
+              <a:buNone/>
+            </a:pPr>
+            <a:r>
+              <a:rPr lang="en-US" sz="1100" b="1" dirty="0">
+                <a:latin typeface="Consolas" panose="020B0609020204030204" pitchFamily="49" charset="0"/>
+                <a:cs typeface="Consolas" panose="020B0609020204030204" pitchFamily="49" charset="0"/>
+              </a:rPr>
+              <a:t> (make-queen 1 1))</a:t>
+            </a:r>
+          </a:p>
+          <a:p>
+            <a:pPr marL="0" indent="0">
+              <a:buNone/>
+            </a:pPr>
+            <a:endParaRPr lang="en-US" sz="1100" b="1" dirty="0">
+              <a:latin typeface="Consolas" panose="020B0609020204030204" pitchFamily="49" charset="0"/>
+              <a:cs typeface="Consolas" panose="020B0609020204030204" pitchFamily="49" charset="0"/>
+            </a:endParaRPr>
+          </a:p>
+        </p:txBody>
+      </p:sp>
+      <p:sp>
+        <p:nvSpPr>
+          <p:cNvPr id="10" name="Rectangle 9"/>
+          <p:cNvSpPr/>
+          <p:nvPr/>
+        </p:nvSpPr>
+        <p:spPr>
+          <a:xfrm>
+            <a:off x="6858000" y="4648200"/>
+            <a:ext cx="1828800" cy="1066800"/>
+          </a:xfrm>
+          <a:prstGeom prst="rect">
+            <a:avLst/>
+          </a:prstGeom>
+          <a:solidFill>
+            <a:schemeClr val="accent3">
+              <a:lumMod val="40000"/>
+              <a:lumOff val="60000"/>
+            </a:schemeClr>
+          </a:solidFill>
+          <a:ln/>
+        </p:spPr>
+        <p:style>
+          <a:lnRef idx="2">
+            <a:schemeClr val="accent1"/>
+          </a:lnRef>
+          <a:fillRef idx="1">
+            <a:schemeClr val="lt1"/>
+          </a:fillRef>
+          <a:effectRef idx="0">
+            <a:schemeClr val="accent1"/>
+          </a:effectRef>
+          <a:fontRef idx="minor">
+            <a:schemeClr val="dk1"/>
+          </a:fontRef>
+        </p:style>
+        <p:txBody>
+          <a:bodyPr rot="0" spcFirstLastPara="0" vertOverflow="overflow" horzOverflow="overflow" vert="horz" wrap="square" lIns="91440" tIns="45720" rIns="91440" bIns="45720" numCol="1" spcCol="0" rtlCol="0" fromWordArt="0" anchor="ctr" anchorCtr="0" forceAA="0" compatLnSpc="1">
+            <a:prstTxWarp prst="textNoShape">
+              <a:avLst/>
+            </a:prstTxWarp>
+            <a:noAutofit/>
+          </a:bodyPr>
+          <a:lstStyle/>
+          <a:p>
+            <a:pPr algn="ctr"/>
+            <a:r>
+              <a:rPr lang="en-US" sz="1200" dirty="0" smtClean="0">
+                <a:solidFill>
+                  <a:schemeClr val="tx1"/>
+                </a:solidFill>
+              </a:rPr>
+              <a:t>You should check by hand to see that there are no solutions for n = 2,3,4, and 6.</a:t>
+            </a:r>
+            <a:endParaRPr lang="en-US" sz="1200" dirty="0">
+              <a:solidFill>
+                <a:schemeClr val="tx1"/>
+              </a:solidFill>
+            </a:endParaRPr>
+          </a:p>
+        </p:txBody>
+      </p:sp>
+    </p:spTree>
+    <p:extLst>
+      <p:ext uri="{BB962C8B-B14F-4D97-AF65-F5344CB8AC3E}">
+        <p14:creationId xmlns:p14="http://schemas.microsoft.com/office/powerpoint/2010/main" val="1608312464"/>
+      </p:ext>
+    </p:extLst>
+  </p:cSld>
+  <p:clrMapOvr>
+    <a:masterClrMapping/>
+  </p:clrMapOvr>
+  <p:timing>
+    <p:tnLst>
+      <p:par>
+        <p:cTn id="1" dur="indefinite" restart="never" nodeType="tmRoot"/>
+      </p:par>
+    </p:tnLst>
+  </p:timing>
+</p:sld>
+</file>
+
+<file path=ppt/slides/slide21.xml><?xml version="1.0" encoding="utf-8"?>
+<p:sld xmlns:a="http://schemas.openxmlformats.org/drawingml/2006/main" xmlns:r="http://schemas.openxmlformats.org/officeDocument/2006/relationships" xmlns:p="http://schemas.openxmlformats.org/presentationml/2006/main">
+  <p:cSld>
+    <p:spTree>
+      <p:nvGrpSpPr>
+        <p:cNvPr id="1" name=""/>
+        <p:cNvGrpSpPr/>
+        <p:nvPr/>
+      </p:nvGrpSpPr>
+      <p:grpSpPr>
+        <a:xfrm>
+          <a:off x="0" y="0"/>
+          <a:ext cx="0" cy="0"/>
+          <a:chOff x="0" y="0"/>
+          <a:chExt cx="0" cy="0"/>
+        </a:xfrm>
+      </p:grpSpPr>
+      <p:sp>
+        <p:nvSpPr>
+          <p:cNvPr id="2" name="Title 1"/>
+          <p:cNvSpPr>
+            <a:spLocks noGrp="1"/>
+          </p:cNvSpPr>
+          <p:nvPr>
+            <p:ph type="title"/>
+          </p:nvPr>
+        </p:nvSpPr>
+        <p:spPr/>
+        <p:txBody>
+          <a:bodyPr/>
+          <a:lstStyle/>
+          <a:p>
+            <a:r>
+              <a:rPr lang="en-US" dirty="0" smtClean="0"/>
               <a:t>Layered Design</a:t>
             </a:r>
             <a:endParaRPr lang="en-US" dirty="0"/>
@@ -9218,15 +9344,7 @@
           <a:p>
             <a:r>
               <a:rPr lang="en-US" dirty="0" smtClean="0"/>
-              <a:t>We designed our system in </a:t>
-            </a:r>
-            <a:r>
-              <a:rPr lang="en-US" dirty="0" smtClean="0"/>
-              <a:t>3 </a:t>
-            </a:r>
-            <a:r>
-              <a:rPr lang="en-US" dirty="0" smtClean="0"/>
-              <a:t>layers:</a:t>
+              <a:t>We designed our system in 3 layers:</a:t>
             </a:r>
           </a:p>
           <a:p>
@@ -9298,17 +9416,12 @@
             </a:r>
             <a:r>
               <a:rPr lang="en-US" dirty="0" smtClean="0"/>
-              <a:t>, </a:t>
-            </a:r>
-            <a:r>
-              <a:rPr lang="en-US" dirty="0" smtClean="0"/>
-              <a:t>and </a:t>
+              <a:t>, and </a:t>
             </a:r>
             <a:r>
               <a:rPr lang="en-US" b="1" dirty="0" smtClean="0"/>
               <a:t>place-queen.</a:t>
             </a:r>
-            <a:endParaRPr lang="en-US" b="1" dirty="0" smtClean="0"/>
           </a:p>
           <a:p>
             <a:pPr marL="971550" lvl="1" indent="-514350">
@@ -9317,19 +9430,7 @@
             </a:pPr>
             <a:r>
               <a:rPr lang="en-US" dirty="0" smtClean="0"/>
-              <a:t>Search</a:t>
-            </a:r>
-            <a:r>
-              <a:rPr lang="en-US" dirty="0" smtClean="0"/>
-              <a:t>.  This was the </a:t>
-            </a:r>
-            <a:r>
-              <a:rPr lang="en-US" dirty="0" smtClean="0"/>
-              <a:t>main </a:t>
-            </a:r>
-            <a:r>
-              <a:rPr lang="en-US" dirty="0" smtClean="0"/>
-              <a:t>function </a:t>
+              <a:t>Search.  This was the main function </a:t>
             </a:r>
             <a:r>
               <a:rPr lang="en-US" b="1" dirty="0" smtClean="0"/>
@@ -9369,7 +9470,7 @@
             <a:fld id="{9F4492BD-6A9C-48FC-AC76-0B4FE11194A1}" type="slidenum">
               <a:rPr lang="en-US" smtClean="0"/>
               <a:pPr/>
-              <a:t>20</a:t>
+              <a:t>21</a:t>
             </a:fld>
             <a:endParaRPr lang="en-US"/>
           </a:p>
@@ -9522,21 +9623,8 @@
                   <a:schemeClr val="tx1"/>
                 </a:solidFill>
               </a:rPr>
-              <a:t>These were the only operations on configurations used by </a:t>
-            </a:r>
-            <a:r>
-              <a:rPr lang="en-US" dirty="0" smtClean="0">
-                <a:solidFill>
-                  <a:schemeClr val="tx1"/>
-                </a:solidFill>
-              </a:rPr>
-              <a:t>layer 3.</a:t>
-            </a:r>
-            <a:endParaRPr lang="en-US" dirty="0" smtClean="0">
-              <a:solidFill>
-                <a:schemeClr val="tx1"/>
-              </a:solidFill>
-            </a:endParaRPr>
+              <a:t>These were the only operations on configurations used by layer 3.</a:t>
+            </a:r>
           </a:p>
         </p:txBody>
       </p:sp>
@@ -9596,127 +9684,6 @@
 </p:sld>
 </file>
 
-<file path=ppt/slides/slide21.xml><?xml version="1.0" encoding="utf-8"?>
-<p:sld xmlns:a="http://schemas.openxmlformats.org/drawingml/2006/main" xmlns:r="http://schemas.openxmlformats.org/officeDocument/2006/relationships" xmlns:p="http://schemas.openxmlformats.org/presentationml/2006/main">
-  <p:cSld>
-    <p:spTree>
-      <p:nvGrpSpPr>
-        <p:cNvPr id="1" name=""/>
-        <p:cNvGrpSpPr/>
-        <p:nvPr/>
-      </p:nvGrpSpPr>
-      <p:grpSpPr>
-        <a:xfrm>
-          <a:off x="0" y="0"/>
-          <a:ext cx="0" cy="0"/>
-          <a:chOff x="0" y="0"/>
-          <a:chExt cx="0" cy="0"/>
-        </a:xfrm>
-      </p:grpSpPr>
-      <p:sp>
-        <p:nvSpPr>
-          <p:cNvPr id="2" name="Title 1"/>
-          <p:cNvSpPr>
-            <a:spLocks noGrp="1"/>
-          </p:cNvSpPr>
-          <p:nvPr>
-            <p:ph type="title"/>
-          </p:nvPr>
-        </p:nvSpPr>
-        <p:spPr/>
-        <p:txBody>
-          <a:bodyPr/>
-          <a:lstStyle/>
-          <a:p>
-            <a:r>
-              <a:rPr lang="en-US" dirty="0" smtClean="0"/>
-              <a:t>Information-Hiding</a:t>
-            </a:r>
-            <a:endParaRPr lang="en-US" dirty="0"/>
-          </a:p>
-        </p:txBody>
-      </p:sp>
-      <p:sp>
-        <p:nvSpPr>
-          <p:cNvPr id="3" name="Content Placeholder 2"/>
-          <p:cNvSpPr>
-            <a:spLocks noGrp="1"/>
-          </p:cNvSpPr>
-          <p:nvPr>
-            <p:ph idx="1"/>
-          </p:nvPr>
-        </p:nvSpPr>
-        <p:spPr/>
-        <p:txBody>
-          <a:bodyPr>
-            <a:normAutofit lnSpcReduction="10000"/>
-          </a:bodyPr>
-          <a:lstStyle/>
-          <a:p>
-            <a:r>
-              <a:rPr lang="en-US" dirty="0" smtClean="0"/>
-              <a:t>At each level, we could have referred to the implementation details of the lower layers, but we didn't need to.</a:t>
-            </a:r>
-          </a:p>
-          <a:p>
-            <a:r>
-              <a:rPr lang="en-US" dirty="0" smtClean="0"/>
-              <a:t>We only needed to refer to the procedures that manipulated the values in the lower layers.</a:t>
-            </a:r>
-          </a:p>
-          <a:p>
-            <a:r>
-              <a:rPr lang="en-US" dirty="0" smtClean="0"/>
-              <a:t>So when we code the higher layers, we don't need to worry about the details of the lower layers.</a:t>
-            </a:r>
-            <a:endParaRPr lang="en-US" dirty="0"/>
-          </a:p>
-        </p:txBody>
-      </p:sp>
-      <p:sp>
-        <p:nvSpPr>
-          <p:cNvPr id="4" name="Slide Number Placeholder 3"/>
-          <p:cNvSpPr>
-            <a:spLocks noGrp="1"/>
-          </p:cNvSpPr>
-          <p:nvPr>
-            <p:ph type="sldNum" sz="quarter" idx="12"/>
-          </p:nvPr>
-        </p:nvSpPr>
-        <p:spPr/>
-        <p:txBody>
-          <a:bodyPr/>
-          <a:lstStyle/>
-          <a:p>
-            <a:fld id="{9F4492BD-6A9C-48FC-AC76-0B4FE11194A1}" type="slidenum">
-              <a:rPr lang="en-US" smtClean="0"/>
-              <a:pPr/>
-              <a:t>21</a:t>
-            </a:fld>
-            <a:endParaRPr lang="en-US"/>
-          </a:p>
-        </p:txBody>
-      </p:sp>
-    </p:spTree>
-    <p:extLst>
-      <p:ext uri="{BB962C8B-B14F-4D97-AF65-F5344CB8AC3E}">
-        <p14:creationId xmlns:p14="http://schemas.microsoft.com/office/powerpoint/2010/main" val="916666161"/>
-      </p:ext>
-    </p:extLst>
-  </p:cSld>
-  <p:clrMapOvr>
-    <a:masterClrMapping/>
-  </p:clrMapOvr>
-  <p:timing>
-    <p:tnLst>
-      <p:par>
-        <p:cTn id="1" dur="indefinite" restart="never" nodeType="tmRoot"/>
-      </p:par>
-    </p:tnLst>
-  </p:timing>
-</p:sld>
-</file>
-
 <file path=ppt/slides/slide22.xml><?xml version="1.0" encoding="utf-8"?>
 <p:sld xmlns:a="http://schemas.openxmlformats.org/drawingml/2006/main" xmlns:r="http://schemas.openxmlformats.org/officeDocument/2006/relationships" xmlns:p="http://schemas.openxmlformats.org/presentationml/2006/main">
   <p:cSld>
@@ -9751,7 +9718,7 @@
           <a:p>
             <a:r>
               <a:rPr lang="en-US" dirty="0" smtClean="0"/>
-              <a:t>Information-Hiding (2)</a:t>
+              <a:t>Information-Hiding</a:t>
             </a:r>
             <a:endParaRPr lang="en-US" dirty="0"/>
           </a:p>
@@ -9769,81 +9736,27 @@
         </p:nvSpPr>
         <p:spPr/>
         <p:txBody>
-          <a:bodyPr/>
-          <a:lstStyle/>
-          <a:p>
-            <a:r>
-              <a:rPr lang="en-US" dirty="0" smtClean="0"/>
-              <a:t>We could have written </a:t>
-            </a:r>
-            <a:r>
-              <a:rPr lang="en-US" dirty="0" smtClean="0"/>
-              <a:t>3 </a:t>
-            </a:r>
-            <a:r>
-              <a:rPr lang="en-US" dirty="0" smtClean="0"/>
-              <a:t>files: </a:t>
-            </a:r>
-            <a:r>
-              <a:rPr lang="en-US" dirty="0" err="1" smtClean="0"/>
-              <a:t>queens.rkt</a:t>
-            </a:r>
-            <a:r>
-              <a:rPr lang="en-US" dirty="0" smtClean="0"/>
-              <a:t>, </a:t>
-            </a:r>
-            <a:r>
-              <a:rPr lang="en-US" dirty="0" err="1" smtClean="0"/>
-              <a:t>configs.rkt</a:t>
-            </a:r>
-            <a:r>
-              <a:rPr lang="en-US" dirty="0" smtClean="0"/>
-              <a:t>, </a:t>
-            </a:r>
-            <a:r>
-              <a:rPr lang="en-US" dirty="0" smtClean="0"/>
-              <a:t>and </a:t>
-            </a:r>
-            <a:r>
-              <a:rPr lang="en-US" dirty="0" err="1" smtClean="0"/>
-              <a:t>search.rkt</a:t>
-            </a:r>
-            <a:r>
-              <a:rPr lang="en-US" dirty="0" smtClean="0"/>
-              <a:t>, with each file </a:t>
-            </a:r>
-            <a:r>
-              <a:rPr lang="en-US" b="1" dirty="0" smtClean="0"/>
-              <a:t>provide</a:t>
-            </a:r>
-            <a:r>
-              <a:rPr lang="en-US" dirty="0" smtClean="0"/>
-              <a:t>-</a:t>
-            </a:r>
-            <a:r>
-              <a:rPr lang="en-US" dirty="0" err="1" smtClean="0"/>
-              <a:t>ing</a:t>
-            </a:r>
-            <a:r>
-              <a:rPr lang="en-US" dirty="0" smtClean="0"/>
-              <a:t> just those few procedures.</a:t>
-            </a:r>
-          </a:p>
-          <a:p>
-            <a:r>
-              <a:rPr lang="en-US" dirty="0" smtClean="0"/>
-              <a:t>In larger systems this is a must.  It is the major topic of Managing System Design (aka </a:t>
-            </a:r>
-            <a:r>
-              <a:rPr lang="en-US" dirty="0" err="1" smtClean="0"/>
-              <a:t>Bootcamp</a:t>
-            </a:r>
-            <a:r>
-              <a:rPr lang="en-US" dirty="0" smtClean="0"/>
-              <a:t> 2)</a:t>
-            </a:r>
-          </a:p>
-          <a:p>
+          <a:bodyPr>
+            <a:normAutofit lnSpcReduction="10000"/>
+          </a:bodyPr>
+          <a:lstStyle/>
+          <a:p>
+            <a:r>
+              <a:rPr lang="en-US" dirty="0" smtClean="0"/>
+              <a:t>At each level, we could have referred to the implementation details of the lower layers, but we didn't need to.</a:t>
+            </a:r>
+          </a:p>
+          <a:p>
+            <a:r>
+              <a:rPr lang="en-US" dirty="0" smtClean="0"/>
+              <a:t>We only needed to refer to the procedures that manipulated the values in the lower layers.</a:t>
+            </a:r>
+          </a:p>
+          <a:p>
+            <a:r>
+              <a:rPr lang="en-US" dirty="0" smtClean="0"/>
+              <a:t>So when we code the higher layers, we don't need to worry about the details of the lower layers.</a:t>
+            </a:r>
             <a:endParaRPr lang="en-US" dirty="0"/>
           </a:p>
         </p:txBody>
@@ -9875,7 +9788,7 @@
     </p:spTree>
     <p:extLst>
       <p:ext uri="{BB962C8B-B14F-4D97-AF65-F5344CB8AC3E}">
-        <p14:creationId xmlns:p14="http://schemas.microsoft.com/office/powerpoint/2010/main" val="977587419"/>
+        <p14:creationId xmlns:p14="http://schemas.microsoft.com/office/powerpoint/2010/main" val="916666161"/>
       </p:ext>
     </p:extLst>
   </p:cSld>
@@ -9926,7 +9839,7 @@
           <a:p>
             <a:r>
               <a:rPr lang="en-US" dirty="0" smtClean="0"/>
-              <a:t>Information-Hiding (3)</a:t>
+              <a:t>Information-Hiding (2)</a:t>
             </a:r>
             <a:endParaRPr lang="en-US" dirty="0"/>
           </a:p>
@@ -9949,22 +9862,64 @@
           <a:p>
             <a:r>
               <a:rPr lang="en-US" dirty="0" smtClean="0"/>
-              <a:t>These procedures form an </a:t>
-            </a:r>
-            <a:r>
-              <a:rPr lang="en-US" i="1" dirty="0" smtClean="0"/>
-              <a:t>interface </a:t>
-            </a:r>
-            <a:r>
-              <a:rPr lang="en-US" dirty="0" smtClean="0"/>
-              <a:t>to the values in question.</a:t>
-            </a:r>
-          </a:p>
-          <a:p>
-            <a:r>
-              <a:rPr lang="en-US" dirty="0" smtClean="0"/>
-              <a:t>If you continue along this line of analysis, you will be led to objects and classes (next week's topic!).</a:t>
-            </a:r>
+              <a:t>We could have written 3 files: </a:t>
+            </a:r>
+            <a:r>
+              <a:rPr lang="en-US" dirty="0" err="1" smtClean="0"/>
+              <a:t>queens.rkt</a:t>
+            </a:r>
+            <a:r>
+              <a:rPr lang="en-US" dirty="0" smtClean="0"/>
+              <a:t>, </a:t>
+            </a:r>
+            <a:r>
+              <a:rPr lang="en-US" dirty="0" err="1" smtClean="0"/>
+              <a:t>configs.rkt</a:t>
+            </a:r>
+            <a:r>
+              <a:rPr lang="en-US" dirty="0" smtClean="0"/>
+              <a:t>, and </a:t>
+            </a:r>
+            <a:r>
+              <a:rPr lang="en-US" dirty="0" err="1" smtClean="0"/>
+              <a:t>search.rkt</a:t>
+            </a:r>
+            <a:r>
+              <a:rPr lang="en-US" dirty="0" smtClean="0"/>
+              <a:t>, with each file </a:t>
+            </a:r>
+            <a:r>
+              <a:rPr lang="en-US" b="1" dirty="0" smtClean="0"/>
+              <a:t>provide</a:t>
+            </a:r>
+            <a:r>
+              <a:rPr lang="en-US" dirty="0" smtClean="0"/>
+              <a:t>-</a:t>
+            </a:r>
+            <a:r>
+              <a:rPr lang="en-US" dirty="0" err="1" smtClean="0"/>
+              <a:t>ing</a:t>
+            </a:r>
+            <a:r>
+              <a:rPr lang="en-US" dirty="0" smtClean="0"/>
+              <a:t> just those few procedures.</a:t>
+            </a:r>
+          </a:p>
+          <a:p>
+            <a:r>
+              <a:rPr lang="en-US" dirty="0" smtClean="0"/>
+              <a:t>In larger systems this is a must.  It is the major topic of Managing System Design (aka </a:t>
+            </a:r>
+            <a:r>
+              <a:rPr lang="en-US" dirty="0" err="1" smtClean="0"/>
+              <a:t>Bootcamp</a:t>
+            </a:r>
+            <a:r>
+              <a:rPr lang="en-US" dirty="0" smtClean="0"/>
+              <a:t> 2)</a:t>
+            </a:r>
+          </a:p>
+          <a:p>
             <a:endParaRPr lang="en-US" dirty="0"/>
           </a:p>
         </p:txBody>
@@ -9996,7 +9951,7 @@
     </p:spTree>
     <p:extLst>
       <p:ext uri="{BB962C8B-B14F-4D97-AF65-F5344CB8AC3E}">
-        <p14:creationId xmlns:p14="http://schemas.microsoft.com/office/powerpoint/2010/main" val="197731972"/>
+        <p14:creationId xmlns:p14="http://schemas.microsoft.com/office/powerpoint/2010/main" val="977587419"/>
       </p:ext>
     </p:extLst>
   </p:cSld>
@@ -10047,7 +10002,7 @@
           <a:p>
             <a:r>
               <a:rPr lang="en-US" dirty="0" smtClean="0"/>
-              <a:t>Information-Hiding (4)</a:t>
+              <a:t>Information-Hiding (3)</a:t>
             </a:r>
             <a:endParaRPr lang="en-US" dirty="0"/>
           </a:p>
@@ -10070,59 +10025,21 @@
           <a:p>
             <a:r>
               <a:rPr lang="en-US" dirty="0" smtClean="0"/>
-              <a:t>You use information-hiding every day.</a:t>
-            </a:r>
-          </a:p>
-          <a:p>
-            <a:r>
-              <a:rPr lang="en-US" dirty="0" smtClean="0"/>
-              <a:t>Example: do you know how Racket </a:t>
+              <a:t>These procedures form an </a:t>
             </a:r>
             <a:r>
               <a:rPr lang="en-US" i="1" dirty="0" smtClean="0"/>
-              <a:t>really</a:t>
-            </a:r>
-            <a:r>
-              <a:rPr lang="en-US" dirty="0" smtClean="0"/>
-              <a:t> represents numbers?  Do you care? </a:t>
-            </a:r>
-            <a:r>
-              <a:rPr lang="en-US" dirty="0" err="1" smtClean="0"/>
-              <a:t>Ans</a:t>
-            </a:r>
-            <a:r>
-              <a:rPr lang="en-US" dirty="0" smtClean="0"/>
-              <a:t>: No, so long as the arithmetic functions give the right answer.</a:t>
-            </a:r>
-          </a:p>
-          <a:p>
-            <a:r>
-              <a:rPr lang="en-US" dirty="0" smtClean="0"/>
-              <a:t>Similarly for file system, </a:t>
-            </a:r>
-            <a:r>
-              <a:rPr lang="en-US" dirty="0" err="1" smtClean="0"/>
-              <a:t>etc</a:t>
-            </a:r>
-            <a:r>
-              <a:rPr lang="en-US" dirty="0" smtClean="0"/>
-              <a:t>: so long as </a:t>
-            </a:r>
-            <a:r>
-              <a:rPr lang="en-US" b="1" dirty="0" err="1" smtClean="0"/>
-              <a:t>fopen</a:t>
-            </a:r>
-            <a:r>
-              <a:rPr lang="en-US" dirty="0" smtClean="0"/>
-              <a:t>, </a:t>
-            </a:r>
-            <a:r>
-              <a:rPr lang="en-US" b="1" dirty="0" err="1" smtClean="0"/>
-              <a:t>fclose</a:t>
-            </a:r>
-            <a:r>
-              <a:rPr lang="en-US" dirty="0" smtClean="0"/>
-              <a:t>, etc. do the right thing, you don't care how files are actually implemented. </a:t>
+              <a:t>interface </a:t>
+            </a:r>
+            <a:r>
+              <a:rPr lang="en-US" dirty="0" smtClean="0"/>
+              <a:t>to the values in question.</a:t>
+            </a:r>
+          </a:p>
+          <a:p>
+            <a:r>
+              <a:rPr lang="en-US" dirty="0" smtClean="0"/>
+              <a:t>If you continue along this line of analysis, you will be led to objects and classes (next week's topic!).</a:t>
             </a:r>
             <a:endParaRPr lang="en-US" dirty="0"/>
           </a:p>
@@ -10130,7 +10047,7 @@
       </p:sp>
       <p:sp>
         <p:nvSpPr>
-          <p:cNvPr id="5" name="Slide Number Placeholder 4"/>
+          <p:cNvPr id="4" name="Slide Number Placeholder 3"/>
           <p:cNvSpPr>
             <a:spLocks noGrp="1"/>
           </p:cNvSpPr>
@@ -10152,67 +10069,10 @@
           </a:p>
         </p:txBody>
       </p:sp>
-      <p:sp>
-        <p:nvSpPr>
-          <p:cNvPr id="4" name="Rectangle 3"/>
-          <p:cNvSpPr/>
-          <p:nvPr/>
-        </p:nvSpPr>
-        <p:spPr>
-          <a:xfrm>
-            <a:off x="7086600" y="5334000"/>
-            <a:ext cx="1676400" cy="914400"/>
-          </a:xfrm>
-          <a:prstGeom prst="rect">
-            <a:avLst/>
-          </a:prstGeom>
-          <a:solidFill>
-            <a:schemeClr val="accent3">
-              <a:lumMod val="40000"/>
-              <a:lumOff val="60000"/>
-            </a:schemeClr>
-          </a:solidFill>
-          <a:ln/>
-        </p:spPr>
-        <p:style>
-          <a:lnRef idx="2">
-            <a:schemeClr val="accent1"/>
-          </a:lnRef>
-          <a:fillRef idx="1">
-            <a:schemeClr val="lt1"/>
-          </a:fillRef>
-          <a:effectRef idx="0">
-            <a:schemeClr val="accent1"/>
-          </a:effectRef>
-          <a:fontRef idx="minor">
-            <a:schemeClr val="dk1"/>
-          </a:fontRef>
-        </p:style>
-        <p:txBody>
-          <a:bodyPr rot="0" spcFirstLastPara="0" vertOverflow="overflow" horzOverflow="overflow" vert="horz" wrap="square" lIns="91440" tIns="45720" rIns="91440" bIns="45720" numCol="1" spcCol="0" rtlCol="0" fromWordArt="0" anchor="ctr" anchorCtr="0" forceAA="0" compatLnSpc="1">
-            <a:prstTxWarp prst="textNoShape">
-              <a:avLst/>
-            </a:prstTxWarp>
-            <a:noAutofit/>
-          </a:bodyPr>
-          <a:lstStyle/>
-          <a:p>
-            <a:pPr algn="ctr"/>
-            <a:r>
-              <a:rPr lang="en-US" dirty="0" smtClean="0">
-                <a:solidFill>
-                  <a:schemeClr val="tx1"/>
-                </a:solidFill>
-              </a:rPr>
-              <a:t>Except for performance, of course.</a:t>
-            </a:r>
-          </a:p>
-        </p:txBody>
-      </p:sp>
     </p:spTree>
     <p:extLst>
       <p:ext uri="{BB962C8B-B14F-4D97-AF65-F5344CB8AC3E}">
-        <p14:creationId xmlns:p14="http://schemas.microsoft.com/office/powerpoint/2010/main" val="4210869013"/>
+        <p14:creationId xmlns:p14="http://schemas.microsoft.com/office/powerpoint/2010/main" val="197731972"/>
       </p:ext>
     </p:extLst>
   </p:cSld>
@@ -10263,7 +10123,7 @@
           <a:p>
             <a:r>
               <a:rPr lang="en-US" dirty="0" smtClean="0"/>
-              <a:t>Summary</a:t>
+              <a:t>Information-Hiding (4)</a:t>
             </a:r>
             <a:endParaRPr lang="en-US" dirty="0"/>
           </a:p>
@@ -10271,7 +10131,7 @@
       </p:sp>
       <p:sp>
         <p:nvSpPr>
-          <p:cNvPr id="6" name="Content Placeholder 5"/>
+          <p:cNvPr id="3" name="Content Placeholder 2"/>
           <p:cNvSpPr>
             <a:spLocks noGrp="1"/>
           </p:cNvSpPr>
@@ -10281,71 +10141,72 @@
         </p:nvSpPr>
         <p:spPr/>
         <p:txBody>
-          <a:bodyPr>
-            <a:normAutofit lnSpcReduction="10000"/>
-          </a:bodyPr>
-          <a:lstStyle/>
-          <a:p>
-            <a:r>
-              <a:rPr lang="en-US" dirty="0"/>
-              <a:t>In this lesson, </a:t>
-            </a:r>
-            <a:r>
-              <a:rPr lang="en-US" dirty="0" smtClean="0"/>
-              <a:t>we wrote a solution to the n-queens problem.</a:t>
-            </a:r>
-            <a:endParaRPr lang="en-US" dirty="0" smtClean="0"/>
-          </a:p>
-          <a:p>
-            <a:pPr lvl="1"/>
-            <a:r>
-              <a:rPr lang="en-US" dirty="0" smtClean="0"/>
-              <a:t>we used generative recursion</a:t>
-            </a:r>
-            <a:endParaRPr lang="en-US" dirty="0" smtClean="0"/>
-          </a:p>
-          <a:p>
-            <a:pPr lvl="1"/>
-            <a:r>
-              <a:rPr lang="en-US" dirty="0" smtClean="0"/>
-              <a:t>with a list of </a:t>
+          <a:bodyPr/>
+          <a:lstStyle/>
+          <a:p>
+            <a:r>
+              <a:rPr lang="en-US" dirty="0" smtClean="0"/>
+              <a:t>You use information-hiding every day.</a:t>
+            </a:r>
+          </a:p>
+          <a:p>
+            <a:r>
+              <a:rPr lang="en-US" dirty="0" smtClean="0"/>
+              <a:t>Example: do you know how Racket </a:t>
+            </a:r>
+            <a:r>
+              <a:rPr lang="en-US" i="1" dirty="0" smtClean="0"/>
+              <a:t>really</a:t>
+            </a:r>
+            <a:r>
+              <a:rPr lang="en-US" dirty="0" smtClean="0"/>
+              <a:t> represents numbers?  Do you care? </a:t>
             </a:r>
             <a:r>
               <a:rPr lang="en-US" dirty="0" err="1" smtClean="0"/>
-              <a:t>subproblems</a:t>
-            </a:r>
-            <a:r>
-              <a:rPr lang="en-US" dirty="0" smtClean="0"/>
-              <a:t>.</a:t>
+              <a:t>Ans</a:t>
+            </a:r>
+            <a:r>
+              <a:rPr lang="en-US" dirty="0" smtClean="0"/>
+              <a:t>: No, so long as the arithmetic functions give the right answer.</a:t>
+            </a:r>
+          </a:p>
+          <a:p>
+            <a:r>
+              <a:rPr lang="en-US" dirty="0" smtClean="0"/>
+              <a:t>Similarly for file system, </a:t>
+            </a:r>
+            <a:r>
+              <a:rPr lang="en-US" dirty="0" err="1" smtClean="0"/>
+              <a:t>etc</a:t>
+            </a:r>
+            <a:r>
+              <a:rPr lang="en-US" dirty="0" smtClean="0"/>
+              <a:t>: so long as </a:t>
+            </a:r>
+            <a:r>
+              <a:rPr lang="en-US" b="1" dirty="0" err="1" smtClean="0"/>
+              <a:t>fopen</a:t>
+            </a:r>
+            <a:r>
+              <a:rPr lang="en-US" dirty="0" smtClean="0"/>
+              <a:t>, </a:t>
+            </a:r>
+            <a:r>
+              <a:rPr lang="en-US" b="1" dirty="0" err="1" smtClean="0"/>
+              <a:t>fclose</a:t>
+            </a:r>
+            <a:r>
+              <a:rPr lang="en-US" dirty="0" smtClean="0"/>
+              <a:t>, etc. do the right thing, you don't care how files are actually implemented. </a:t>
             </a:r>
             <a:endParaRPr lang="en-US" dirty="0"/>
           </a:p>
-          <a:p>
-            <a:r>
-              <a:rPr lang="en-US" dirty="0" smtClean="0"/>
-              <a:t>We constructed our solution in layers</a:t>
-            </a:r>
-          </a:p>
-          <a:p>
-            <a:pPr lvl="1"/>
-            <a:r>
-              <a:rPr lang="en-US" dirty="0" smtClean="0"/>
-              <a:t>At each layer, we got to forget about the details of the layers below</a:t>
-            </a:r>
-          </a:p>
-          <a:p>
-            <a:pPr lvl="1"/>
-            <a:r>
-              <a:rPr lang="en-US" dirty="0" smtClean="0"/>
-              <a:t>This enables us to control complexity: to solve our problem while juggling less stuff in our brains.</a:t>
-            </a:r>
-            <a:endParaRPr lang="en-US" dirty="0"/>
-          </a:p>
-        </p:txBody>
-      </p:sp>
-      <p:sp>
-        <p:nvSpPr>
-          <p:cNvPr id="3" name="Slide Number Placeholder 2"/>
+        </p:txBody>
+      </p:sp>
+      <p:sp>
+        <p:nvSpPr>
+          <p:cNvPr id="5" name="Slide Number Placeholder 4"/>
           <p:cNvSpPr>
             <a:spLocks noGrp="1"/>
           </p:cNvSpPr>
@@ -10367,10 +10228,67 @@
           </a:p>
         </p:txBody>
       </p:sp>
+      <p:sp>
+        <p:nvSpPr>
+          <p:cNvPr id="4" name="Rectangle 3"/>
+          <p:cNvSpPr/>
+          <p:nvPr/>
+        </p:nvSpPr>
+        <p:spPr>
+          <a:xfrm>
+            <a:off x="7086600" y="5334000"/>
+            <a:ext cx="1676400" cy="914400"/>
+          </a:xfrm>
+          <a:prstGeom prst="rect">
+            <a:avLst/>
+          </a:prstGeom>
+          <a:solidFill>
+            <a:schemeClr val="accent3">
+              <a:lumMod val="40000"/>
+              <a:lumOff val="60000"/>
+            </a:schemeClr>
+          </a:solidFill>
+          <a:ln/>
+        </p:spPr>
+        <p:style>
+          <a:lnRef idx="2">
+            <a:schemeClr val="accent1"/>
+          </a:lnRef>
+          <a:fillRef idx="1">
+            <a:schemeClr val="lt1"/>
+          </a:fillRef>
+          <a:effectRef idx="0">
+            <a:schemeClr val="accent1"/>
+          </a:effectRef>
+          <a:fontRef idx="minor">
+            <a:schemeClr val="dk1"/>
+          </a:fontRef>
+        </p:style>
+        <p:txBody>
+          <a:bodyPr rot="0" spcFirstLastPara="0" vertOverflow="overflow" horzOverflow="overflow" vert="horz" wrap="square" lIns="91440" tIns="45720" rIns="91440" bIns="45720" numCol="1" spcCol="0" rtlCol="0" fromWordArt="0" anchor="ctr" anchorCtr="0" forceAA="0" compatLnSpc="1">
+            <a:prstTxWarp prst="textNoShape">
+              <a:avLst/>
+            </a:prstTxWarp>
+            <a:noAutofit/>
+          </a:bodyPr>
+          <a:lstStyle/>
+          <a:p>
+            <a:pPr algn="ctr"/>
+            <a:r>
+              <a:rPr lang="en-US" dirty="0" smtClean="0">
+                <a:solidFill>
+                  <a:schemeClr val="tx1"/>
+                </a:solidFill>
+              </a:rPr>
+              <a:t>Except for performance, of course.</a:t>
+            </a:r>
+          </a:p>
+        </p:txBody>
+      </p:sp>
     </p:spTree>
     <p:extLst>
       <p:ext uri="{BB962C8B-B14F-4D97-AF65-F5344CB8AC3E}">
-        <p14:creationId xmlns:p14="http://schemas.microsoft.com/office/powerpoint/2010/main" val="1622397816"/>
+        <p14:creationId xmlns:p14="http://schemas.microsoft.com/office/powerpoint/2010/main" val="4210869013"/>
       </p:ext>
     </p:extLst>
   </p:cSld>
@@ -10421,7 +10339,7 @@
           <a:p>
             <a:r>
               <a:rPr lang="en-US" dirty="0" smtClean="0"/>
-              <a:t>Next Steps</a:t>
+              <a:t>Summary</a:t>
             </a:r>
             <a:endParaRPr lang="en-US" dirty="0"/>
           </a:p>
@@ -10429,7 +10347,7 @@
       </p:sp>
       <p:sp>
         <p:nvSpPr>
-          <p:cNvPr id="3" name="Content Placeholder 2"/>
+          <p:cNvPr id="6" name="Content Placeholder 5"/>
           <p:cNvSpPr>
             <a:spLocks noGrp="1"/>
           </p:cNvSpPr>
@@ -10439,37 +10357,69 @@
         </p:nvSpPr>
         <p:spPr/>
         <p:txBody>
-          <a:bodyPr/>
-          <a:lstStyle/>
-          <a:p>
-            <a:r>
-              <a:rPr lang="en-US" dirty="0" smtClean="0"/>
-              <a:t>If you have questions about this lesson, ask them on the Discussion Board</a:t>
-            </a:r>
-          </a:p>
-          <a:p>
-            <a:r>
-              <a:rPr lang="en-US" dirty="0" smtClean="0"/>
-              <a:t>Do Guided Practice </a:t>
-            </a:r>
-            <a:r>
-              <a:rPr lang="en-US" dirty="0" smtClean="0"/>
-              <a:t>9.2XXX </a:t>
-            </a:r>
-            <a:endParaRPr lang="en-US" dirty="0" smtClean="0"/>
-          </a:p>
-          <a:p>
-            <a:r>
-              <a:rPr lang="en-US" dirty="0" smtClean="0"/>
-              <a:t>Go on to the next lesson</a:t>
+          <a:bodyPr>
+            <a:normAutofit lnSpcReduction="10000"/>
+          </a:bodyPr>
+          <a:lstStyle/>
+          <a:p>
+            <a:r>
+              <a:rPr lang="en-US" dirty="0"/>
+              <a:t>In this lesson, </a:t>
+            </a:r>
+            <a:r>
+              <a:rPr lang="en-US" dirty="0" smtClean="0"/>
+              <a:t>we wrote a solution to the n-queens problem.</a:t>
+            </a:r>
+          </a:p>
+          <a:p>
+            <a:pPr lvl="1"/>
+            <a:r>
+              <a:rPr lang="en-US" dirty="0" smtClean="0"/>
+              <a:t>we used generative recursion</a:t>
+            </a:r>
+          </a:p>
+          <a:p>
+            <a:pPr lvl="1"/>
+            <a:r>
+              <a:rPr lang="en-US" dirty="0" smtClean="0"/>
+              <a:t>with a list of </a:t>
+            </a:r>
+            <a:r>
+              <a:rPr lang="en-US" dirty="0" err="1" smtClean="0"/>
+              <a:t>subproblems</a:t>
+            </a:r>
+            <a:r>
+              <a:rPr lang="en-US" dirty="0" smtClean="0"/>
+              <a:t>.</a:t>
             </a:r>
             <a:endParaRPr lang="en-US" dirty="0"/>
           </a:p>
-        </p:txBody>
-      </p:sp>
-      <p:sp>
-        <p:nvSpPr>
-          <p:cNvPr id="4" name="Slide Number Placeholder 3"/>
+          <a:p>
+            <a:r>
+              <a:rPr lang="en-US" dirty="0" smtClean="0"/>
+              <a:t>We constructed our solution in layers</a:t>
+            </a:r>
+          </a:p>
+          <a:p>
+            <a:pPr lvl="1"/>
+            <a:r>
+              <a:rPr lang="en-US" dirty="0" smtClean="0"/>
+              <a:t>At each layer, we got to forget about the details of the layers below</a:t>
+            </a:r>
+          </a:p>
+          <a:p>
+            <a:pPr lvl="1"/>
+            <a:r>
+              <a:rPr lang="en-US" dirty="0" smtClean="0"/>
+              <a:t>This enables us to control complexity: to solve our problem while juggling less stuff in our brains.</a:t>
+            </a:r>
+            <a:endParaRPr lang="en-US" dirty="0"/>
+          </a:p>
+        </p:txBody>
+      </p:sp>
+      <p:sp>
+        <p:nvSpPr>
+          <p:cNvPr id="3" name="Slide Number Placeholder 2"/>
           <p:cNvSpPr>
             <a:spLocks noGrp="1"/>
           </p:cNvSpPr>
@@ -10486,6 +10436,125 @@
               <a:rPr lang="en-US" smtClean="0"/>
               <a:pPr/>
               <a:t>26</a:t>
+            </a:fld>
+            <a:endParaRPr lang="en-US"/>
+          </a:p>
+        </p:txBody>
+      </p:sp>
+    </p:spTree>
+    <p:extLst>
+      <p:ext uri="{BB962C8B-B14F-4D97-AF65-F5344CB8AC3E}">
+        <p14:creationId xmlns:p14="http://schemas.microsoft.com/office/powerpoint/2010/main" val="1622397816"/>
+      </p:ext>
+    </p:extLst>
+  </p:cSld>
+  <p:clrMapOvr>
+    <a:masterClrMapping/>
+  </p:clrMapOvr>
+  <p:timing>
+    <p:tnLst>
+      <p:par>
+        <p:cTn id="1" dur="indefinite" restart="never" nodeType="tmRoot"/>
+      </p:par>
+    </p:tnLst>
+  </p:timing>
+</p:sld>
+</file>
+
+<file path=ppt/slides/slide27.xml><?xml version="1.0" encoding="utf-8"?>
+<p:sld xmlns:a="http://schemas.openxmlformats.org/drawingml/2006/main" xmlns:r="http://schemas.openxmlformats.org/officeDocument/2006/relationships" xmlns:p="http://schemas.openxmlformats.org/presentationml/2006/main">
+  <p:cSld>
+    <p:spTree>
+      <p:nvGrpSpPr>
+        <p:cNvPr id="1" name=""/>
+        <p:cNvGrpSpPr/>
+        <p:nvPr/>
+      </p:nvGrpSpPr>
+      <p:grpSpPr>
+        <a:xfrm>
+          <a:off x="0" y="0"/>
+          <a:ext cx="0" cy="0"/>
+          <a:chOff x="0" y="0"/>
+          <a:chExt cx="0" cy="0"/>
+        </a:xfrm>
+      </p:grpSpPr>
+      <p:sp>
+        <p:nvSpPr>
+          <p:cNvPr id="2" name="Title 1"/>
+          <p:cNvSpPr>
+            <a:spLocks noGrp="1"/>
+          </p:cNvSpPr>
+          <p:nvPr>
+            <p:ph type="title"/>
+          </p:nvPr>
+        </p:nvSpPr>
+        <p:spPr/>
+        <p:txBody>
+          <a:bodyPr/>
+          <a:lstStyle/>
+          <a:p>
+            <a:r>
+              <a:rPr lang="en-US" dirty="0" smtClean="0"/>
+              <a:t>Next Steps</a:t>
+            </a:r>
+            <a:endParaRPr lang="en-US" dirty="0"/>
+          </a:p>
+        </p:txBody>
+      </p:sp>
+      <p:sp>
+        <p:nvSpPr>
+          <p:cNvPr id="3" name="Content Placeholder 2"/>
+          <p:cNvSpPr>
+            <a:spLocks noGrp="1"/>
+          </p:cNvSpPr>
+          <p:nvPr>
+            <p:ph idx="1"/>
+          </p:nvPr>
+        </p:nvSpPr>
+        <p:spPr/>
+        <p:txBody>
+          <a:bodyPr/>
+          <a:lstStyle/>
+          <a:p>
+            <a:r>
+              <a:rPr lang="en-US" dirty="0" smtClean="0"/>
+              <a:t>If you have questions about this lesson, ask them on the Discussion Board</a:t>
+            </a:r>
+          </a:p>
+          <a:p>
+            <a:r>
+              <a:rPr lang="en-US" dirty="0" smtClean="0"/>
+              <a:t>Do Guided Practice 9.2XXX </a:t>
+            </a:r>
+          </a:p>
+          <a:p>
+            <a:r>
+              <a:rPr lang="en-US" dirty="0" smtClean="0"/>
+              <a:t>Go on to the next lesson</a:t>
+            </a:r>
+            <a:endParaRPr lang="en-US" dirty="0"/>
+          </a:p>
+        </p:txBody>
+      </p:sp>
+      <p:sp>
+        <p:nvSpPr>
+          <p:cNvPr id="4" name="Slide Number Placeholder 3"/>
+          <p:cNvSpPr>
+            <a:spLocks noGrp="1"/>
+          </p:cNvSpPr>
+          <p:nvPr>
+            <p:ph type="sldNum" sz="quarter" idx="12"/>
+          </p:nvPr>
+        </p:nvSpPr>
+        <p:spPr/>
+        <p:txBody>
+          <a:bodyPr/>
+          <a:lstStyle/>
+          <a:p>
+            <a:fld id="{9F4492BD-6A9C-48FC-AC76-0B4FE11194A1}" type="slidenum">
+              <a:rPr lang="en-US" smtClean="0"/>
+              <a:pPr/>
+              <a:t>27</a:t>
             </a:fld>
             <a:endParaRPr lang="en-US"/>
           </a:p>
@@ -11794,27 +11863,14 @@
           <a:p>
             <a:r>
               <a:rPr lang="en-US" dirty="0" smtClean="0"/>
-              <a:t>Define a </a:t>
-            </a:r>
-            <a:r>
-              <a:rPr lang="en-US" dirty="0" smtClean="0"/>
-              <a:t>legal configuration </a:t>
-            </a:r>
-            <a:r>
-              <a:rPr lang="en-US" dirty="0" smtClean="0"/>
-              <a:t>to be a set of queens on squares that can't attack each other.</a:t>
-            </a:r>
-          </a:p>
-          <a:p>
-            <a:r>
-              <a:rPr lang="en-US" dirty="0" smtClean="0"/>
-              <a:t>Since no two queens can occupy the same row, we'll </a:t>
-            </a:r>
-            <a:r>
-              <a:rPr lang="en-US" dirty="0" smtClean="0"/>
-              <a:t>only represent legal configurations of the form</a:t>
-            </a:r>
-            <a:endParaRPr lang="en-US" dirty="0" smtClean="0"/>
+              <a:t>Define a legal configuration to be a set of queens on squares that can't attack each other.</a:t>
+            </a:r>
+          </a:p>
+          <a:p>
+            <a:r>
+              <a:rPr lang="en-US" dirty="0" smtClean="0"/>
+              <a:t>Since no two queens can occupy the same row, we'll only represent legal configurations of the form</a:t>
+            </a:r>
           </a:p>
           <a:p>
             <a:pPr marL="0" indent="0" algn="ctr">
@@ -11822,11 +11878,7 @@
             </a:pPr>
             <a:r>
               <a:rPr lang="en-US" dirty="0" smtClean="0"/>
-              <a:t>{(</a:t>
-            </a:r>
-            <a:r>
-              <a:rPr lang="en-US" dirty="0" smtClean="0"/>
-              <a:t>1,c1), ..., (k, </a:t>
+              <a:t>{(1,c1), ..., (k, </a:t>
             </a:r>
             <a:r>
               <a:rPr lang="en-US" dirty="0" err="1" smtClean="0"/>
@@ -11843,11 +11895,7 @@
             </a:pPr>
             <a:r>
               <a:rPr lang="en-US" dirty="0" smtClean="0"/>
-              <a:t>for some k</a:t>
-            </a:r>
-            <a:r>
-              <a:rPr lang="en-US" dirty="0" smtClean="0"/>
-              <a:t>.</a:t>
+              <a:t>for some k.</a:t>
             </a:r>
           </a:p>
           <a:p>

--- a/Slides/Lesson 8.7 The 8-Queens Problem.pptx
+++ b/Slides/Lesson 8.7 The 8-Queens Problem.pptx
@@ -251,7 +251,7 @@
             <a:fld id="{CF8F25F6-E1EF-4065-8525-42EDEBD9BD22}" type="datetimeFigureOut">
               <a:rPr lang="en-US" smtClean="0"/>
               <a:pPr/>
-              <a:t>10/8/2015</a:t>
+              <a:t>10/19/2015</a:t>
             </a:fld>
             <a:endParaRPr lang="en-US"/>
           </a:p>
@@ -790,7 +790,7 @@
           <a:p>
             <a:fld id="{2F1F79F5-7BEC-496A-AFC7-876E38F64D71}" type="datetime1">
               <a:rPr lang="en-US" smtClean="0"/>
-              <a:t>10/8/2015</a:t>
+              <a:t>10/19/2015</a:t>
             </a:fld>
             <a:endParaRPr lang="en-US"/>
           </a:p>
@@ -892,7 +892,7 @@
           <a:p>
             <a:fld id="{0A05703A-7669-4FEA-9056-25299B4D29D4}" type="datetime1">
               <a:rPr lang="en-US" smtClean="0"/>
-              <a:t>10/8/2015</a:t>
+              <a:t>10/19/2015</a:t>
             </a:fld>
             <a:endParaRPr lang="en-US"/>
           </a:p>
@@ -1169,7 +1169,7 @@
           <a:p>
             <a:fld id="{6E5077B5-BB57-49DB-88CA-226A139E5C01}" type="datetime1">
               <a:rPr lang="en-US" smtClean="0"/>
-              <a:t>10/8/2015</a:t>
+              <a:t>10/19/2015</a:t>
             </a:fld>
             <a:endParaRPr lang="en-US"/>
           </a:p>
@@ -1422,7 +1422,7 @@
           <a:p>
             <a:fld id="{C48D9447-CBD6-49A1-89FD-8512A8CF8999}" type="datetime1">
               <a:rPr lang="en-US" smtClean="0"/>
-              <a:t>10/8/2015</a:t>
+              <a:t>10/19/2015</a:t>
             </a:fld>
             <a:endParaRPr lang="en-US"/>
           </a:p>
@@ -1592,7 +1592,7 @@
           <a:p>
             <a:fld id="{A3639A2A-823D-48B7-9ACE-7FAF42870BA9}" type="datetime1">
               <a:rPr lang="en-US" smtClean="0"/>
-              <a:t>10/8/2015</a:t>
+              <a:t>10/19/2015</a:t>
             </a:fld>
             <a:endParaRPr lang="en-US"/>
           </a:p>
@@ -1772,7 +1772,7 @@
           <a:p>
             <a:fld id="{ED1B6996-82E9-463C-972C-7B56056E426C}" type="datetime1">
               <a:rPr lang="en-US" smtClean="0"/>
-              <a:t>10/8/2015</a:t>
+              <a:t>10/19/2015</a:t>
             </a:fld>
             <a:endParaRPr lang="en-US"/>
           </a:p>
@@ -1948,7 +1948,7 @@
           <a:p>
             <a:fld id="{E22ED4DA-448D-4BB1-B935-CC112220207B}" type="datetime1">
               <a:rPr lang="en-US" smtClean="0"/>
-              <a:t>10/8/2015</a:t>
+              <a:t>10/19/2015</a:t>
             </a:fld>
             <a:endParaRPr lang="en-US"/>
           </a:p>
@@ -2130,7 +2130,7 @@
           <a:p>
             <a:fld id="{E22ED4DA-448D-4BB1-B935-CC112220207B}" type="datetime1">
               <a:rPr lang="en-US" smtClean="0"/>
-              <a:t>10/8/2015</a:t>
+              <a:t>10/19/2015</a:t>
             </a:fld>
             <a:endParaRPr lang="en-US"/>
           </a:p>
@@ -2399,7 +2399,7 @@
           <a:p>
             <a:fld id="{FF5D65A6-AB94-4435-B0B7-3743215FA46C}" type="datetime1">
               <a:rPr lang="en-US" smtClean="0"/>
-              <a:t>10/8/2015</a:t>
+              <a:t>10/19/2015</a:t>
             </a:fld>
             <a:endParaRPr lang="en-US"/>
           </a:p>
@@ -2584,7 +2584,7 @@
           <a:p>
             <a:fld id="{FF5D65A6-AB94-4435-B0B7-3743215FA46C}" type="datetime1">
               <a:rPr lang="en-US" smtClean="0"/>
-              <a:t>10/8/2015</a:t>
+              <a:t>10/19/2015</a:t>
             </a:fld>
             <a:endParaRPr lang="en-US"/>
           </a:p>
@@ -2886,7 +2886,7 @@
           <a:p>
             <a:fld id="{7C193DC4-6EF0-48C9-B29C-616106A645E1}" type="datetime1">
               <a:rPr lang="en-US" smtClean="0"/>
-              <a:t>10/8/2015</a:t>
+              <a:t>10/19/2015</a:t>
             </a:fld>
             <a:endParaRPr lang="en-US"/>
           </a:p>
@@ -3174,7 +3174,7 @@
           <a:p>
             <a:fld id="{5D1846AD-9252-4647-9435-4C2AC365653A}" type="datetime1">
               <a:rPr lang="en-US" smtClean="0"/>
-              <a:t>10/8/2015</a:t>
+              <a:t>10/19/2015</a:t>
             </a:fld>
             <a:endParaRPr lang="en-US"/>
           </a:p>
@@ -3596,7 +3596,7 @@
           <a:p>
             <a:fld id="{CE56DC10-3561-4063-A6AF-C1CC7A41040A}" type="datetime1">
               <a:rPr lang="en-US" smtClean="0"/>
-              <a:t>10/8/2015</a:t>
+              <a:t>10/19/2015</a:t>
             </a:fld>
             <a:endParaRPr lang="en-US"/>
           </a:p>
@@ -3714,7 +3714,7 @@
           <a:p>
             <a:fld id="{2F7B77F5-1464-4F6B-92A8-64FC8A508293}" type="datetime1">
               <a:rPr lang="en-US" smtClean="0"/>
-              <a:t>10/8/2015</a:t>
+              <a:t>10/19/2015</a:t>
             </a:fld>
             <a:endParaRPr lang="en-US"/>
           </a:p>
@@ -3946,7 +3946,7 @@
           <a:p>
             <a:fld id="{02B3F677-983B-48DB-ADFD-63FE6CBC7FB2}" type="datetime1">
               <a:rPr lang="en-US" smtClean="0"/>
-              <a:t>10/8/2015</a:t>
+              <a:t>10/19/2015</a:t>
             </a:fld>
             <a:endParaRPr lang="en-US"/>
           </a:p>
@@ -5311,15 +5311,7 @@
                   <a:schemeClr val="tx1"/>
                 </a:solidFill>
               </a:rPr>
-              <a:t>It turns out to be useful to separate out legal-to-add-queen? </a:t>
-            </a:r>
-            <a:r>
-              <a:rPr lang="en-US" dirty="0" smtClean="0">
-                <a:solidFill>
-                  <a:schemeClr val="tx1"/>
-                </a:solidFill>
-              </a:rPr>
-              <a:t>as a separate function.</a:t>
+              <a:t>It turns out to be useful to separate out legal-to-add-queen? as a separate function.</a:t>
             </a:r>
             <a:endParaRPr lang="en-US" dirty="0">
               <a:solidFill>
@@ -9218,15 +9210,7 @@
           <a:p>
             <a:r>
               <a:rPr lang="en-US" dirty="0" smtClean="0"/>
-              <a:t>We designed our system in </a:t>
-            </a:r>
-            <a:r>
-              <a:rPr lang="en-US" dirty="0" smtClean="0"/>
-              <a:t>3 </a:t>
-            </a:r>
-            <a:r>
-              <a:rPr lang="en-US" dirty="0" smtClean="0"/>
-              <a:t>layers:</a:t>
+              <a:t>We designed our system in 3 layers:</a:t>
             </a:r>
           </a:p>
           <a:p>
@@ -9298,17 +9282,12 @@
             </a:r>
             <a:r>
               <a:rPr lang="en-US" dirty="0" smtClean="0"/>
-              <a:t>, </a:t>
-            </a:r>
-            <a:r>
-              <a:rPr lang="en-US" dirty="0" smtClean="0"/>
-              <a:t>and </a:t>
+              <a:t>, and </a:t>
             </a:r>
             <a:r>
               <a:rPr lang="en-US" b="1" dirty="0" smtClean="0"/>
               <a:t>place-queen.</a:t>
             </a:r>
-            <a:endParaRPr lang="en-US" b="1" dirty="0" smtClean="0"/>
           </a:p>
           <a:p>
             <a:pPr marL="971550" lvl="1" indent="-514350">
@@ -9317,19 +9296,7 @@
             </a:pPr>
             <a:r>
               <a:rPr lang="en-US" dirty="0" smtClean="0"/>
-              <a:t>Search</a:t>
-            </a:r>
-            <a:r>
-              <a:rPr lang="en-US" dirty="0" smtClean="0"/>
-              <a:t>.  This was the </a:t>
-            </a:r>
-            <a:r>
-              <a:rPr lang="en-US" dirty="0" smtClean="0"/>
-              <a:t>main </a:t>
-            </a:r>
-            <a:r>
-              <a:rPr lang="en-US" dirty="0" smtClean="0"/>
-              <a:t>function </a:t>
+              <a:t>Search.  This was the main function </a:t>
             </a:r>
             <a:r>
               <a:rPr lang="en-US" b="1" dirty="0" smtClean="0"/>
@@ -9522,21 +9489,8 @@
                   <a:schemeClr val="tx1"/>
                 </a:solidFill>
               </a:rPr>
-              <a:t>These were the only operations on configurations used by </a:t>
-            </a:r>
-            <a:r>
-              <a:rPr lang="en-US" dirty="0" smtClean="0">
-                <a:solidFill>
-                  <a:schemeClr val="tx1"/>
-                </a:solidFill>
-              </a:rPr>
-              <a:t>layer 3.</a:t>
-            </a:r>
-            <a:endParaRPr lang="en-US" dirty="0" smtClean="0">
-              <a:solidFill>
-                <a:schemeClr val="tx1"/>
-              </a:solidFill>
-            </a:endParaRPr>
+              <a:t>These were the only operations on configurations used by layer 3.</a:t>
+            </a:r>
           </a:p>
         </p:txBody>
       </p:sp>
@@ -9774,15 +9728,7 @@
           <a:p>
             <a:r>
               <a:rPr lang="en-US" dirty="0" smtClean="0"/>
-              <a:t>We could have written </a:t>
-            </a:r>
-            <a:r>
-              <a:rPr lang="en-US" dirty="0" smtClean="0"/>
-              <a:t>3 </a:t>
-            </a:r>
-            <a:r>
-              <a:rPr lang="en-US" dirty="0" smtClean="0"/>
-              <a:t>files: </a:t>
+              <a:t>We could have written 3 files: </a:t>
             </a:r>
             <a:r>
               <a:rPr lang="en-US" dirty="0" err="1" smtClean="0"/>
@@ -9798,11 +9744,7 @@
             </a:r>
             <a:r>
               <a:rPr lang="en-US" dirty="0" smtClean="0"/>
-              <a:t>, </a:t>
-            </a:r>
-            <a:r>
-              <a:rPr lang="en-US" dirty="0" smtClean="0"/>
-              <a:t>and </a:t>
+              <a:t>, and </a:t>
             </a:r>
             <a:r>
               <a:rPr lang="en-US" dirty="0" err="1" smtClean="0"/>
@@ -10294,7 +10236,6 @@
               <a:rPr lang="en-US" dirty="0" smtClean="0"/>
               <a:t>we wrote a solution to the n-queens problem.</a:t>
             </a:r>
-            <a:endParaRPr lang="en-US" dirty="0" smtClean="0"/>
           </a:p>
           <a:p>
             <a:pPr lvl="1"/>
@@ -10302,7 +10243,6 @@
               <a:rPr lang="en-US" dirty="0" smtClean="0"/>
               <a:t>we used generative recursion</a:t>
             </a:r>
-            <a:endParaRPr lang="en-US" dirty="0" smtClean="0"/>
           </a:p>
           <a:p>
             <a:pPr lvl="1"/>
@@ -10444,19 +10384,33 @@
           <a:p>
             <a:r>
               <a:rPr lang="en-US" dirty="0" smtClean="0"/>
-              <a:t>If you have questions about this lesson, ask them on the Discussion Board</a:t>
-            </a:r>
-          </a:p>
-          <a:p>
-            <a:r>
-              <a:rPr lang="en-US" dirty="0" smtClean="0"/>
-              <a:t>Do Guided Practice </a:t>
-            </a:r>
-            <a:r>
-              <a:rPr lang="en-US" dirty="0" smtClean="0"/>
-              <a:t>9.2XXX </a:t>
-            </a:r>
-            <a:endParaRPr lang="en-US" dirty="0" smtClean="0"/>
+              <a:t>Study the file 08-8-queens.rkt i</a:t>
+            </a:r>
+            <a:r>
+              <a:rPr lang="en-US" dirty="0" smtClean="0"/>
+              <a:t>n the </a:t>
+            </a:r>
+            <a:r>
+              <a:rPr lang="en-US" smtClean="0"/>
+              <a:t>Examples folder.</a:t>
+            </a:r>
+            <a:endParaRPr lang="en-US" smtClean="0"/>
+          </a:p>
+          <a:p>
+            <a:r>
+              <a:rPr lang="en-US" dirty="0" smtClean="0"/>
+              <a:t>If </a:t>
+            </a:r>
+            <a:r>
+              <a:rPr lang="en-US" dirty="0" smtClean="0"/>
+              <a:t>you have questions about this lesson, ask them on the Discussion Board</a:t>
+            </a:r>
+          </a:p>
+          <a:p>
+            <a:r>
+              <a:rPr lang="en-US" dirty="0" smtClean="0"/>
+              <a:t>Do Guided Practice 9.2XXX </a:t>
+            </a:r>
           </a:p>
           <a:p>
             <a:r>
@@ -11794,27 +11748,14 @@
           <a:p>
             <a:r>
               <a:rPr lang="en-US" dirty="0" smtClean="0"/>
-              <a:t>Define a </a:t>
-            </a:r>
-            <a:r>
-              <a:rPr lang="en-US" dirty="0" smtClean="0"/>
-              <a:t>legal configuration </a:t>
-            </a:r>
-            <a:r>
-              <a:rPr lang="en-US" dirty="0" smtClean="0"/>
-              <a:t>to be a set of queens on squares that can't attack each other.</a:t>
-            </a:r>
-          </a:p>
-          <a:p>
-            <a:r>
-              <a:rPr lang="en-US" dirty="0" smtClean="0"/>
-              <a:t>Since no two queens can occupy the same row, we'll </a:t>
-            </a:r>
-            <a:r>
-              <a:rPr lang="en-US" dirty="0" smtClean="0"/>
-              <a:t>only represent legal configurations of the form</a:t>
-            </a:r>
-            <a:endParaRPr lang="en-US" dirty="0" smtClean="0"/>
+              <a:t>Define a legal configuration to be a set of queens on squares that can't attack each other.</a:t>
+            </a:r>
+          </a:p>
+          <a:p>
+            <a:r>
+              <a:rPr lang="en-US" dirty="0" smtClean="0"/>
+              <a:t>Since no two queens can occupy the same row, we'll only represent legal configurations of the form</a:t>
+            </a:r>
           </a:p>
           <a:p>
             <a:pPr marL="0" indent="0" algn="ctr">
@@ -11822,11 +11763,7 @@
             </a:pPr>
             <a:r>
               <a:rPr lang="en-US" dirty="0" smtClean="0"/>
-              <a:t>{(</a:t>
-            </a:r>
-            <a:r>
-              <a:rPr lang="en-US" dirty="0" smtClean="0"/>
-              <a:t>1,c1), ..., (k, </a:t>
+              <a:t>{(1,c1), ..., (k, </a:t>
             </a:r>
             <a:r>
               <a:rPr lang="en-US" dirty="0" err="1" smtClean="0"/>
@@ -11843,11 +11780,7 @@
             </a:pPr>
             <a:r>
               <a:rPr lang="en-US" dirty="0" smtClean="0"/>
-              <a:t>for some k</a:t>
-            </a:r>
-            <a:r>
-              <a:rPr lang="en-US" dirty="0" smtClean="0"/>
-              <a:t>.</a:t>
+              <a:t>for some k.</a:t>
             </a:r>
           </a:p>
           <a:p>

--- a/Slides/Lesson 8.7 The 8-Queens Problem.pptx
+++ b/Slides/Lesson 8.7 The 8-Queens Problem.pptx
@@ -251,7 +251,7 @@
             <a:fld id="{CF8F25F6-E1EF-4065-8525-42EDEBD9BD22}" type="datetimeFigureOut">
               <a:rPr lang="en-US" smtClean="0"/>
               <a:pPr/>
-              <a:t>10/19/2015</a:t>
+              <a:t>10/26/2015</a:t>
             </a:fld>
             <a:endParaRPr lang="en-US"/>
           </a:p>
@@ -790,7 +790,7 @@
           <a:p>
             <a:fld id="{2F1F79F5-7BEC-496A-AFC7-876E38F64D71}" type="datetime1">
               <a:rPr lang="en-US" smtClean="0"/>
-              <a:t>10/19/2015</a:t>
+              <a:t>10/26/2015</a:t>
             </a:fld>
             <a:endParaRPr lang="en-US"/>
           </a:p>
@@ -892,7 +892,7 @@
           <a:p>
             <a:fld id="{0A05703A-7669-4FEA-9056-25299B4D29D4}" type="datetime1">
               <a:rPr lang="en-US" smtClean="0"/>
-              <a:t>10/19/2015</a:t>
+              <a:t>10/26/2015</a:t>
             </a:fld>
             <a:endParaRPr lang="en-US"/>
           </a:p>
@@ -1169,7 +1169,7 @@
           <a:p>
             <a:fld id="{6E5077B5-BB57-49DB-88CA-226A139E5C01}" type="datetime1">
               <a:rPr lang="en-US" smtClean="0"/>
-              <a:t>10/19/2015</a:t>
+              <a:t>10/26/2015</a:t>
             </a:fld>
             <a:endParaRPr lang="en-US"/>
           </a:p>
@@ -1422,7 +1422,7 @@
           <a:p>
             <a:fld id="{C48D9447-CBD6-49A1-89FD-8512A8CF8999}" type="datetime1">
               <a:rPr lang="en-US" smtClean="0"/>
-              <a:t>10/19/2015</a:t>
+              <a:t>10/26/2015</a:t>
             </a:fld>
             <a:endParaRPr lang="en-US"/>
           </a:p>
@@ -1592,7 +1592,7 @@
           <a:p>
             <a:fld id="{A3639A2A-823D-48B7-9ACE-7FAF42870BA9}" type="datetime1">
               <a:rPr lang="en-US" smtClean="0"/>
-              <a:t>10/19/2015</a:t>
+              <a:t>10/26/2015</a:t>
             </a:fld>
             <a:endParaRPr lang="en-US"/>
           </a:p>
@@ -1772,7 +1772,7 @@
           <a:p>
             <a:fld id="{ED1B6996-82E9-463C-972C-7B56056E426C}" type="datetime1">
               <a:rPr lang="en-US" smtClean="0"/>
-              <a:t>10/19/2015</a:t>
+              <a:t>10/26/2015</a:t>
             </a:fld>
             <a:endParaRPr lang="en-US"/>
           </a:p>
@@ -1948,7 +1948,7 @@
           <a:p>
             <a:fld id="{E22ED4DA-448D-4BB1-B935-CC112220207B}" type="datetime1">
               <a:rPr lang="en-US" smtClean="0"/>
-              <a:t>10/19/2015</a:t>
+              <a:t>10/26/2015</a:t>
             </a:fld>
             <a:endParaRPr lang="en-US"/>
           </a:p>
@@ -2130,7 +2130,7 @@
           <a:p>
             <a:fld id="{E22ED4DA-448D-4BB1-B935-CC112220207B}" type="datetime1">
               <a:rPr lang="en-US" smtClean="0"/>
-              <a:t>10/19/2015</a:t>
+              <a:t>10/26/2015</a:t>
             </a:fld>
             <a:endParaRPr lang="en-US"/>
           </a:p>
@@ -2399,7 +2399,7 @@
           <a:p>
             <a:fld id="{FF5D65A6-AB94-4435-B0B7-3743215FA46C}" type="datetime1">
               <a:rPr lang="en-US" smtClean="0"/>
-              <a:t>10/19/2015</a:t>
+              <a:t>10/26/2015</a:t>
             </a:fld>
             <a:endParaRPr lang="en-US"/>
           </a:p>
@@ -2584,7 +2584,7 @@
           <a:p>
             <a:fld id="{FF5D65A6-AB94-4435-B0B7-3743215FA46C}" type="datetime1">
               <a:rPr lang="en-US" smtClean="0"/>
-              <a:t>10/19/2015</a:t>
+              <a:t>10/26/2015</a:t>
             </a:fld>
             <a:endParaRPr lang="en-US"/>
           </a:p>
@@ -2886,7 +2886,7 @@
           <a:p>
             <a:fld id="{7C193DC4-6EF0-48C9-B29C-616106A645E1}" type="datetime1">
               <a:rPr lang="en-US" smtClean="0"/>
-              <a:t>10/19/2015</a:t>
+              <a:t>10/26/2015</a:t>
             </a:fld>
             <a:endParaRPr lang="en-US"/>
           </a:p>
@@ -3174,7 +3174,7 @@
           <a:p>
             <a:fld id="{5D1846AD-9252-4647-9435-4C2AC365653A}" type="datetime1">
               <a:rPr lang="en-US" smtClean="0"/>
-              <a:t>10/19/2015</a:t>
+              <a:t>10/26/2015</a:t>
             </a:fld>
             <a:endParaRPr lang="en-US"/>
           </a:p>
@@ -3596,7 +3596,7 @@
           <a:p>
             <a:fld id="{CE56DC10-3561-4063-A6AF-C1CC7A41040A}" type="datetime1">
               <a:rPr lang="en-US" smtClean="0"/>
-              <a:t>10/19/2015</a:t>
+              <a:t>10/26/2015</a:t>
             </a:fld>
             <a:endParaRPr lang="en-US"/>
           </a:p>
@@ -3714,7 +3714,7 @@
           <a:p>
             <a:fld id="{2F7B77F5-1464-4F6B-92A8-64FC8A508293}" type="datetime1">
               <a:rPr lang="en-US" smtClean="0"/>
-              <a:t>10/19/2015</a:t>
+              <a:t>10/26/2015</a:t>
             </a:fld>
             <a:endParaRPr lang="en-US"/>
           </a:p>
@@ -3946,7 +3946,7 @@
           <a:p>
             <a:fld id="{02B3F677-983B-48DB-ADFD-63FE6CBC7FB2}" type="datetime1">
               <a:rPr lang="en-US" smtClean="0"/>
-              <a:t>10/19/2015</a:t>
+              <a:t>10/26/2015</a:t>
             </a:fld>
             <a:endParaRPr lang="en-US"/>
           </a:p>
@@ -5047,7 +5047,7 @@
         <p:spPr/>
         <p:txBody>
           <a:bodyPr>
-            <a:normAutofit fontScale="70000" lnSpcReduction="20000"/>
+            <a:normAutofit fontScale="62500" lnSpcReduction="20000"/>
           </a:bodyPr>
           <a:lstStyle/>
           <a:p>
@@ -5155,8 +5155,27 @@
             </a:r>
             <a:r>
               <a:rPr lang="en-US" sz="2900" dirty="0"/>
-              <a:t>added at (k+1,col)</a:t>
-            </a:r>
+              <a:t>added at (k+1,col</a:t>
+            </a:r>
+            <a:r>
+              <a:rPr lang="en-US" sz="2900" dirty="0" smtClean="0"/>
+              <a:t>)</a:t>
+            </a:r>
+          </a:p>
+          <a:p>
+            <a:r>
+              <a:rPr lang="en-US" sz="2900" dirty="0" smtClean="0"/>
+              <a:t>;; STRATEGY: Cases on whether </a:t>
+            </a:r>
+            <a:r>
+              <a:rPr lang="en-US" sz="2900" dirty="0" err="1" smtClean="0"/>
+              <a:t>config</a:t>
+            </a:r>
+            <a:r>
+              <a:rPr lang="en-US" sz="2900" dirty="0" smtClean="0"/>
+              <a:t> is empty</a:t>
+            </a:r>
+            <a:endParaRPr lang="en-US" sz="2900" dirty="0"/>
           </a:p>
           <a:p>
             <a:r>
@@ -5268,7 +5287,7 @@
         </p:nvSpPr>
         <p:spPr>
           <a:xfrm>
-            <a:off x="5562600" y="3657600"/>
+            <a:off x="5599386" y="3842160"/>
             <a:ext cx="3124200" cy="990600"/>
           </a:xfrm>
           <a:prstGeom prst="rect">
@@ -5426,8 +5445,43 @@
           <a:p>
             <a:r>
               <a:rPr lang="en-US" sz="2000" dirty="0"/>
-              <a:t>;; RETURNS: Is the configuration complete for a board of size n?</a:t>
-            </a:r>
+              <a:t>;; RETURNS: Is the configuration complete for a board </a:t>
+            </a:r>
+            <a:r>
+              <a:rPr lang="en-US" sz="2000" dirty="0" smtClean="0"/>
+              <a:t>of</a:t>
+            </a:r>
+          </a:p>
+          <a:p>
+            <a:r>
+              <a:rPr lang="en-US" sz="2000" dirty="0" smtClean="0"/>
+              <a:t>;; </a:t>
+            </a:r>
+            <a:r>
+              <a:rPr lang="en-US" sz="2000" dirty="0" smtClean="0"/>
+              <a:t> </a:t>
+            </a:r>
+            <a:r>
+              <a:rPr lang="en-US" sz="2000" dirty="0"/>
+              <a:t>size n</a:t>
+            </a:r>
+            <a:r>
+              <a:rPr lang="en-US" sz="2000" dirty="0" smtClean="0"/>
+              <a:t>?</a:t>
+            </a:r>
+          </a:p>
+          <a:p>
+            <a:r>
+              <a:rPr lang="en-US" sz="2000" dirty="0"/>
+              <a:t>;; STRATEGY: combine simpler </a:t>
+            </a:r>
+            <a:r>
+              <a:rPr lang="en-US" sz="2000" dirty="0" smtClean="0"/>
+              <a:t>functions</a:t>
+            </a:r>
+          </a:p>
+          <a:p>
+            <a:endParaRPr lang="en-US" sz="2000" dirty="0"/>
           </a:p>
           <a:p>
             <a:r>
@@ -5566,13 +5620,13 @@
         <p:spPr/>
         <p:txBody>
           <a:bodyPr>
-            <a:normAutofit fontScale="70000" lnSpcReduction="20000"/>
+            <a:normAutofit/>
           </a:bodyPr>
           <a:lstStyle/>
           <a:p>
             <a:pPr>
               <a:spcBef>
-                <a:spcPts val="600"/>
+                <a:spcPts val="0"/>
               </a:spcBef>
             </a:pPr>
             <a:r>
@@ -5584,7 +5638,7 @@
           <a:p>
             <a:pPr>
               <a:spcBef>
-                <a:spcPts val="600"/>
+                <a:spcPts val="0"/>
               </a:spcBef>
             </a:pPr>
             <a:r>
@@ -5616,22 +5670,33 @@
           <a:p>
             <a:pPr>
               <a:spcBef>
-                <a:spcPts val="600"/>
+                <a:spcPts val="0"/>
               </a:spcBef>
             </a:pPr>
             <a:r>
               <a:rPr lang="en-US" sz="1800" dirty="0"/>
-              <a:t>;; GIVEN: a legal </a:t>
-            </a:r>
-            <a:r>
-              <a:rPr lang="en-US" sz="1800" dirty="0" smtClean="0"/>
-              <a:t>configuration and the size of the boa</a:t>
+              <a:t>;; GIVEN: a legal configuration and the size of the board</a:t>
             </a:r>
           </a:p>
           <a:p>
             <a:pPr>
               <a:spcBef>
-                <a:spcPts val="600"/>
+                <a:spcPts val="0"/>
+              </a:spcBef>
+            </a:pPr>
+            <a:r>
+              <a:rPr lang="en-US" sz="1800" dirty="0"/>
+              <a:t>;; RETURNS: an extension of the given configuration to the </a:t>
+            </a:r>
+            <a:r>
+              <a:rPr lang="en-US" sz="1800" dirty="0" smtClean="0"/>
+              <a:t>given</a:t>
+            </a:r>
+          </a:p>
+          <a:p>
+            <a:pPr>
+              <a:spcBef>
+                <a:spcPts val="0"/>
               </a:spcBef>
             </a:pPr>
             <a:r>
@@ -5640,68 +5705,80 @@
             </a:r>
             <a:r>
               <a:rPr lang="en-US" sz="1800" dirty="0"/>
-              <a:t>RETURNS: an extension of the given configuration to the </a:t>
+              <a:t>size</a:t>
             </a:r>
             <a:r>
               <a:rPr lang="en-US" sz="1800" dirty="0" smtClean="0"/>
-              <a:t>given</a:t>
+              <a:t>, if </a:t>
+            </a:r>
+            <a:r>
+              <a:rPr lang="en-US" sz="1800" dirty="0"/>
+              <a:t>there is one, otherwise false.</a:t>
             </a:r>
           </a:p>
           <a:p>
             <a:pPr>
               <a:spcBef>
-                <a:spcPts val="600"/>
+                <a:spcPts val="0"/>
               </a:spcBef>
             </a:pPr>
             <a:r>
-              <a:rPr lang="en-US" sz="1800" dirty="0" smtClean="0"/>
-              <a:t>;; </a:t>
-            </a:r>
-            <a:r>
               <a:rPr lang="en-US" sz="1800" dirty="0"/>
-              <a:t>size</a:t>
-            </a:r>
-            <a:r>
-              <a:rPr lang="en-US" sz="1800" dirty="0" smtClean="0"/>
-              <a:t>, if </a:t>
-            </a:r>
-            <a:r>
-              <a:rPr lang="en-US" sz="1800" dirty="0"/>
-              <a:t>there is one, otherwise false</a:t>
-            </a:r>
-            <a:r>
-              <a:rPr lang="en-US" sz="1800" dirty="0" smtClean="0"/>
-              <a:t>.</a:t>
+              <a:t>;; STRATEGY: Recur on  each legal placement of next queen.</a:t>
             </a:r>
           </a:p>
           <a:p>
             <a:pPr>
               <a:spcBef>
-                <a:spcPts val="600"/>
+                <a:spcPts val="0"/>
               </a:spcBef>
             </a:pPr>
-            <a:endParaRPr lang="en-US" sz="1800" dirty="0"/>
+            <a:r>
+              <a:rPr lang="en-US" sz="1800" dirty="0"/>
+              <a:t>;; DETAILS: Given ((k, </a:t>
+            </a:r>
+            <a:r>
+              <a:rPr lang="en-US" sz="1800" dirty="0" err="1"/>
+              <a:t>c_k</a:t>
+            </a:r>
+            <a:r>
+              <a:rPr lang="en-US" sz="1800" dirty="0"/>
+              <a:t>), (k-1, c_k-1), ... (1, c1)), we </a:t>
+            </a:r>
+            <a:endParaRPr lang="en-US" sz="1800" dirty="0" smtClean="0"/>
           </a:p>
           <a:p>
             <a:pPr>
               <a:spcBef>
-                <a:spcPts val="600"/>
+                <a:spcPts val="0"/>
               </a:spcBef>
             </a:pPr>
             <a:r>
+              <a:rPr lang="en-US" sz="1800" dirty="0" smtClean="0"/>
+              <a:t>;;  generate </a:t>
+            </a:r>
+            <a:r>
               <a:rPr lang="en-US" sz="1800" dirty="0"/>
-              <a:t>;; STRATEGY: general recursion.</a:t>
+              <a:t>all </a:t>
+            </a:r>
+            <a:r>
+              <a:rPr lang="en-US" sz="1800" dirty="0" smtClean="0"/>
+              <a:t>the configurations</a:t>
             </a:r>
           </a:p>
           <a:p>
             <a:pPr>
               <a:spcBef>
-                <a:spcPts val="600"/>
+                <a:spcPts val="0"/>
               </a:spcBef>
             </a:pPr>
             <a:r>
+              <a:rPr lang="en-US" sz="1800" dirty="0" smtClean="0"/>
+              <a:t>;;  </a:t>
+            </a:r>
+            <a:r>
               <a:rPr lang="en-US" sz="1800" dirty="0"/>
-              <a:t>;; Given ((k, </a:t>
+              <a:t>((k+1, c_k+1), (k, </a:t>
             </a:r>
             <a:r>
               <a:rPr lang="en-US" sz="1800" dirty="0" err="1"/>
@@ -5709,251 +5786,46 @@
             </a:r>
             <a:r>
               <a:rPr lang="en-US" sz="1800" dirty="0"/>
-              <a:t>), (k-1, c_k-1), ... (1, c1)), we </a:t>
-            </a:r>
-            <a:r>
-              <a:rPr lang="en-US" sz="1800" dirty="0" smtClean="0"/>
-              <a:t>generate a list of </a:t>
-            </a:r>
-            <a:r>
-              <a:rPr lang="en-US" sz="1800" dirty="0" err="1" smtClean="0"/>
-              <a:t>subproblems</a:t>
-            </a:r>
-            <a:endParaRPr lang="en-US" sz="1800" dirty="0"/>
+              <a:t>), (k-1, c_k-1), ... (1, c1))</a:t>
+            </a:r>
           </a:p>
           <a:p>
             <a:pPr>
               <a:spcBef>
-                <a:spcPts val="600"/>
+                <a:spcPts val="0"/>
               </a:spcBef>
             </a:pPr>
             <a:r>
               <a:rPr lang="en-US" sz="1800" dirty="0"/>
-              <a:t>;; ((k+1, </a:t>
+              <a:t>;; </a:t>
             </a:r>
             <a:r>
               <a:rPr lang="en-US" sz="1800" dirty="0" smtClean="0"/>
-              <a:t>1</a:t>
+              <a:t> and </a:t>
             </a:r>
             <a:r>
               <a:rPr lang="en-US" sz="1800" dirty="0"/>
-              <a:t>), (k, </a:t>
-            </a:r>
-            <a:r>
-              <a:rPr lang="en-US" sz="1800" dirty="0" err="1"/>
-              <a:t>c_k</a:t>
-            </a:r>
-            <a:r>
-              <a:rPr lang="en-US" sz="1800" dirty="0"/>
-              <a:t>), (k-1, c_k-1), ... (1, c1))</a:t>
+              <a:t>recur on each of them until we find one that works.</a:t>
             </a:r>
           </a:p>
           <a:p>
             <a:pPr>
               <a:spcBef>
-                <a:spcPts val="600"/>
+                <a:spcPts val="0"/>
               </a:spcBef>
             </a:pPr>
             <a:r>
               <a:rPr lang="en-US" sz="1800" dirty="0"/>
-              <a:t>;; ((k+1, 2</a:t>
-            </a:r>
-            <a:r>
-              <a:rPr lang="en-US" sz="1800" dirty="0" smtClean="0"/>
-              <a:t>), </a:t>
+              <a:t>;; HALTING MEASURE: (- size (length </a:t>
+            </a:r>
+            <a:r>
+              <a:rPr lang="en-US" sz="1800" dirty="0" err="1"/>
+              <a:t>config</a:t>
             </a:r>
             <a:r>
               <a:rPr lang="en-US" sz="1800" dirty="0"/>
-              <a:t>(k, </a:t>
-            </a:r>
-            <a:r>
-              <a:rPr lang="en-US" sz="1800" dirty="0" err="1"/>
-              <a:t>c_k</a:t>
-            </a:r>
-            <a:r>
-              <a:rPr lang="en-US" sz="1800" dirty="0"/>
-              <a:t>), (k-1, c_k-1), ... (1, c1))</a:t>
-            </a:r>
-          </a:p>
-          <a:p>
-            <a:pPr>
-              <a:spcBef>
-                <a:spcPts val="600"/>
-              </a:spcBef>
-            </a:pPr>
-            <a:r>
-              <a:rPr lang="en-US" sz="1800" dirty="0"/>
-              <a:t>;; ((k+1, 3</a:t>
-            </a:r>
-            <a:r>
-              <a:rPr lang="en-US" sz="1800" dirty="0" smtClean="0"/>
-              <a:t>), </a:t>
-            </a:r>
-            <a:r>
-              <a:rPr lang="en-US" sz="1800" dirty="0"/>
-              <a:t>(k, </a:t>
-            </a:r>
-            <a:r>
-              <a:rPr lang="en-US" sz="1800" dirty="0" err="1"/>
-              <a:t>c_k</a:t>
-            </a:r>
-            <a:r>
-              <a:rPr lang="en-US" sz="1800" dirty="0"/>
-              <a:t>), (k-1, c_k-1), ... (1, c1))</a:t>
-            </a:r>
-          </a:p>
-          <a:p>
-            <a:pPr>
-              <a:spcBef>
-                <a:spcPts val="600"/>
-              </a:spcBef>
-            </a:pPr>
-            <a:r>
-              <a:rPr lang="en-US" sz="1800" dirty="0" smtClean="0"/>
-              <a:t>;; ...</a:t>
-            </a:r>
-          </a:p>
-          <a:p>
-            <a:pPr>
-              <a:spcBef>
-                <a:spcPts val="400"/>
-              </a:spcBef>
-            </a:pPr>
-            <a:r>
-              <a:rPr lang="en-US" sz="1800" dirty="0" smtClean="0"/>
-              <a:t>;; </a:t>
-            </a:r>
-            <a:r>
-              <a:rPr lang="en-US" sz="1800" dirty="0"/>
-              <a:t>((k+1, </a:t>
-            </a:r>
-            <a:r>
-              <a:rPr lang="en-US" sz="1800" dirty="0" smtClean="0"/>
-              <a:t>k+2), </a:t>
-            </a:r>
-            <a:r>
-              <a:rPr lang="en-US" sz="1800" dirty="0"/>
-              <a:t>(k, </a:t>
-            </a:r>
-            <a:r>
-              <a:rPr lang="en-US" sz="1800" dirty="0" err="1"/>
-              <a:t>c_k</a:t>
-            </a:r>
-            <a:r>
-              <a:rPr lang="en-US" sz="1800" dirty="0"/>
-              <a:t>), (k-1, c_k-1), ... (1, c1))</a:t>
-            </a:r>
-          </a:p>
-          <a:p>
-            <a:pPr>
-              <a:spcBef>
-                <a:spcPts val="600"/>
-              </a:spcBef>
-            </a:pPr>
-            <a:r>
-              <a:rPr lang="en-US" sz="1800" dirty="0"/>
-              <a:t>;; ((k+1, </a:t>
-            </a:r>
-            <a:r>
-              <a:rPr lang="en-US" sz="1800" dirty="0" smtClean="0"/>
-              <a:t>k+3), </a:t>
-            </a:r>
-            <a:r>
-              <a:rPr lang="en-US" sz="1800" dirty="0"/>
-              <a:t>(k, </a:t>
-            </a:r>
-            <a:r>
-              <a:rPr lang="en-US" sz="1800" dirty="0" err="1"/>
-              <a:t>c_k</a:t>
-            </a:r>
-            <a:r>
-              <a:rPr lang="en-US" sz="1800" dirty="0"/>
-              <a:t>), (k-1, c_k-1), ... (1, c1))</a:t>
-            </a:r>
-          </a:p>
-          <a:p>
-            <a:pPr>
-              <a:spcBef>
-                <a:spcPts val="600"/>
-              </a:spcBef>
-            </a:pPr>
-            <a:r>
-              <a:rPr lang="en-US" sz="1800" dirty="0" smtClean="0"/>
-              <a:t>;; ... </a:t>
-            </a:r>
-          </a:p>
-          <a:p>
-            <a:pPr>
-              <a:spcBef>
-                <a:spcPts val="600"/>
-              </a:spcBef>
-            </a:pPr>
-            <a:r>
-              <a:rPr lang="en-US" sz="1800" dirty="0" smtClean="0"/>
-              <a:t>;; </a:t>
-            </a:r>
-            <a:r>
-              <a:rPr lang="en-US" sz="1800" dirty="0"/>
-              <a:t>((k+1, </a:t>
-            </a:r>
-            <a:r>
-              <a:rPr lang="en-US" sz="1800" dirty="0" err="1" smtClean="0"/>
-              <a:t>ncols</a:t>
-            </a:r>
-            <a:r>
-              <a:rPr lang="en-US" sz="1800" dirty="0" smtClean="0"/>
-              <a:t>), </a:t>
-            </a:r>
-            <a:r>
-              <a:rPr lang="en-US" sz="1800" dirty="0"/>
-              <a:t>(k, </a:t>
-            </a:r>
-            <a:r>
-              <a:rPr lang="en-US" sz="1800" dirty="0" err="1"/>
-              <a:t>c_k</a:t>
-            </a:r>
-            <a:r>
-              <a:rPr lang="en-US" sz="1800" dirty="0"/>
-              <a:t>), (k-1, c_k-1), ... (1, c1</a:t>
-            </a:r>
-            <a:r>
-              <a:rPr lang="en-US" sz="1800" dirty="0" smtClean="0"/>
               <a:t>))</a:t>
             </a:r>
-          </a:p>
-          <a:p>
-            <a:pPr>
-              <a:spcBef>
-                <a:spcPts val="600"/>
-              </a:spcBef>
-            </a:pPr>
-            <a:r>
-              <a:rPr lang="en-US" sz="1800" dirty="0" smtClean="0"/>
-              <a:t>;;</a:t>
-            </a:r>
-          </a:p>
-          <a:p>
-            <a:pPr>
-              <a:spcBef>
-                <a:spcPts val="600"/>
-              </a:spcBef>
-            </a:pPr>
-            <a:r>
-              <a:rPr lang="en-US" sz="1800" dirty="0" smtClean="0"/>
-              <a:t>;; We’ll recur on each of these that are legal until we find one</a:t>
-            </a:r>
-          </a:p>
-          <a:p>
-            <a:pPr>
-              <a:spcBef>
-                <a:spcPts val="600"/>
-              </a:spcBef>
-            </a:pPr>
-            <a:r>
-              <a:rPr lang="en-US" sz="1800" dirty="0" smtClean="0"/>
-              <a:t>;; that can be extended to the required size.</a:t>
-            </a:r>
-            <a:endParaRPr lang="en-US" sz="1800" dirty="0"/>
           </a:p>
           <a:p>
             <a:pPr>
@@ -6716,7 +6588,7 @@
         <p:spPr/>
         <p:txBody>
           <a:bodyPr>
-            <a:normAutofit/>
+            <a:normAutofit fontScale="92500" lnSpcReduction="10000"/>
           </a:bodyPr>
           <a:lstStyle/>
           <a:p>
@@ -6831,8 +6703,85 @@
             </a:pPr>
             <a:r>
               <a:rPr lang="en-US" sz="2000" dirty="0" smtClean="0"/>
-              <a:t>;; for col in [1,size]</a:t>
-            </a:r>
+              <a:t>;; for col in [1,size</a:t>
+            </a:r>
+            <a:r>
+              <a:rPr lang="en-US" sz="2000" dirty="0" smtClean="0"/>
+              <a:t>]</a:t>
+            </a:r>
+          </a:p>
+          <a:p>
+            <a:pPr>
+              <a:spcBef>
+                <a:spcPts val="0"/>
+              </a:spcBef>
+            </a:pPr>
+            <a:r>
+              <a:rPr lang="en-US" sz="2000" dirty="0"/>
+              <a:t>;; STRATEGY: Use HOF filter on [1,n] to find all places </a:t>
+            </a:r>
+            <a:r>
+              <a:rPr lang="en-US" sz="2000" dirty="0" smtClean="0"/>
+              <a:t>on</a:t>
+            </a:r>
+          </a:p>
+          <a:p>
+            <a:pPr>
+              <a:spcBef>
+                <a:spcPts val="0"/>
+              </a:spcBef>
+            </a:pPr>
+            <a:r>
+              <a:rPr lang="en-US" sz="2000" dirty="0" smtClean="0"/>
+              <a:t>;;  </a:t>
+            </a:r>
+            <a:r>
+              <a:rPr lang="en-US" sz="2000" dirty="0"/>
+              <a:t>which it </a:t>
+            </a:r>
+            <a:r>
+              <a:rPr lang="en-US" sz="2000" dirty="0" smtClean="0"/>
+              <a:t>is legal </a:t>
+            </a:r>
+            <a:r>
+              <a:rPr lang="en-US" sz="2000" dirty="0"/>
+              <a:t>to place next queen.  Use map on the </a:t>
+            </a:r>
+            <a:endParaRPr lang="en-US" sz="2000" dirty="0" smtClean="0"/>
+          </a:p>
+          <a:p>
+            <a:pPr>
+              <a:spcBef>
+                <a:spcPts val="0"/>
+              </a:spcBef>
+            </a:pPr>
+            <a:r>
+              <a:rPr lang="en-US" sz="2000" dirty="0" smtClean="0"/>
+              <a:t>;;  result </a:t>
+            </a:r>
+            <a:r>
+              <a:rPr lang="en-US" sz="2000" dirty="0"/>
+              <a:t>to construct </a:t>
+            </a:r>
+            <a:r>
+              <a:rPr lang="en-US" sz="2000" dirty="0" smtClean="0"/>
+              <a:t>each such </a:t>
+            </a:r>
+            <a:r>
+              <a:rPr lang="en-US" sz="2000" dirty="0"/>
+              <a:t>configuration</a:t>
+            </a:r>
+            <a:r>
+              <a:rPr lang="en-US" sz="2000" dirty="0" smtClean="0"/>
+              <a:t>.</a:t>
+            </a:r>
+          </a:p>
+          <a:p>
+            <a:pPr>
+              <a:spcBef>
+                <a:spcPts val="0"/>
+              </a:spcBef>
+            </a:pPr>
             <a:endParaRPr lang="en-US" sz="2000" dirty="0"/>
           </a:p>
           <a:p>
@@ -7031,7 +6980,7 @@
         <p:spPr/>
         <p:txBody>
           <a:bodyPr>
-            <a:normAutofit fontScale="55000" lnSpcReduction="20000"/>
+            <a:normAutofit fontScale="47500" lnSpcReduction="20000"/>
           </a:bodyPr>
           <a:lstStyle/>
           <a:p>
@@ -7103,12 +7052,8 @@
               </a:spcBef>
             </a:pPr>
             <a:r>
-              <a:rPr lang="en-US" dirty="0" smtClean="0"/>
-              <a:t>(</a:t>
-            </a:r>
-            <a:r>
               <a:rPr lang="en-US" dirty="0"/>
-              <a:t>define (integers-from n m)</a:t>
+              <a:t>;; STRATEGY: recur on n+1;  halt when n &gt; m.</a:t>
             </a:r>
           </a:p>
           <a:p>
@@ -7119,7 +7064,7 @@
             </a:pPr>
             <a:r>
               <a:rPr lang="en-US" dirty="0"/>
-              <a:t>  (cond</a:t>
+              <a:t>;; HALTING MEASURE: max(0,m-n).</a:t>
             </a:r>
           </a:p>
           <a:p>
@@ -7128,10 +7073,7 @@
                 <a:spcPts val="0"/>
               </a:spcBef>
             </a:pPr>
-            <a:r>
-              <a:rPr lang="en-US" dirty="0"/>
-              <a:t>    [(&gt; n m) empty]</a:t>
-            </a:r>
+            <a:endParaRPr lang="en-US" dirty="0" smtClean="0"/>
           </a:p>
           <a:p>
             <a:pPr>
@@ -7140,8 +7082,12 @@
               </a:spcBef>
             </a:pPr>
             <a:r>
+              <a:rPr lang="en-US" dirty="0" smtClean="0"/>
+              <a:t>(</a:t>
+            </a:r>
+            <a:r>
               <a:rPr lang="en-US" dirty="0"/>
-              <a:t>    [else (cons n (integers-from (+ n 1) m))]))</a:t>
+              <a:t>define (integers-from n m)</a:t>
             </a:r>
           </a:p>
           <a:p>
@@ -7150,7 +7096,10 @@
                 <a:spcPts val="0"/>
               </a:spcBef>
             </a:pPr>
-            <a:endParaRPr lang="en-US" dirty="0"/>
+            <a:r>
+              <a:rPr lang="en-US" dirty="0"/>
+              <a:t>  (cond</a:t>
+            </a:r>
           </a:p>
           <a:p>
             <a:pPr>
@@ -7160,29 +7109,8 @@
             </a:pPr>
             <a:r>
               <a:rPr lang="en-US" dirty="0"/>
-              <a:t>;; (X -&gt; </a:t>
-            </a:r>
-            <a:r>
-              <a:rPr lang="en-US" dirty="0" err="1"/>
-              <a:t>MaybeY</a:t>
-            </a:r>
-            <a:r>
-              <a:rPr lang="en-US" dirty="0"/>
-              <a:t>) </a:t>
-            </a:r>
-            <a:r>
-              <a:rPr lang="en-US" dirty="0" err="1"/>
-              <a:t>ListOfX</a:t>
-            </a:r>
-            <a:r>
-              <a:rPr lang="en-US" dirty="0"/>
-              <a:t> -&gt; </a:t>
-            </a:r>
-            <a:r>
-              <a:rPr lang="en-US" dirty="0" err="1"/>
-              <a:t>MaybeY</a:t>
-            </a:r>
-            <a:endParaRPr lang="en-US" dirty="0"/>
+              <a:t>    [(&gt; n m) empty]</a:t>
+            </a:r>
           </a:p>
           <a:p>
             <a:pPr>
@@ -7192,6 +7120,57 @@
             </a:pPr>
             <a:r>
               <a:rPr lang="en-US" dirty="0"/>
+              <a:t>    [else (cons n (integers-from (+ n 1) m))]))</a:t>
+            </a:r>
+          </a:p>
+          <a:p>
+            <a:pPr>
+              <a:spcBef>
+                <a:spcPts val="0"/>
+              </a:spcBef>
+            </a:pPr>
+            <a:endParaRPr lang="en-US" dirty="0"/>
+          </a:p>
+          <a:p>
+            <a:pPr>
+              <a:spcBef>
+                <a:spcPts val="0"/>
+              </a:spcBef>
+            </a:pPr>
+            <a:r>
+              <a:rPr lang="en-US" dirty="0"/>
+              <a:t>;; (X -&gt; </a:t>
+            </a:r>
+            <a:r>
+              <a:rPr lang="en-US" dirty="0" err="1"/>
+              <a:t>MaybeY</a:t>
+            </a:r>
+            <a:r>
+              <a:rPr lang="en-US" dirty="0"/>
+              <a:t>) </a:t>
+            </a:r>
+            <a:r>
+              <a:rPr lang="en-US" dirty="0" err="1"/>
+              <a:t>ListOfX</a:t>
+            </a:r>
+            <a:r>
+              <a:rPr lang="en-US" dirty="0"/>
+              <a:t> -&gt; </a:t>
+            </a:r>
+            <a:r>
+              <a:rPr lang="en-US" dirty="0" err="1"/>
+              <a:t>MaybeY</a:t>
+            </a:r>
+            <a:endParaRPr lang="en-US" dirty="0"/>
+          </a:p>
+          <a:p>
+            <a:pPr>
+              <a:spcBef>
+                <a:spcPts val="0"/>
+              </a:spcBef>
+            </a:pPr>
+            <a:r>
+              <a:rPr lang="en-US" dirty="0"/>
               <a:t>;; first </a:t>
             </a:r>
             <a:r>
@@ -7224,8 +7203,44 @@
             </a:r>
             <a:r>
               <a:rPr lang="en-US" dirty="0"/>
-              <a:t>) is not false; else false</a:t>
-            </a:r>
+              <a:t>) is not false; else </a:t>
+            </a:r>
+            <a:r>
+              <a:rPr lang="en-US" dirty="0" smtClean="0"/>
+              <a:t>false</a:t>
+            </a:r>
+          </a:p>
+          <a:p>
+            <a:pPr>
+              <a:spcBef>
+                <a:spcPts val="0"/>
+              </a:spcBef>
+            </a:pPr>
+            <a:r>
+              <a:rPr lang="en-US" dirty="0"/>
+              <a:t>;; STRATEGY: Use template for </a:t>
+            </a:r>
+            <a:r>
+              <a:rPr lang="en-US" dirty="0" err="1"/>
+              <a:t>ListOfX</a:t>
+            </a:r>
+            <a:r>
+              <a:rPr lang="en-US" dirty="0"/>
+              <a:t> on </a:t>
+            </a:r>
+            <a:r>
+              <a:rPr lang="en-US" dirty="0" err="1" smtClean="0"/>
+              <a:t>lst</a:t>
+            </a:r>
+            <a:endParaRPr lang="en-US" dirty="0" smtClean="0"/>
+          </a:p>
+          <a:p>
+            <a:pPr>
+              <a:spcBef>
+                <a:spcPts val="0"/>
+              </a:spcBef>
+            </a:pPr>
+            <a:endParaRPr lang="en-US" dirty="0"/>
           </a:p>
           <a:p>
             <a:pPr>
@@ -10384,26 +10399,21 @@
           <a:p>
             <a:r>
               <a:rPr lang="en-US" dirty="0" smtClean="0"/>
-              <a:t>Study the file 08-8-queens.rkt i</a:t>
-            </a:r>
-            <a:r>
-              <a:rPr lang="en-US" dirty="0" smtClean="0"/>
-              <a:t>n the </a:t>
-            </a:r>
-            <a:r>
-              <a:rPr lang="en-US" smtClean="0"/>
-              <a:t>Examples folder.</a:t>
-            </a:r>
-            <a:endParaRPr lang="en-US" smtClean="0"/>
-          </a:p>
-          <a:p>
-            <a:r>
-              <a:rPr lang="en-US" dirty="0" smtClean="0"/>
-              <a:t>If </a:t>
-            </a:r>
-            <a:r>
-              <a:rPr lang="en-US" dirty="0" smtClean="0"/>
-              <a:t>you have questions about this lesson, ask them on the Discussion Board</a:t>
+              <a:t>Study the file </a:t>
+            </a:r>
+            <a:r>
+              <a:rPr lang="en-US" dirty="0" smtClean="0"/>
+              <a:t>08-9-queens.rkt </a:t>
+            </a:r>
+            <a:r>
+              <a:rPr lang="en-US" dirty="0" smtClean="0"/>
+              <a:t>in the Examples folder.</a:t>
+            </a:r>
+          </a:p>
+          <a:p>
+            <a:r>
+              <a:rPr lang="en-US" dirty="0" smtClean="0"/>
+              <a:t>If you have questions about this lesson, ask them on the Discussion Board</a:t>
             </a:r>
           </a:p>
           <a:p>

--- a/Slides/Lesson 8.7 The 8-Queens Problem.pptx
+++ b/Slides/Lesson 8.7 The 8-Queens Problem.pptx
@@ -251,7 +251,7 @@
             <a:fld id="{CF8F25F6-E1EF-4065-8525-42EDEBD9BD22}" type="datetimeFigureOut">
               <a:rPr lang="en-US" smtClean="0"/>
               <a:pPr/>
-              <a:t>10/26/2015</a:t>
+              <a:t>10/31/2015</a:t>
             </a:fld>
             <a:endParaRPr lang="en-US"/>
           </a:p>
@@ -790,7 +790,7 @@
           <a:p>
             <a:fld id="{2F1F79F5-7BEC-496A-AFC7-876E38F64D71}" type="datetime1">
               <a:rPr lang="en-US" smtClean="0"/>
-              <a:t>10/26/2015</a:t>
+              <a:t>10/31/2015</a:t>
             </a:fld>
             <a:endParaRPr lang="en-US"/>
           </a:p>
@@ -892,7 +892,7 @@
           <a:p>
             <a:fld id="{0A05703A-7669-4FEA-9056-25299B4D29D4}" type="datetime1">
               <a:rPr lang="en-US" smtClean="0"/>
-              <a:t>10/26/2015</a:t>
+              <a:t>10/31/2015</a:t>
             </a:fld>
             <a:endParaRPr lang="en-US"/>
           </a:p>
@@ -1169,7 +1169,7 @@
           <a:p>
             <a:fld id="{6E5077B5-BB57-49DB-88CA-226A139E5C01}" type="datetime1">
               <a:rPr lang="en-US" smtClean="0"/>
-              <a:t>10/26/2015</a:t>
+              <a:t>10/31/2015</a:t>
             </a:fld>
             <a:endParaRPr lang="en-US"/>
           </a:p>
@@ -1422,7 +1422,7 @@
           <a:p>
             <a:fld id="{C48D9447-CBD6-49A1-89FD-8512A8CF8999}" type="datetime1">
               <a:rPr lang="en-US" smtClean="0"/>
-              <a:t>10/26/2015</a:t>
+              <a:t>10/31/2015</a:t>
             </a:fld>
             <a:endParaRPr lang="en-US"/>
           </a:p>
@@ -1592,7 +1592,7 @@
           <a:p>
             <a:fld id="{A3639A2A-823D-48B7-9ACE-7FAF42870BA9}" type="datetime1">
               <a:rPr lang="en-US" smtClean="0"/>
-              <a:t>10/26/2015</a:t>
+              <a:t>10/31/2015</a:t>
             </a:fld>
             <a:endParaRPr lang="en-US"/>
           </a:p>
@@ -1772,7 +1772,7 @@
           <a:p>
             <a:fld id="{ED1B6996-82E9-463C-972C-7B56056E426C}" type="datetime1">
               <a:rPr lang="en-US" smtClean="0"/>
-              <a:t>10/26/2015</a:t>
+              <a:t>10/31/2015</a:t>
             </a:fld>
             <a:endParaRPr lang="en-US"/>
           </a:p>
@@ -1948,7 +1948,7 @@
           <a:p>
             <a:fld id="{E22ED4DA-448D-4BB1-B935-CC112220207B}" type="datetime1">
               <a:rPr lang="en-US" smtClean="0"/>
-              <a:t>10/26/2015</a:t>
+              <a:t>10/31/2015</a:t>
             </a:fld>
             <a:endParaRPr lang="en-US"/>
           </a:p>
@@ -2130,7 +2130,7 @@
           <a:p>
             <a:fld id="{E22ED4DA-448D-4BB1-B935-CC112220207B}" type="datetime1">
               <a:rPr lang="en-US" smtClean="0"/>
-              <a:t>10/26/2015</a:t>
+              <a:t>10/31/2015</a:t>
             </a:fld>
             <a:endParaRPr lang="en-US"/>
           </a:p>
@@ -2399,7 +2399,7 @@
           <a:p>
             <a:fld id="{FF5D65A6-AB94-4435-B0B7-3743215FA46C}" type="datetime1">
               <a:rPr lang="en-US" smtClean="0"/>
-              <a:t>10/26/2015</a:t>
+              <a:t>10/31/2015</a:t>
             </a:fld>
             <a:endParaRPr lang="en-US"/>
           </a:p>
@@ -2584,7 +2584,7 @@
           <a:p>
             <a:fld id="{FF5D65A6-AB94-4435-B0B7-3743215FA46C}" type="datetime1">
               <a:rPr lang="en-US" smtClean="0"/>
-              <a:t>10/26/2015</a:t>
+              <a:t>10/31/2015</a:t>
             </a:fld>
             <a:endParaRPr lang="en-US"/>
           </a:p>
@@ -2886,7 +2886,7 @@
           <a:p>
             <a:fld id="{7C193DC4-6EF0-48C9-B29C-616106A645E1}" type="datetime1">
               <a:rPr lang="en-US" smtClean="0"/>
-              <a:t>10/26/2015</a:t>
+              <a:t>10/31/2015</a:t>
             </a:fld>
             <a:endParaRPr lang="en-US"/>
           </a:p>
@@ -3174,7 +3174,7 @@
           <a:p>
             <a:fld id="{5D1846AD-9252-4647-9435-4C2AC365653A}" type="datetime1">
               <a:rPr lang="en-US" smtClean="0"/>
-              <a:t>10/26/2015</a:t>
+              <a:t>10/31/2015</a:t>
             </a:fld>
             <a:endParaRPr lang="en-US"/>
           </a:p>
@@ -3596,7 +3596,7 @@
           <a:p>
             <a:fld id="{CE56DC10-3561-4063-A6AF-C1CC7A41040A}" type="datetime1">
               <a:rPr lang="en-US" smtClean="0"/>
-              <a:t>10/26/2015</a:t>
+              <a:t>10/31/2015</a:t>
             </a:fld>
             <a:endParaRPr lang="en-US"/>
           </a:p>
@@ -3714,7 +3714,7 @@
           <a:p>
             <a:fld id="{2F7B77F5-1464-4F6B-92A8-64FC8A508293}" type="datetime1">
               <a:rPr lang="en-US" smtClean="0"/>
-              <a:t>10/26/2015</a:t>
+              <a:t>10/31/2015</a:t>
             </a:fld>
             <a:endParaRPr lang="en-US"/>
           </a:p>
@@ -3946,7 +3946,7 @@
           <a:p>
             <a:fld id="{02B3F677-983B-48DB-ADFD-63FE6CBC7FB2}" type="datetime1">
               <a:rPr lang="en-US" smtClean="0"/>
-              <a:t>10/26/2015</a:t>
+              <a:t>10/31/2015</a:t>
             </a:fld>
             <a:endParaRPr lang="en-US"/>
           </a:p>
@@ -5455,11 +5455,7 @@
           <a:p>
             <a:r>
               <a:rPr lang="en-US" sz="2000" dirty="0" smtClean="0"/>
-              <a:t>;; </a:t>
-            </a:r>
-            <a:r>
-              <a:rPr lang="en-US" sz="2000" dirty="0" smtClean="0"/>
-              <a:t> </a:t>
+              <a:t>;;  </a:t>
             </a:r>
             <a:r>
               <a:rPr lang="en-US" sz="2000" dirty="0"/>
@@ -6703,11 +6699,7 @@
             </a:pPr>
             <a:r>
               <a:rPr lang="en-US" sz="2000" dirty="0" smtClean="0"/>
-              <a:t>;; for col in [1,size</a:t>
-            </a:r>
-            <a:r>
-              <a:rPr lang="en-US" sz="2000" dirty="0" smtClean="0"/>
-              <a:t>]</a:t>
+              <a:t>;; for col in [1,size]</a:t>
             </a:r>
           </a:p>
           <a:p>
@@ -10399,15 +10391,7 @@
           <a:p>
             <a:r>
               <a:rPr lang="en-US" dirty="0" smtClean="0"/>
-              <a:t>Study the file </a:t>
-            </a:r>
-            <a:r>
-              <a:rPr lang="en-US" dirty="0" smtClean="0"/>
-              <a:t>08-9-queens.rkt </a:t>
-            </a:r>
-            <a:r>
-              <a:rPr lang="en-US" dirty="0" smtClean="0"/>
-              <a:t>in the Examples folder.</a:t>
+              <a:t>Study the file 08-9-queens.rkt in the Examples folder.</a:t>
             </a:r>
           </a:p>
           <a:p>
@@ -10419,8 +10403,21 @@
           <a:p>
             <a:r>
               <a:rPr lang="en-US" dirty="0" smtClean="0"/>
-              <a:t>Do Guided Practice 9.2XXX </a:t>
-            </a:r>
+              <a:t>Do Guided </a:t>
+            </a:r>
+            <a:r>
+              <a:rPr lang="en-US" smtClean="0"/>
+              <a:t>Practice </a:t>
+            </a:r>
+            <a:r>
+              <a:rPr lang="en-US" smtClean="0"/>
+              <a:t>8.5</a:t>
+            </a:r>
+            <a:r>
+              <a:rPr lang="en-US" smtClean="0"/>
+              <a:t> </a:t>
+            </a:r>
+            <a:endParaRPr lang="en-US" dirty="0" smtClean="0"/>
           </a:p>
           <a:p>
             <a:r>
